--- a/Session10/Session10_Slides.pptx
+++ b/Session10/Session10_Slides.pptx
@@ -47,10 +47,6 @@
     <p:sldId id="292" r:id="rId44"/>
     <p:sldId id="293" r:id="rId45"/>
     <p:sldId id="294" r:id="rId46"/>
-    <p:sldId id="295" r:id="rId47"/>
-    <p:sldId id="296" r:id="rId48"/>
-    <p:sldId id="297" r:id="rId49"/>
-    <p:sldId id="298" r:id="rId50"/>
   </p:sldIdLst>
   <p:sldSz cx="13004800" cy="9753600"/>
   <p:notesSz cx="6858000" cy="9144000"/>
@@ -378,7 +374,7 @@
       </p:grpSpPr>
       <p:sp>
         <p:nvSpPr>
-          <p:cNvPr id="200" name="Shape 200"/>
+          <p:cNvPr id="208" name="Shape 208"/>
           <p:cNvSpPr/>
           <p:nvPr>
             <p:ph type="sldImg"/>
@@ -403,7 +399,7 @@
       </p:sp>
       <p:sp>
         <p:nvSpPr>
-          <p:cNvPr id="201" name="Shape 201"/>
+          <p:cNvPr id="209" name="Shape 209"/>
           <p:cNvSpPr/>
           <p:nvPr>
             <p:ph type="body" sz="quarter" idx="1"/>
@@ -3047,6 +3043,100 @@
 </p:sldLayout>
 </file>
 
+<file path=ppt/slideLayouts/slideLayout21.xml><?xml version="1.0" encoding="utf-8"?>
+<p:sldLayout xmlns:a="http://schemas.openxmlformats.org/drawingml/2006/main" xmlns:r="http://schemas.openxmlformats.org/officeDocument/2006/relationships" xmlns:p="http://schemas.openxmlformats.org/presentationml/2006/main" type="tx" showMasterSp="0" showMasterPhAnim="1">
+  <p:cSld name="Title - Center">
+    <p:bg>
+      <p:bgPr>
+        <a:solidFill>
+          <a:srgbClr val="222222"/>
+        </a:solidFill>
+      </p:bgPr>
+    </p:bg>
+    <p:spTree>
+      <p:nvGrpSpPr>
+        <p:cNvPr id="1" name=""/>
+        <p:cNvGrpSpPr/>
+        <p:nvPr/>
+      </p:nvGrpSpPr>
+      <p:grpSpPr>
+        <a:xfrm>
+          <a:off x="0" y="0"/>
+          <a:ext cx="0" cy="0"/>
+          <a:chOff x="0" y="0"/>
+          <a:chExt cx="0" cy="0"/>
+        </a:xfrm>
+      </p:grpSpPr>
+      <p:sp>
+        <p:nvSpPr>
+          <p:cNvPr id="201" name="Shape 201"/>
+          <p:cNvSpPr/>
+          <p:nvPr>
+            <p:ph type="title"/>
+          </p:nvPr>
+        </p:nvSpPr>
+        <p:spPr>
+          <a:xfrm>
+            <a:off x="406400" y="4038600"/>
+            <a:ext cx="12192000" cy="4521200"/>
+          </a:xfrm>
+          <a:prstGeom prst="rect">
+            <a:avLst/>
+          </a:prstGeom>
+        </p:spPr>
+        <p:txBody>
+          <a:bodyPr/>
+          <a:lstStyle>
+            <a:lvl1pPr>
+              <a:spcBef>
+                <a:spcPts val="0"/>
+              </a:spcBef>
+              <a:defRPr sz="17000"/>
+            </a:lvl1pPr>
+          </a:lstStyle>
+          <a:p>
+            <a:pPr/>
+            <a:r>
+              <a:t>Title Text</a:t>
+            </a:r>
+          </a:p>
+        </p:txBody>
+      </p:sp>
+      <p:sp>
+        <p:nvSpPr>
+          <p:cNvPr id="202" name="Shape 202"/>
+          <p:cNvSpPr/>
+          <p:nvPr>
+            <p:ph type="sldNum" sz="quarter" idx="2"/>
+          </p:nvPr>
+        </p:nvSpPr>
+        <p:spPr>
+          <a:xfrm>
+            <a:off x="12194441" y="431800"/>
+            <a:ext cx="406897" cy="457200"/>
+          </a:xfrm>
+          <a:prstGeom prst="rect">
+            <a:avLst/>
+          </a:prstGeom>
+        </p:spPr>
+        <p:txBody>
+          <a:bodyPr/>
+          <a:lstStyle/>
+          <a:p>
+            <a:pPr/>
+            <a:fld id="{86CB4B4D-7CA3-9044-876B-883B54F8677D}" type="slidenum"/>
+          </a:p>
+        </p:txBody>
+      </p:sp>
+    </p:spTree>
+  </p:cSld>
+  <p:clrMapOvr>
+    <a:masterClrMapping/>
+  </p:clrMapOvr>
+  <p:transition xmlns:p14="http://schemas.microsoft.com/office/powerpoint/2010/main" spd="med" advClick="1"/>
+</p:sldLayout>
+</file>
+
 <file path=ppt/slideLayouts/slideLayout3.xml><?xml version="1.0" encoding="utf-8"?>
 <p:sldLayout xmlns:a="http://schemas.openxmlformats.org/drawingml/2006/main" xmlns:r="http://schemas.openxmlformats.org/officeDocument/2006/relationships" xmlns:p="http://schemas.openxmlformats.org/presentationml/2006/main" type="tx" showMasterSp="0" showMasterPhAnim="1">
   <p:cSld name="Title &amp; Subtitle Alt">
@@ -4760,6 +4850,7 @@
     <p:sldLayoutId id="2147483666" r:id="rId19"/>
     <p:sldLayoutId id="2147483667" r:id="rId20"/>
     <p:sldLayoutId id="2147483668" r:id="rId21"/>
+    <p:sldLayoutId id="2147483669" r:id="rId22"/>
   </p:sldLayoutIdLst>
   <p:transition xmlns:p14="http://schemas.microsoft.com/office/powerpoint/2010/main" spd="med" advClick="1"/>
   <p:txStyles>
@@ -5611,7 +5702,7 @@
       </p:grpSpPr>
       <p:sp>
         <p:nvSpPr>
-          <p:cNvPr id="203" name="Shape 203"/>
+          <p:cNvPr id="211" name="Shape 211"/>
           <p:cNvSpPr/>
           <p:nvPr>
             <p:ph type="ctrTitle"/>
@@ -5635,7 +5726,7 @@
       </p:sp>
       <p:sp>
         <p:nvSpPr>
-          <p:cNvPr id="204" name="Shape 204"/>
+          <p:cNvPr id="212" name="Shape 212"/>
           <p:cNvSpPr/>
           <p:nvPr>
             <p:ph type="subTitle" sz="quarter" idx="1"/>
@@ -5685,7 +5776,7 @@
       </p:grpSpPr>
       <p:sp>
         <p:nvSpPr>
-          <p:cNvPr id="236" name="Shape 236"/>
+          <p:cNvPr id="246" name="Shape 246"/>
           <p:cNvSpPr/>
           <p:nvPr>
             <p:ph type="title"/>
@@ -5693,8 +5784,8 @@
         </p:nvSpPr>
         <p:spPr>
           <a:xfrm>
-            <a:off x="3279937" y="4128458"/>
-            <a:ext cx="6444926" cy="1982356"/>
+            <a:off x="406400" y="1536700"/>
+            <a:ext cx="12192000" cy="1169260"/>
           </a:xfrm>
           <a:prstGeom prst="rect">
             <a:avLst/>
@@ -5703,14 +5794,62 @@
         <p:txBody>
           <a:bodyPr/>
           <a:lstStyle>
-            <a:lvl1pPr defTabSz="502412">
-              <a:defRPr sz="14620"/>
+            <a:lvl1pPr defTabSz="403097">
+              <a:spcBef>
+                <a:spcPts val="1900"/>
+              </a:spcBef>
+              <a:defRPr sz="8280"/>
             </a:lvl1pPr>
           </a:lstStyle>
           <a:p>
             <a:pPr/>
             <a:r>
-              <a:t>Exercises</a:t>
+              <a:t>Using a Model</a:t>
+            </a:r>
+          </a:p>
+        </p:txBody>
+      </p:sp>
+      <p:sp>
+        <p:nvSpPr>
+          <p:cNvPr id="247" name="Shape 247"/>
+          <p:cNvSpPr/>
+          <p:nvPr/>
+        </p:nvSpPr>
+        <p:spPr>
+          <a:xfrm>
+            <a:off x="526400" y="4993624"/>
+            <a:ext cx="13599923" cy="812801"/>
+          </a:xfrm>
+          <a:prstGeom prst="rect">
+            <a:avLst/>
+          </a:prstGeom>
+          <a:ln w="12700">
+            <a:miter lim="400000"/>
+          </a:ln>
+          <a:extLst>
+            <a:ext uri="{C572A759-6A51-4108-AA02-DFA0A04FC94B}">
+              <ma14:wrappingTextBoxFlag xmlns:ma14="http://schemas.microsoft.com/office/mac/drawingml/2011/main" val="1"/>
+            </a:ext>
+          </a:extLst>
+        </p:spPr>
+        <p:txBody>
+          <a:bodyPr lIns="50800" tIns="50800" rIns="50800" bIns="50800" anchor="ctr">
+            <a:spAutoFit/>
+          </a:bodyPr>
+          <a:lstStyle>
+            <a:lvl1pPr>
+              <a:defRPr sz="4700">
+                <a:latin typeface="Anonymous Pro for Powerline"/>
+                <a:ea typeface="Anonymous Pro for Powerline"/>
+                <a:cs typeface="Anonymous Pro for Powerline"/>
+                <a:sym typeface="Anonymous Pro for Powerline"/>
+              </a:defRPr>
+            </a:lvl1pPr>
+          </a:lstStyle>
+          <a:p>
+            <a:pPr/>
+            <a:r>
+              <a:t>model.predict(df[columns])</a:t>
             </a:r>
           </a:p>
         </p:txBody>
@@ -5743,7 +5882,7 @@
       </p:grpSpPr>
       <p:sp>
         <p:nvSpPr>
-          <p:cNvPr id="238" name="Shape 238"/>
+          <p:cNvPr id="249" name="Shape 249"/>
           <p:cNvSpPr/>
           <p:nvPr>
             <p:ph type="title"/>
@@ -5751,8 +5890,8 @@
         </p:nvSpPr>
         <p:spPr>
           <a:xfrm>
-            <a:off x="406400" y="1536700"/>
-            <a:ext cx="12192000" cy="1169260"/>
+            <a:off x="3279937" y="4128458"/>
+            <a:ext cx="6444926" cy="1982356"/>
           </a:xfrm>
           <a:prstGeom prst="rect">
             <a:avLst/>
@@ -5761,74 +5900,14 @@
         <p:txBody>
           <a:bodyPr/>
           <a:lstStyle>
-            <a:lvl1pPr defTabSz="403097">
-              <a:spcBef>
-                <a:spcPts val="1900"/>
-              </a:spcBef>
-              <a:defRPr sz="8280"/>
+            <a:lvl1pPr defTabSz="502412">
+              <a:defRPr sz="14620"/>
             </a:lvl1pPr>
           </a:lstStyle>
           <a:p>
             <a:pPr/>
             <a:r>
-              <a:t>Why Least squares?</a:t>
-            </a:r>
-          </a:p>
-        </p:txBody>
-      </p:sp>
-      <p:sp>
-        <p:nvSpPr>
-          <p:cNvPr id="239" name="Shape 239"/>
-          <p:cNvSpPr/>
-          <p:nvPr>
-            <p:ph type="body" idx="1"/>
-          </p:nvPr>
-        </p:nvSpPr>
-        <p:spPr>
-          <a:xfrm>
-            <a:off x="406400" y="3953767"/>
-            <a:ext cx="12192000" cy="5059848"/>
-          </a:xfrm>
-          <a:prstGeom prst="rect">
-            <a:avLst/>
-          </a:prstGeom>
-        </p:spPr>
-        <p:txBody>
-          <a:bodyPr/>
-          <a:lstStyle/>
-          <a:p>
-            <a:pPr marL="705970" indent="-705970">
-              <a:buClrTx/>
-              <a:buSzPct val="40000"/>
-              <a:buFontTx/>
-              <a:buBlip>
-                <a:blip r:embed="rId2"/>
-              </a:buBlip>
-              <a:defRPr sz="6400"/>
-            </a:pPr>
-            <a:r>
-              <a:t>Math is </a:t>
-            </a:r>
-            <a:r>
-              <a:rPr u="sng"/>
-              <a:t>much</a:t>
-            </a:r>
-            <a:r>
-              <a:t> simpler</a:t>
-            </a:r>
-          </a:p>
-          <a:p>
-            <a:pPr marL="705970" indent="-705970">
-              <a:buClrTx/>
-              <a:buSzPct val="40000"/>
-              <a:buFontTx/>
-              <a:buBlip>
-                <a:blip r:embed="rId2"/>
-              </a:buBlip>
-              <a:defRPr sz="6400"/>
-            </a:pPr>
-            <a:r>
-              <a:t>Maximum likelihood estimator, when data is normal</a:t>
+              <a:t>Exercises</a:t>
             </a:r>
           </a:p>
         </p:txBody>
@@ -5861,63 +5940,52 @@
       </p:grpSpPr>
       <p:sp>
         <p:nvSpPr>
-          <p:cNvPr id="241" name="Shape 241"/>
-          <p:cNvSpPr/>
-          <p:nvPr>
-            <p:ph type="body" idx="13"/>
-          </p:nvPr>
-        </p:nvSpPr>
-        <p:spPr>
-          <a:prstGeom prst="rect">
-            <a:avLst/>
-          </a:prstGeom>
-        </p:spPr>
-        <p:txBody>
-          <a:bodyPr/>
-          <a:lstStyle/>
-          <a:p>
-            <a:pPr/>
-            <a:r>
-              <a:t>Text</a:t>
-            </a:r>
-          </a:p>
-        </p:txBody>
-      </p:sp>
-      <p:sp>
-        <p:nvSpPr>
-          <p:cNvPr id="242" name="Shape 242"/>
+          <p:cNvPr id="251" name="Shape 251"/>
           <p:cNvSpPr/>
           <p:nvPr>
             <p:ph type="title"/>
           </p:nvPr>
         </p:nvSpPr>
         <p:spPr>
+          <a:xfrm>
+            <a:off x="406400" y="1536700"/>
+            <a:ext cx="12192000" cy="1169260"/>
+          </a:xfrm>
           <a:prstGeom prst="rect">
             <a:avLst/>
           </a:prstGeom>
         </p:spPr>
         <p:txBody>
           <a:bodyPr/>
-          <a:lstStyle/>
-          <a:p>
-            <a:pPr defTabSz="467359">
+          <a:lstStyle>
+            <a:lvl1pPr defTabSz="403097">
               <a:spcBef>
-                <a:spcPts val="2200"/>
+                <a:spcPts val="1900"/>
               </a:spcBef>
-              <a:defRPr sz="4800"/>
-            </a:pPr>
-          </a:p>
-        </p:txBody>
-      </p:sp>
-      <p:sp>
-        <p:nvSpPr>
-          <p:cNvPr id="243" name="Shape 243"/>
+              <a:defRPr sz="8280"/>
+            </a:lvl1pPr>
+          </a:lstStyle>
+          <a:p>
+            <a:pPr/>
+            <a:r>
+              <a:t>Problem #1: Shape of Data</a:t>
+            </a:r>
+          </a:p>
+        </p:txBody>
+      </p:sp>
+      <p:sp>
+        <p:nvSpPr>
+          <p:cNvPr id="252" name="Shape 252"/>
           <p:cNvSpPr/>
           <p:nvPr>
             <p:ph type="body" idx="1"/>
           </p:nvPr>
         </p:nvSpPr>
         <p:spPr>
+          <a:xfrm>
+            <a:off x="406400" y="3953767"/>
+            <a:ext cx="12192000" cy="5059848"/>
+          </a:xfrm>
           <a:prstGeom prst="rect">
             <a:avLst/>
           </a:prstGeom>
@@ -5926,39 +5994,35 @@
           <a:bodyPr/>
           <a:lstStyle/>
           <a:p>
-            <a:pPr/>
-          </a:p>
-        </p:txBody>
-      </p:sp>
-      <p:pic>
-        <p:nvPicPr>
-          <p:cNvPr id="244" name="pasted-image.jpeg"/>
-          <p:cNvPicPr>
-            <a:picLocks noChangeAspect="1"/>
-          </p:cNvPicPr>
-          <p:nvPr/>
-        </p:nvPicPr>
-        <p:blipFill>
-          <a:blip r:embed="rId2">
-            <a:extLst/>
-          </a:blip>
-          <a:stretch>
-            <a:fillRect/>
-          </a:stretch>
-        </p:blipFill>
-        <p:spPr>
-          <a:xfrm>
-            <a:off x="0" y="-101719"/>
-            <a:ext cx="13004801" cy="12242801"/>
-          </a:xfrm>
-          <a:prstGeom prst="rect">
-            <a:avLst/>
-          </a:prstGeom>
-          <a:ln w="12700">
-            <a:miter lim="400000"/>
-          </a:ln>
-        </p:spPr>
-      </p:pic>
+            <a:pPr marL="705970" indent="-705970">
+              <a:buClrTx/>
+              <a:buSzPct val="40000"/>
+              <a:buFontTx/>
+              <a:buBlip>
+                <a:blip r:embed="rId2"/>
+              </a:buBlip>
+              <a:defRPr sz="6400"/>
+            </a:pPr>
+            <a:r>
+              <a:t>Not centered on zero</a:t>
+            </a:r>
+          </a:p>
+          <a:p>
+            <a:pPr marL="705970" indent="-705970">
+              <a:buClrTx/>
+              <a:buSzPct val="40000"/>
+              <a:buFontTx/>
+              <a:buBlip>
+                <a:blip r:embed="rId2"/>
+              </a:buBlip>
+              <a:defRPr sz="6400"/>
+            </a:pPr>
+            <a:r>
+              <a:t>Columns have different magnitudes</a:t>
+            </a:r>
+          </a:p>
+        </p:txBody>
+      </p:sp>
     </p:spTree>
   </p:cSld>
   <p:clrMapOvr>
@@ -5985,26 +6049,51 @@
           <a:chExt cx="0" cy="0"/>
         </a:xfrm>
       </p:grpSpPr>
-      <p:pic>
-        <p:nvPicPr>
-          <p:cNvPr id="246" name="pasted-image.png"/>
-          <p:cNvPicPr>
-            <a:picLocks noChangeAspect="1"/>
-          </p:cNvPicPr>
+      <p:sp>
+        <p:nvSpPr>
+          <p:cNvPr id="254" name="Shape 254"/>
+          <p:cNvSpPr/>
+          <p:nvPr>
+            <p:ph type="title"/>
+          </p:nvPr>
+        </p:nvSpPr>
+        <p:spPr>
+          <a:xfrm>
+            <a:off x="406400" y="1536700"/>
+            <a:ext cx="12192000" cy="1169261"/>
+          </a:xfrm>
+          <a:prstGeom prst="rect">
+            <a:avLst/>
+          </a:prstGeom>
+        </p:spPr>
+        <p:txBody>
+          <a:bodyPr/>
+          <a:lstStyle>
+            <a:lvl1pPr defTabSz="403097">
+              <a:spcBef>
+                <a:spcPts val="1900"/>
+              </a:spcBef>
+              <a:defRPr sz="8200"/>
+            </a:lvl1pPr>
+          </a:lstStyle>
+          <a:p>
+            <a:pPr/>
+            <a:r>
+              <a:t>Interpreting Linear models</a:t>
+            </a:r>
+          </a:p>
+        </p:txBody>
+      </p:sp>
+      <p:sp>
+        <p:nvSpPr>
+          <p:cNvPr id="255" name="Shape 255"/>
+          <p:cNvSpPr/>
           <p:nvPr/>
-        </p:nvPicPr>
-        <p:blipFill>
-          <a:blip r:embed="rId2">
-            <a:extLst/>
-          </a:blip>
-          <a:stretch>
-            <a:fillRect/>
-          </a:stretch>
-        </p:blipFill>
-        <p:spPr>
-          <a:xfrm>
-            <a:off x="0" y="1625600"/>
-            <a:ext cx="13004801" cy="6502400"/>
+        </p:nvSpPr>
+        <p:spPr>
+          <a:xfrm>
+            <a:off x="491299" y="3428960"/>
+            <a:ext cx="12946701" cy="876301"/>
           </a:xfrm>
           <a:prstGeom prst="rect">
             <a:avLst/>
@@ -6012,8 +6101,127 @@
           <a:ln w="12700">
             <a:miter lim="400000"/>
           </a:ln>
-        </p:spPr>
-      </p:pic>
+          <a:extLst>
+            <a:ext uri="{C572A759-6A51-4108-AA02-DFA0A04FC94B}">
+              <ma14:wrappingTextBoxFlag xmlns:ma14="http://schemas.microsoft.com/office/mac/drawingml/2011/main" val="1"/>
+            </a:ext>
+          </a:extLst>
+        </p:spPr>
+        <p:txBody>
+          <a:bodyPr lIns="50800" tIns="50800" rIns="50800" bIns="50800" anchor="ctr">
+            <a:spAutoFit/>
+          </a:bodyPr>
+          <a:lstStyle>
+            <a:lvl1pPr>
+              <a:defRPr sz="5100">
+                <a:latin typeface="Anonymous Pro for Powerline"/>
+                <a:ea typeface="Anonymous Pro for Powerline"/>
+                <a:cs typeface="Anonymous Pro for Powerline"/>
+                <a:sym typeface="Anonymous Pro for Powerline"/>
+              </a:defRPr>
+            </a:lvl1pPr>
+          </a:lstStyle>
+          <a:p>
+            <a:pPr/>
+            <a:r>
+              <a:t>model.coef_</a:t>
+            </a:r>
+          </a:p>
+        </p:txBody>
+      </p:sp>
+      <p:sp>
+        <p:nvSpPr>
+          <p:cNvPr id="256" name="Shape 256"/>
+          <p:cNvSpPr/>
+          <p:nvPr/>
+        </p:nvSpPr>
+        <p:spPr>
+          <a:xfrm>
+            <a:off x="2412967" y="4703186"/>
+            <a:ext cx="11753417" cy="863601"/>
+          </a:xfrm>
+          <a:prstGeom prst="rect">
+            <a:avLst/>
+          </a:prstGeom>
+          <a:ln w="12700">
+            <a:miter lim="400000"/>
+          </a:ln>
+          <a:extLst>
+            <a:ext uri="{C572A759-6A51-4108-AA02-DFA0A04FC94B}">
+              <ma14:wrappingTextBoxFlag xmlns:ma14="http://schemas.microsoft.com/office/mac/drawingml/2011/main" val="1"/>
+            </a:ext>
+          </a:extLst>
+        </p:spPr>
+        <p:txBody>
+          <a:bodyPr lIns="50800" tIns="50800" rIns="50800" bIns="50800" anchor="ctr">
+            <a:spAutoFit/>
+          </a:bodyPr>
+          <a:lstStyle>
+            <a:lvl1pPr>
+              <a:defRPr sz="5000">
+                <a:latin typeface="Anonymous Pro for Powerline"/>
+                <a:ea typeface="Anonymous Pro for Powerline"/>
+                <a:cs typeface="Anonymous Pro for Powerline"/>
+                <a:sym typeface="Anonymous Pro for Powerline"/>
+              </a:defRPr>
+            </a:lvl1pPr>
+          </a:lstStyle>
+          <a:p>
+            <a:pPr/>
+            <a:r>
+              <a:t>[-1.840,4.24, …, -9.96])</a:t>
+            </a:r>
+          </a:p>
+        </p:txBody>
+      </p:sp>
+      <p:sp>
+        <p:nvSpPr>
+          <p:cNvPr id="257" name="Shape 257"/>
+          <p:cNvSpPr/>
+          <p:nvPr/>
+        </p:nvSpPr>
+        <p:spPr>
+          <a:xfrm>
+            <a:off x="584914" y="5028260"/>
+            <a:ext cx="1620784" cy="518252"/>
+          </a:xfrm>
+          <a:prstGeom prst="rightArrow">
+            <a:avLst>
+              <a:gd name="adj1" fmla="val 34174"/>
+              <a:gd name="adj2" fmla="val 145948"/>
+            </a:avLst>
+          </a:prstGeom>
+          <a:solidFill>
+            <a:schemeClr val="accent5"/>
+          </a:solidFill>
+          <a:ln w="12700">
+            <a:miter lim="400000"/>
+          </a:ln>
+        </p:spPr>
+        <p:txBody>
+          <a:bodyPr lIns="50800" tIns="50800" rIns="50800" bIns="50800" anchor="ctr"/>
+          <a:lstStyle/>
+          <a:p>
+            <a:pPr algn="ctr">
+              <a:lnSpc>
+                <a:spcPct val="80000"/>
+              </a:lnSpc>
+              <a:spcBef>
+                <a:spcPts val="0"/>
+              </a:spcBef>
+              <a:defRPr cap="all" sz="2800">
+                <a:solidFill>
+                  <a:srgbClr val="FFFFFF"/>
+                </a:solidFill>
+                <a:latin typeface="+mn-lt"/>
+                <a:ea typeface="+mn-ea"/>
+                <a:cs typeface="+mn-cs"/>
+                <a:sym typeface="DIN Condensed"/>
+              </a:defRPr>
+            </a:pPr>
+          </a:p>
+        </p:txBody>
+      </p:sp>
     </p:spTree>
   </p:cSld>
   <p:clrMapOvr>
@@ -6042,7 +6250,7 @@
       </p:grpSpPr>
       <p:sp>
         <p:nvSpPr>
-          <p:cNvPr id="248" name="Shape 248"/>
+          <p:cNvPr id="259" name="Shape 259"/>
           <p:cNvSpPr/>
           <p:nvPr>
             <p:ph type="title"/>
@@ -6051,7 +6259,7 @@
         <p:spPr>
           <a:xfrm>
             <a:off x="406400" y="1536700"/>
-            <a:ext cx="12192000" cy="1169260"/>
+            <a:ext cx="12192000" cy="1169261"/>
           </a:xfrm>
           <a:prstGeom prst="rect">
             <a:avLst/>
@@ -6064,67 +6272,185 @@
               <a:spcBef>
                 <a:spcPts val="1900"/>
               </a:spcBef>
-              <a:defRPr sz="8280"/>
+              <a:defRPr sz="8200"/>
             </a:lvl1pPr>
           </a:lstStyle>
           <a:p>
             <a:pPr/>
             <a:r>
-              <a:t>Problem #1: Shape of Data</a:t>
-            </a:r>
-          </a:p>
-        </p:txBody>
-      </p:sp>
-      <p:sp>
-        <p:nvSpPr>
-          <p:cNvPr id="249" name="Shape 249"/>
-          <p:cNvSpPr/>
-          <p:nvPr>
-            <p:ph type="body" idx="1"/>
-          </p:nvPr>
-        </p:nvSpPr>
-        <p:spPr>
-          <a:xfrm>
-            <a:off x="406400" y="3953767"/>
-            <a:ext cx="12192000" cy="5059848"/>
-          </a:xfrm>
-          <a:prstGeom prst="rect">
-            <a:avLst/>
-          </a:prstGeom>
-        </p:spPr>
-        <p:txBody>
-          <a:bodyPr/>
+              <a:t>Interpreting Linear models</a:t>
+            </a:r>
+          </a:p>
+        </p:txBody>
+      </p:sp>
+      <p:sp>
+        <p:nvSpPr>
+          <p:cNvPr id="260" name="Shape 260"/>
+          <p:cNvSpPr/>
+          <p:nvPr/>
+        </p:nvSpPr>
+        <p:spPr>
+          <a:xfrm>
+            <a:off x="491299" y="3428960"/>
+            <a:ext cx="12946701" cy="876301"/>
+          </a:xfrm>
+          <a:prstGeom prst="rect">
+            <a:avLst/>
+          </a:prstGeom>
+          <a:ln w="12700">
+            <a:miter lim="400000"/>
+          </a:ln>
+          <a:extLst>
+            <a:ext uri="{C572A759-6A51-4108-AA02-DFA0A04FC94B}">
+              <ma14:wrappingTextBoxFlag xmlns:ma14="http://schemas.microsoft.com/office/mac/drawingml/2011/main" val="1"/>
+            </a:ext>
+          </a:extLst>
+        </p:spPr>
+        <p:txBody>
+          <a:bodyPr lIns="50800" tIns="50800" rIns="50800" bIns="50800" anchor="ctr">
+            <a:spAutoFit/>
+          </a:bodyPr>
+          <a:lstStyle>
+            <a:lvl1pPr>
+              <a:defRPr sz="5100">
+                <a:latin typeface="Anonymous Pro for Powerline"/>
+                <a:ea typeface="Anonymous Pro for Powerline"/>
+                <a:cs typeface="Anonymous Pro for Powerline"/>
+                <a:sym typeface="Anonymous Pro for Powerline"/>
+              </a:defRPr>
+            </a:lvl1pPr>
+          </a:lstStyle>
+          <a:p>
+            <a:pPr/>
+            <a:r>
+              <a:t>model.coef_</a:t>
+            </a:r>
+          </a:p>
+        </p:txBody>
+      </p:sp>
+      <p:sp>
+        <p:nvSpPr>
+          <p:cNvPr id="261" name="Shape 261"/>
+          <p:cNvSpPr/>
+          <p:nvPr/>
+        </p:nvSpPr>
+        <p:spPr>
+          <a:xfrm>
+            <a:off x="2412967" y="4703186"/>
+            <a:ext cx="11753417" cy="863601"/>
+          </a:xfrm>
+          <a:prstGeom prst="rect">
+            <a:avLst/>
+          </a:prstGeom>
+          <a:ln w="12700">
+            <a:miter lim="400000"/>
+          </a:ln>
+          <a:extLst>
+            <a:ext uri="{C572A759-6A51-4108-AA02-DFA0A04FC94B}">
+              <ma14:wrappingTextBoxFlag xmlns:ma14="http://schemas.microsoft.com/office/mac/drawingml/2011/main" val="1"/>
+            </a:ext>
+          </a:extLst>
+        </p:spPr>
+        <p:txBody>
+          <a:bodyPr lIns="50800" tIns="50800" rIns="50800" bIns="50800" anchor="ctr">
+            <a:spAutoFit/>
+          </a:bodyPr>
+          <a:lstStyle>
+            <a:lvl1pPr>
+              <a:defRPr sz="5000">
+                <a:latin typeface="Anonymous Pro for Powerline"/>
+                <a:ea typeface="Anonymous Pro for Powerline"/>
+                <a:cs typeface="Anonymous Pro for Powerline"/>
+                <a:sym typeface="Anonymous Pro for Powerline"/>
+              </a:defRPr>
+            </a:lvl1pPr>
+          </a:lstStyle>
+          <a:p>
+            <a:pPr/>
+            <a:r>
+              <a:t>[-1.840,4.24, …, -9.96])</a:t>
+            </a:r>
+          </a:p>
+        </p:txBody>
+      </p:sp>
+      <p:sp>
+        <p:nvSpPr>
+          <p:cNvPr id="262" name="Shape 262"/>
+          <p:cNvSpPr/>
+          <p:nvPr/>
+        </p:nvSpPr>
+        <p:spPr>
+          <a:xfrm>
+            <a:off x="584914" y="5028260"/>
+            <a:ext cx="1620784" cy="518252"/>
+          </a:xfrm>
+          <a:prstGeom prst="rightArrow">
+            <a:avLst>
+              <a:gd name="adj1" fmla="val 34174"/>
+              <a:gd name="adj2" fmla="val 145948"/>
+            </a:avLst>
+          </a:prstGeom>
+          <a:solidFill>
+            <a:schemeClr val="accent5"/>
+          </a:solidFill>
+          <a:ln w="12700">
+            <a:miter lim="400000"/>
+          </a:ln>
+        </p:spPr>
+        <p:txBody>
+          <a:bodyPr lIns="50800" tIns="50800" rIns="50800" bIns="50800" anchor="ctr"/>
           <a:lstStyle/>
           <a:p>
-            <a:pPr marL="705970" indent="-705970">
-              <a:buClrTx/>
-              <a:buSzPct val="40000"/>
-              <a:buFontTx/>
-              <a:buBlip>
-                <a:blip r:embed="rId2"/>
-              </a:buBlip>
-              <a:defRPr sz="6400"/>
+            <a:pPr algn="ctr">
+              <a:lnSpc>
+                <a:spcPct val="80000"/>
+              </a:lnSpc>
+              <a:spcBef>
+                <a:spcPts val="0"/>
+              </a:spcBef>
+              <a:defRPr cap="all" sz="2800">
+                <a:solidFill>
+                  <a:srgbClr val="FFFFFF"/>
+                </a:solidFill>
+                <a:latin typeface="+mn-lt"/>
+                <a:ea typeface="+mn-ea"/>
+                <a:cs typeface="+mn-cs"/>
+                <a:sym typeface="DIN Condensed"/>
+              </a:defRPr>
             </a:pPr>
-            <a:r>
-              <a:t>Not centered on zero</a:t>
-            </a:r>
-          </a:p>
-          <a:p>
-            <a:pPr marL="705970" indent="-705970">
-              <a:buClrTx/>
-              <a:buSzPct val="40000"/>
-              <a:buFontTx/>
-              <a:buBlip>
-                <a:blip r:embed="rId2"/>
-              </a:buBlip>
-              <a:defRPr sz="6400"/>
-            </a:pPr>
-            <a:r>
-              <a:t>Columns have different magnitudes</a:t>
-            </a:r>
-          </a:p>
-        </p:txBody>
-      </p:sp>
+          </a:p>
+        </p:txBody>
+      </p:sp>
+      <p:pic>
+        <p:nvPicPr>
+          <p:cNvPr id="263" name="pasted-image.png"/>
+          <p:cNvPicPr>
+            <a:picLocks noChangeAspect="1"/>
+          </p:cNvPicPr>
+          <p:nvPr/>
+        </p:nvPicPr>
+        <p:blipFill>
+          <a:blip r:embed="rId2">
+            <a:extLst/>
+          </a:blip>
+          <a:srcRect l="0" t="13067" r="0" b="0"/>
+          <a:stretch>
+            <a:fillRect/>
+          </a:stretch>
+        </p:blipFill>
+        <p:spPr>
+          <a:xfrm>
+            <a:off x="0" y="5964711"/>
+            <a:ext cx="13004801" cy="7992075"/>
+          </a:xfrm>
+          <a:prstGeom prst="rect">
+            <a:avLst/>
+          </a:prstGeom>
+          <a:ln w="12700">
+            <a:miter lim="400000"/>
+          </a:ln>
+        </p:spPr>
+      </p:pic>
     </p:spTree>
   </p:cSld>
   <p:clrMapOvr>
@@ -6153,7 +6479,7 @@
       </p:grpSpPr>
       <p:sp>
         <p:nvSpPr>
-          <p:cNvPr id="251" name="Shape 251"/>
+          <p:cNvPr id="265" name="Shape 265"/>
           <p:cNvSpPr/>
           <p:nvPr>
             <p:ph type="title"/>
@@ -6181,14 +6507,14 @@
           <a:p>
             <a:pPr/>
             <a:r>
-              <a:t>Solution: Normalize!</a:t>
-            </a:r>
-          </a:p>
-        </p:txBody>
-      </p:sp>
-      <p:sp>
-        <p:nvSpPr>
-          <p:cNvPr id="252" name="Shape 252"/>
+              <a:t>Solution: Standardize Data!</a:t>
+            </a:r>
+          </a:p>
+        </p:txBody>
+      </p:sp>
+      <p:sp>
+        <p:nvSpPr>
+          <p:cNvPr id="266" name="Shape 266"/>
           <p:cNvSpPr/>
           <p:nvPr>
             <p:ph type="body" idx="1"/>
@@ -6231,7 +6557,7 @@
               <a:defRPr sz="6400"/>
             </a:pPr>
             <a:r>
-              <a:t>Scale all columns between 0-1</a:t>
+              <a:t>Scale all columns to have variance = 1</a:t>
             </a:r>
           </a:p>
         </p:txBody>
@@ -6264,7 +6590,7 @@
       </p:grpSpPr>
       <p:sp>
         <p:nvSpPr>
-          <p:cNvPr id="254" name="Shape 254"/>
+          <p:cNvPr id="268" name="Shape 268"/>
           <p:cNvSpPr/>
           <p:nvPr>
             <p:ph type="title"/>
@@ -6292,21 +6618,21 @@
           <a:p>
             <a:pPr/>
             <a:r>
-              <a:t>Normalizing your data</a:t>
-            </a:r>
-          </a:p>
-        </p:txBody>
-      </p:sp>
-      <p:sp>
-        <p:nvSpPr>
-          <p:cNvPr id="255" name="Shape 255"/>
+              <a:t>Standardizing your data</a:t>
+            </a:r>
+          </a:p>
+        </p:txBody>
+      </p:sp>
+      <p:sp>
+        <p:nvSpPr>
+          <p:cNvPr id="269" name="Shape 269"/>
           <p:cNvSpPr/>
           <p:nvPr/>
         </p:nvSpPr>
         <p:spPr>
           <a:xfrm>
-            <a:off x="526400" y="5397500"/>
-            <a:ext cx="13599923" cy="812801"/>
+            <a:off x="122525" y="3816073"/>
+            <a:ext cx="13599922" cy="2844801"/>
           </a:xfrm>
           <a:prstGeom prst="rect">
             <a:avLst/>
@@ -6324,20 +6650,41 @@
           <a:bodyPr lIns="50800" tIns="50800" rIns="50800" bIns="50800" anchor="ctr">
             <a:spAutoFit/>
           </a:bodyPr>
-          <a:lstStyle>
-            <a:lvl1pPr>
+          <a:lstStyle/>
+          <a:p>
+            <a:pPr>
               <a:defRPr sz="4700">
                 <a:latin typeface="Anonymous Pro for Powerline"/>
                 <a:ea typeface="Anonymous Pro for Powerline"/>
                 <a:cs typeface="Anonymous Pro for Powerline"/>
                 <a:sym typeface="Anonymous Pro for Powerline"/>
               </a:defRPr>
-            </a:lvl1pPr>
-          </a:lstStyle>
-          <a:p>
-            <a:pPr/>
-            <a:r>
-              <a:t>LinearRegression(normalize=True)</a:t>
+            </a:pPr>
+            <a:r>
+              <a:t>from sklearn.preprocessing import scale</a:t>
+            </a:r>
+          </a:p>
+          <a:p>
+            <a:pPr>
+              <a:defRPr sz="4700">
+                <a:latin typeface="Anonymous Pro for Powerline"/>
+                <a:ea typeface="Anonymous Pro for Powerline"/>
+                <a:cs typeface="Anonymous Pro for Powerline"/>
+                <a:sym typeface="Anonymous Pro for Powerline"/>
+              </a:defRPr>
+            </a:pPr>
+          </a:p>
+          <a:p>
+            <a:pPr>
+              <a:defRPr sz="4700">
+                <a:latin typeface="Anonymous Pro for Powerline"/>
+                <a:ea typeface="Anonymous Pro for Powerline"/>
+                <a:cs typeface="Anonymous Pro for Powerline"/>
+                <a:sym typeface="Anonymous Pro for Powerline"/>
+              </a:defRPr>
+            </a:pPr>
+            <a:r>
+              <a:t>X = scale(df[columns])</a:t>
             </a:r>
           </a:p>
         </p:txBody>
@@ -6370,7 +6717,7 @@
       </p:grpSpPr>
       <p:sp>
         <p:nvSpPr>
-          <p:cNvPr id="257" name="Shape 257"/>
+          <p:cNvPr id="271" name="Shape 271"/>
           <p:cNvSpPr/>
           <p:nvPr>
             <p:ph type="title"/>
@@ -6405,7 +6752,7 @@
       </p:sp>
       <p:sp>
         <p:nvSpPr>
-          <p:cNvPr id="258" name="Shape 258"/>
+          <p:cNvPr id="272" name="Shape 272"/>
           <p:cNvSpPr/>
           <p:nvPr/>
         </p:nvSpPr>
@@ -6476,7 +6823,7 @@
       </p:grpSpPr>
       <p:sp>
         <p:nvSpPr>
-          <p:cNvPr id="260" name="Shape 260"/>
+          <p:cNvPr id="274" name="Shape 274"/>
           <p:cNvSpPr/>
           <p:nvPr>
             <p:ph type="title"/>
@@ -6485,7 +6832,7 @@
         <p:spPr>
           <a:xfrm>
             <a:off x="406400" y="1536700"/>
-            <a:ext cx="12192000" cy="1169261"/>
+            <a:ext cx="12192000" cy="1169260"/>
           </a:xfrm>
           <a:prstGeom prst="rect">
             <a:avLst/>
@@ -6498,152 +6845,64 @@
               <a:spcBef>
                 <a:spcPts val="1900"/>
               </a:spcBef>
-              <a:defRPr sz="8200"/>
+              <a:defRPr sz="8280"/>
             </a:lvl1pPr>
           </a:lstStyle>
           <a:p>
             <a:pPr/>
             <a:r>
-              <a:t>Interpreting Linear models</a:t>
-            </a:r>
-          </a:p>
-        </p:txBody>
-      </p:sp>
-      <p:sp>
-        <p:nvSpPr>
-          <p:cNvPr id="261" name="Shape 261"/>
-          <p:cNvSpPr/>
-          <p:nvPr/>
-        </p:nvSpPr>
-        <p:spPr>
-          <a:xfrm>
-            <a:off x="491299" y="3428960"/>
-            <a:ext cx="12946701" cy="876301"/>
-          </a:xfrm>
-          <a:prstGeom prst="rect">
-            <a:avLst/>
-          </a:prstGeom>
-          <a:ln w="12700">
-            <a:miter lim="400000"/>
-          </a:ln>
-          <a:extLst>
-            <a:ext uri="{C572A759-6A51-4108-AA02-DFA0A04FC94B}">
-              <ma14:wrappingTextBoxFlag xmlns:ma14="http://schemas.microsoft.com/office/mac/drawingml/2011/main" val="1"/>
-            </a:ext>
-          </a:extLst>
-        </p:spPr>
-        <p:txBody>
-          <a:bodyPr lIns="50800" tIns="50800" rIns="50800" bIns="50800" anchor="ctr">
-            <a:spAutoFit/>
-          </a:bodyPr>
-          <a:lstStyle>
-            <a:lvl1pPr>
-              <a:defRPr sz="5100">
-                <a:latin typeface="Anonymous Pro for Powerline"/>
-                <a:ea typeface="Anonymous Pro for Powerline"/>
-                <a:cs typeface="Anonymous Pro for Powerline"/>
-                <a:sym typeface="Anonymous Pro for Powerline"/>
-              </a:defRPr>
-            </a:lvl1pPr>
-          </a:lstStyle>
-          <a:p>
-            <a:pPr/>
-            <a:r>
-              <a:t>model.coef_</a:t>
-            </a:r>
-          </a:p>
-        </p:txBody>
-      </p:sp>
-      <p:sp>
-        <p:nvSpPr>
-          <p:cNvPr id="262" name="Shape 262"/>
-          <p:cNvSpPr/>
-          <p:nvPr/>
-        </p:nvSpPr>
-        <p:spPr>
-          <a:xfrm>
-            <a:off x="2412967" y="4703186"/>
-            <a:ext cx="11753417" cy="863601"/>
-          </a:xfrm>
-          <a:prstGeom prst="rect">
-            <a:avLst/>
-          </a:prstGeom>
-          <a:ln w="12700">
-            <a:miter lim="400000"/>
-          </a:ln>
-          <a:extLst>
-            <a:ext uri="{C572A759-6A51-4108-AA02-DFA0A04FC94B}">
-              <ma14:wrappingTextBoxFlag xmlns:ma14="http://schemas.microsoft.com/office/mac/drawingml/2011/main" val="1"/>
-            </a:ext>
-          </a:extLst>
-        </p:spPr>
-        <p:txBody>
-          <a:bodyPr lIns="50800" tIns="50800" rIns="50800" bIns="50800" anchor="ctr">
-            <a:spAutoFit/>
-          </a:bodyPr>
-          <a:lstStyle>
-            <a:lvl1pPr>
-              <a:defRPr sz="5000">
-                <a:latin typeface="Anonymous Pro for Powerline"/>
-                <a:ea typeface="Anonymous Pro for Powerline"/>
-                <a:cs typeface="Anonymous Pro for Powerline"/>
-                <a:sym typeface="Anonymous Pro for Powerline"/>
-              </a:defRPr>
-            </a:lvl1pPr>
-          </a:lstStyle>
-          <a:p>
-            <a:pPr/>
-            <a:r>
-              <a:t>[-1.840,4.24, …, -9.96])</a:t>
-            </a:r>
-          </a:p>
-        </p:txBody>
-      </p:sp>
-      <p:sp>
-        <p:nvSpPr>
-          <p:cNvPr id="263" name="Shape 263"/>
-          <p:cNvSpPr/>
-          <p:nvPr/>
-        </p:nvSpPr>
-        <p:spPr>
-          <a:xfrm>
-            <a:off x="584914" y="5028260"/>
-            <a:ext cx="1620784" cy="518252"/>
-          </a:xfrm>
-          <a:prstGeom prst="rightArrow">
-            <a:avLst>
-              <a:gd name="adj1" fmla="val 34174"/>
-              <a:gd name="adj2" fmla="val 145948"/>
-            </a:avLst>
-          </a:prstGeom>
-          <a:solidFill>
-            <a:schemeClr val="accent5"/>
-          </a:solidFill>
-          <a:ln w="12700">
-            <a:miter lim="400000"/>
-          </a:ln>
-        </p:spPr>
-        <p:txBody>
-          <a:bodyPr lIns="50800" tIns="50800" rIns="50800" bIns="50800" anchor="ctr"/>
+              <a:t>Problem #2: Sum of Squares</a:t>
+            </a:r>
+          </a:p>
+        </p:txBody>
+      </p:sp>
+      <p:sp>
+        <p:nvSpPr>
+          <p:cNvPr id="275" name="Shape 275"/>
+          <p:cNvSpPr/>
+          <p:nvPr>
+            <p:ph type="body" idx="1"/>
+          </p:nvPr>
+        </p:nvSpPr>
+        <p:spPr>
+          <a:xfrm>
+            <a:off x="406400" y="3953767"/>
+            <a:ext cx="12192000" cy="5059848"/>
+          </a:xfrm>
+          <a:prstGeom prst="rect">
+            <a:avLst/>
+          </a:prstGeom>
+        </p:spPr>
+        <p:txBody>
+          <a:bodyPr/>
           <a:lstStyle/>
           <a:p>
-            <a:pPr algn="ctr">
-              <a:lnSpc>
-                <a:spcPct val="80000"/>
-              </a:lnSpc>
-              <a:spcBef>
-                <a:spcPts val="0"/>
-              </a:spcBef>
-              <a:defRPr cap="all" sz="2800">
-                <a:solidFill>
-                  <a:srgbClr val="FFFFFF"/>
-                </a:solidFill>
-                <a:latin typeface="+mn-lt"/>
-                <a:ea typeface="+mn-ea"/>
-                <a:cs typeface="+mn-cs"/>
-                <a:sym typeface="DIN Condensed"/>
-              </a:defRPr>
+            <a:pPr marL="705970" indent="-705970">
+              <a:buClrTx/>
+              <a:buSzPct val="40000"/>
+              <a:buFontTx/>
+              <a:buBlip>
+                <a:blip r:embed="rId2"/>
+              </a:buBlip>
+              <a:defRPr sz="6400"/>
             </a:pPr>
+            <a:r>
+              <a:t>Changes with the magnitude of the data</a:t>
+            </a:r>
+          </a:p>
+          <a:p>
+            <a:pPr marL="705970" indent="-705970">
+              <a:buClrTx/>
+              <a:buSzPct val="40000"/>
+              <a:buFontTx/>
+              <a:buBlip>
+                <a:blip r:embed="rId2"/>
+              </a:buBlip>
+              <a:defRPr sz="6400"/>
+            </a:pPr>
+            <a:r>
+              <a:t>Cannot compare across two datasets</a:t>
+            </a:r>
           </a:p>
         </p:txBody>
       </p:sp>
@@ -6675,7 +6934,7 @@
       </p:grpSpPr>
       <p:sp>
         <p:nvSpPr>
-          <p:cNvPr id="265" name="Shape 265"/>
+          <p:cNvPr id="277" name="Shape 277"/>
           <p:cNvSpPr/>
           <p:nvPr>
             <p:ph type="title"/>
@@ -6684,7 +6943,7 @@
         <p:spPr>
           <a:xfrm>
             <a:off x="406400" y="1536700"/>
-            <a:ext cx="12192000" cy="1169261"/>
+            <a:ext cx="12192000" cy="1169260"/>
           </a:xfrm>
           <a:prstGeom prst="rect">
             <a:avLst/>
@@ -6697,185 +6956,67 @@
               <a:spcBef>
                 <a:spcPts val="1900"/>
               </a:spcBef>
-              <a:defRPr sz="8200"/>
+              <a:defRPr sz="8280"/>
             </a:lvl1pPr>
           </a:lstStyle>
           <a:p>
             <a:pPr/>
             <a:r>
-              <a:t>Interpreting Linear models</a:t>
-            </a:r>
-          </a:p>
-        </p:txBody>
-      </p:sp>
-      <p:sp>
-        <p:nvSpPr>
-          <p:cNvPr id="266" name="Shape 266"/>
-          <p:cNvSpPr/>
-          <p:nvPr/>
-        </p:nvSpPr>
-        <p:spPr>
-          <a:xfrm>
-            <a:off x="491299" y="3428960"/>
-            <a:ext cx="12946701" cy="876301"/>
-          </a:xfrm>
-          <a:prstGeom prst="rect">
-            <a:avLst/>
-          </a:prstGeom>
-          <a:ln w="12700">
-            <a:miter lim="400000"/>
-          </a:ln>
-          <a:extLst>
-            <a:ext uri="{C572A759-6A51-4108-AA02-DFA0A04FC94B}">
-              <ma14:wrappingTextBoxFlag xmlns:ma14="http://schemas.microsoft.com/office/mac/drawingml/2011/main" val="1"/>
-            </a:ext>
-          </a:extLst>
-        </p:spPr>
-        <p:txBody>
-          <a:bodyPr lIns="50800" tIns="50800" rIns="50800" bIns="50800" anchor="ctr">
-            <a:spAutoFit/>
-          </a:bodyPr>
-          <a:lstStyle>
-            <a:lvl1pPr>
-              <a:defRPr sz="5100">
-                <a:latin typeface="Anonymous Pro for Powerline"/>
-                <a:ea typeface="Anonymous Pro for Powerline"/>
-                <a:cs typeface="Anonymous Pro for Powerline"/>
-                <a:sym typeface="Anonymous Pro for Powerline"/>
-              </a:defRPr>
-            </a:lvl1pPr>
-          </a:lstStyle>
-          <a:p>
-            <a:pPr/>
-            <a:r>
-              <a:t>model.coef_</a:t>
-            </a:r>
-          </a:p>
-        </p:txBody>
-      </p:sp>
-      <p:sp>
-        <p:nvSpPr>
-          <p:cNvPr id="267" name="Shape 267"/>
-          <p:cNvSpPr/>
-          <p:nvPr/>
-        </p:nvSpPr>
-        <p:spPr>
-          <a:xfrm>
-            <a:off x="2412967" y="4703186"/>
-            <a:ext cx="11753417" cy="863601"/>
-          </a:xfrm>
-          <a:prstGeom prst="rect">
-            <a:avLst/>
-          </a:prstGeom>
-          <a:ln w="12700">
-            <a:miter lim="400000"/>
-          </a:ln>
-          <a:extLst>
-            <a:ext uri="{C572A759-6A51-4108-AA02-DFA0A04FC94B}">
-              <ma14:wrappingTextBoxFlag xmlns:ma14="http://schemas.microsoft.com/office/mac/drawingml/2011/main" val="1"/>
-            </a:ext>
-          </a:extLst>
-        </p:spPr>
-        <p:txBody>
-          <a:bodyPr lIns="50800" tIns="50800" rIns="50800" bIns="50800" anchor="ctr">
-            <a:spAutoFit/>
-          </a:bodyPr>
-          <a:lstStyle>
-            <a:lvl1pPr>
-              <a:defRPr sz="5000">
-                <a:latin typeface="Anonymous Pro for Powerline"/>
-                <a:ea typeface="Anonymous Pro for Powerline"/>
-                <a:cs typeface="Anonymous Pro for Powerline"/>
-                <a:sym typeface="Anonymous Pro for Powerline"/>
-              </a:defRPr>
-            </a:lvl1pPr>
-          </a:lstStyle>
-          <a:p>
-            <a:pPr/>
-            <a:r>
-              <a:t>[-1.840,4.24, …, -9.96])</a:t>
-            </a:r>
-          </a:p>
-        </p:txBody>
-      </p:sp>
-      <p:sp>
-        <p:nvSpPr>
-          <p:cNvPr id="268" name="Shape 268"/>
-          <p:cNvSpPr/>
-          <p:nvPr/>
-        </p:nvSpPr>
-        <p:spPr>
-          <a:xfrm>
-            <a:off x="584914" y="5028260"/>
-            <a:ext cx="1620784" cy="518252"/>
-          </a:xfrm>
-          <a:prstGeom prst="rightArrow">
-            <a:avLst>
-              <a:gd name="adj1" fmla="val 34174"/>
-              <a:gd name="adj2" fmla="val 145948"/>
-            </a:avLst>
-          </a:prstGeom>
-          <a:solidFill>
-            <a:schemeClr val="accent5"/>
-          </a:solidFill>
-          <a:ln w="12700">
-            <a:miter lim="400000"/>
-          </a:ln>
-        </p:spPr>
-        <p:txBody>
-          <a:bodyPr lIns="50800" tIns="50800" rIns="50800" bIns="50800" anchor="ctr"/>
+              <a:t>Solution: R2 score!</a:t>
+            </a:r>
+          </a:p>
+        </p:txBody>
+      </p:sp>
+      <p:sp>
+        <p:nvSpPr>
+          <p:cNvPr id="278" name="Shape 278"/>
+          <p:cNvSpPr/>
+          <p:nvPr>
+            <p:ph type="body" idx="1"/>
+          </p:nvPr>
+        </p:nvSpPr>
+        <p:spPr>
+          <a:xfrm>
+            <a:off x="406400" y="3953767"/>
+            <a:ext cx="12192000" cy="5059848"/>
+          </a:xfrm>
+          <a:prstGeom prst="rect">
+            <a:avLst/>
+          </a:prstGeom>
+        </p:spPr>
+        <p:txBody>
+          <a:bodyPr/>
           <a:lstStyle/>
           <a:p>
-            <a:pPr algn="ctr">
-              <a:lnSpc>
-                <a:spcPct val="80000"/>
-              </a:lnSpc>
-              <a:spcBef>
-                <a:spcPts val="0"/>
-              </a:spcBef>
-              <a:defRPr cap="all" sz="2800">
-                <a:solidFill>
-                  <a:srgbClr val="FFFFFF"/>
-                </a:solidFill>
-                <a:latin typeface="+mn-lt"/>
-                <a:ea typeface="+mn-ea"/>
-                <a:cs typeface="+mn-cs"/>
-                <a:sym typeface="DIN Condensed"/>
-              </a:defRPr>
+            <a:pPr marL="705970" indent="-705970">
+              <a:buClrTx/>
+              <a:buSzPct val="40000"/>
+              <a:buFontTx/>
+              <a:buBlip>
+                <a:blip r:embed="rId2"/>
+              </a:buBlip>
+              <a:defRPr sz="6400"/>
             </a:pPr>
-          </a:p>
-        </p:txBody>
-      </p:sp>
-      <p:pic>
-        <p:nvPicPr>
-          <p:cNvPr id="269" name="pasted-image.png"/>
-          <p:cNvPicPr>
-            <a:picLocks noChangeAspect="1"/>
-          </p:cNvPicPr>
-          <p:nvPr/>
-        </p:nvPicPr>
-        <p:blipFill>
-          <a:blip r:embed="rId2">
-            <a:extLst/>
-          </a:blip>
-          <a:srcRect l="0" t="13067" r="0" b="0"/>
-          <a:stretch>
-            <a:fillRect/>
-          </a:stretch>
-        </p:blipFill>
-        <p:spPr>
-          <a:xfrm>
-            <a:off x="0" y="5964711"/>
-            <a:ext cx="13004801" cy="7992075"/>
-          </a:xfrm>
-          <a:prstGeom prst="rect">
-            <a:avLst/>
-          </a:prstGeom>
-          <a:ln w="12700">
-            <a:miter lim="400000"/>
-          </a:ln>
-        </p:spPr>
-      </p:pic>
+            <a:r>
+              <a:t>Compares model’s error to error against average</a:t>
+            </a:r>
+          </a:p>
+          <a:p>
+            <a:pPr marL="705970" indent="-705970">
+              <a:buClrTx/>
+              <a:buSzPct val="40000"/>
+              <a:buFontTx/>
+              <a:buBlip>
+                <a:blip r:embed="rId2"/>
+              </a:buBlip>
+              <a:defRPr sz="6400"/>
+            </a:pPr>
+            <a:r>
+              <a:t>Goes from 1 (perfect) to negative infinity</a:t>
+            </a:r>
+          </a:p>
+        </p:txBody>
+      </p:sp>
     </p:spTree>
   </p:cSld>
   <p:clrMapOvr>
@@ -6904,7 +7045,7 @@
       </p:grpSpPr>
       <p:sp>
         <p:nvSpPr>
-          <p:cNvPr id="206" name="Shape 206"/>
+          <p:cNvPr id="214" name="Shape 214"/>
           <p:cNvSpPr/>
           <p:nvPr>
             <p:ph type="title"/>
@@ -6939,7 +7080,7 @@
       </p:sp>
       <p:sp>
         <p:nvSpPr>
-          <p:cNvPr id="207" name="Shape 207"/>
+          <p:cNvPr id="215" name="Shape 215"/>
           <p:cNvSpPr/>
           <p:nvPr>
             <p:ph type="body" sz="half" idx="1"/>
@@ -6971,7 +7112,7 @@
               <a:defRPr sz="5824"/>
             </a:pPr>
             <a:r>
-              <a:t>Outputs line of best fit</a:t>
+              <a:t>Uses line of best fit to predict</a:t>
             </a:r>
           </a:p>
           <a:p>
@@ -7022,91 +7163,35 @@
           <a:chExt cx="0" cy="0"/>
         </a:xfrm>
       </p:grpSpPr>
-      <p:sp>
-        <p:nvSpPr>
-          <p:cNvPr id="271" name="Shape 271"/>
-          <p:cNvSpPr/>
-          <p:nvPr>
-            <p:ph type="title"/>
-          </p:nvPr>
-        </p:nvSpPr>
-        <p:spPr>
-          <a:xfrm>
-            <a:off x="406400" y="1536700"/>
-            <a:ext cx="12192000" cy="1169260"/>
-          </a:xfrm>
-          <a:prstGeom prst="rect">
-            <a:avLst/>
-          </a:prstGeom>
-        </p:spPr>
-        <p:txBody>
-          <a:bodyPr/>
-          <a:lstStyle>
-            <a:lvl1pPr defTabSz="403097">
-              <a:spcBef>
-                <a:spcPts val="1900"/>
-              </a:spcBef>
-              <a:defRPr sz="8280"/>
-            </a:lvl1pPr>
-          </a:lstStyle>
-          <a:p>
-            <a:pPr/>
-            <a:r>
-              <a:t>Problem #2: Sum of Squares</a:t>
-            </a:r>
-          </a:p>
-        </p:txBody>
-      </p:sp>
-      <p:sp>
-        <p:nvSpPr>
-          <p:cNvPr id="272" name="Shape 272"/>
-          <p:cNvSpPr/>
-          <p:nvPr>
-            <p:ph type="body" idx="1"/>
-          </p:nvPr>
-        </p:nvSpPr>
-        <p:spPr>
-          <a:xfrm>
-            <a:off x="406400" y="3953767"/>
-            <a:ext cx="12192000" cy="5059848"/>
-          </a:xfrm>
-          <a:prstGeom prst="rect">
-            <a:avLst/>
-          </a:prstGeom>
-        </p:spPr>
-        <p:txBody>
-          <a:bodyPr/>
-          <a:lstStyle/>
-          <a:p>
-            <a:pPr marL="705970" indent="-705970">
-              <a:buClrTx/>
-              <a:buSzPct val="40000"/>
-              <a:buFontTx/>
-              <a:buBlip>
-                <a:blip r:embed="rId2"/>
-              </a:buBlip>
-              <a:defRPr sz="6400"/>
-            </a:pPr>
-            <a:r>
-              <a:t>Changes with the magnitude of the data</a:t>
-            </a:r>
-          </a:p>
-          <a:p>
-            <a:pPr marL="705970" indent="-705970">
-              <a:buClrTx/>
-              <a:buSzPct val="40000"/>
-              <a:buFontTx/>
-              <a:buBlip>
-                <a:blip r:embed="rId2"/>
-              </a:buBlip>
-              <a:defRPr sz="6400"/>
-            </a:pPr>
-            <a:r>
-              <a:t>Cannot compare across two datasets</a:t>
-            </a:r>
-          </a:p>
-        </p:txBody>
-      </p:sp>
+      <p:pic>
+        <p:nvPicPr>
+          <p:cNvPr id="280" name="image1.gif"/>
+          <p:cNvPicPr>
+            <a:picLocks noChangeAspect="0"/>
+          </p:cNvPicPr>
+          <p:nvPr/>
+        </p:nvPicPr>
+        <p:blipFill>
+          <a:blip r:embed="rId2">
+            <a:extLst/>
+          </a:blip>
+          <a:stretch>
+            <a:fillRect/>
+          </a:stretch>
+        </p:blipFill>
+        <p:spPr>
+          <a:xfrm>
+            <a:off x="62169" y="587504"/>
+            <a:ext cx="12880462" cy="8578590"/>
+          </a:xfrm>
+          <a:prstGeom prst="rect">
+            <a:avLst/>
+          </a:prstGeom>
+          <a:ln w="12700">
+            <a:miter lim="400000"/>
+          </a:ln>
+        </p:spPr>
+      </p:pic>
     </p:spTree>
   </p:cSld>
   <p:clrMapOvr>
@@ -7135,49 +7220,95 @@
       </p:grpSpPr>
       <p:sp>
         <p:nvSpPr>
-          <p:cNvPr id="274" name="Shape 274"/>
+          <p:cNvPr id="282" name="Shape 282"/>
+          <p:cNvSpPr/>
+          <p:nvPr>
+            <p:ph type="body" idx="13"/>
+          </p:nvPr>
+        </p:nvSpPr>
+        <p:spPr>
+          <a:prstGeom prst="rect">
+            <a:avLst/>
+          </a:prstGeom>
+        </p:spPr>
+        <p:txBody>
+          <a:bodyPr/>
+          <a:lstStyle/>
+          <a:p>
+            <a:pPr/>
+            <a:r>
+              <a:t>Text</a:t>
+            </a:r>
+          </a:p>
+        </p:txBody>
+      </p:sp>
+      <p:sp>
+        <p:nvSpPr>
+          <p:cNvPr id="283" name="Shape 283"/>
           <p:cNvSpPr/>
           <p:nvPr>
             <p:ph type="title"/>
           </p:nvPr>
         </p:nvSpPr>
         <p:spPr>
-          <a:xfrm>
-            <a:off x="406400" y="1536700"/>
-            <a:ext cx="12192000" cy="1169260"/>
-          </a:xfrm>
           <a:prstGeom prst="rect">
             <a:avLst/>
           </a:prstGeom>
         </p:spPr>
         <p:txBody>
           <a:bodyPr/>
-          <a:lstStyle>
-            <a:lvl1pPr defTabSz="403097">
+          <a:lstStyle/>
+          <a:p>
+            <a:pPr defTabSz="467359">
               <a:spcBef>
-                <a:spcPts val="1900"/>
+                <a:spcPts val="2200"/>
               </a:spcBef>
-              <a:defRPr sz="8280"/>
-            </a:lvl1pPr>
-          </a:lstStyle>
+              <a:defRPr sz="4800"/>
+            </a:pPr>
+          </a:p>
+        </p:txBody>
+      </p:sp>
+      <p:sp>
+        <p:nvSpPr>
+          <p:cNvPr id="284" name="Shape 284"/>
+          <p:cNvSpPr/>
+          <p:nvPr>
+            <p:ph type="body" idx="1"/>
+          </p:nvPr>
+        </p:nvSpPr>
+        <p:spPr>
+          <a:prstGeom prst="rect">
+            <a:avLst/>
+          </a:prstGeom>
+        </p:spPr>
+        <p:txBody>
+          <a:bodyPr/>
+          <a:lstStyle/>
           <a:p>
             <a:pPr/>
-            <a:r>
-              <a:t>Multi-variable</a:t>
-            </a:r>
-          </a:p>
-        </p:txBody>
-      </p:sp>
-      <p:sp>
-        <p:nvSpPr>
-          <p:cNvPr id="275" name="Shape 275"/>
-          <p:cNvSpPr/>
+          </a:p>
+        </p:txBody>
+      </p:sp>
+      <p:pic>
+        <p:nvPicPr>
+          <p:cNvPr id="285" name="pasted-image.png"/>
+          <p:cNvPicPr>
+            <a:picLocks noChangeAspect="1"/>
+          </p:cNvPicPr>
           <p:nvPr/>
-        </p:nvSpPr>
-        <p:spPr>
-          <a:xfrm>
-            <a:off x="656526" y="4571724"/>
-            <a:ext cx="12136011" cy="1333501"/>
+        </p:nvPicPr>
+        <p:blipFill>
+          <a:blip r:embed="rId2">
+            <a:extLst/>
+          </a:blip>
+          <a:stretch>
+            <a:fillRect/>
+          </a:stretch>
+        </p:blipFill>
+        <p:spPr>
+          <a:xfrm>
+            <a:off x="6783" y="114300"/>
+            <a:ext cx="12991234" cy="9093863"/>
           </a:xfrm>
           <a:prstGeom prst="rect">
             <a:avLst/>
@@ -7185,78 +7316,8 @@
           <a:ln w="12700">
             <a:miter lim="400000"/>
           </a:ln>
-          <a:extLst>
-            <a:ext uri="{C572A759-6A51-4108-AA02-DFA0A04FC94B}">
-              <ma14:wrappingTextBoxFlag xmlns:ma14="http://schemas.microsoft.com/office/mac/drawingml/2011/main" val="1"/>
-            </a:ext>
-          </a:extLst>
-        </p:spPr>
-        <p:txBody>
-          <a:bodyPr lIns="50800" tIns="50800" rIns="50800" bIns="50800" anchor="ctr">
-            <a:spAutoFit/>
-          </a:bodyPr>
-          <a:lstStyle/>
-          <a:p>
-            <a:pPr>
-              <a:defRPr sz="8100">
-                <a:latin typeface="Anonymous Pro for Powerline"/>
-                <a:ea typeface="Anonymous Pro for Powerline"/>
-                <a:cs typeface="Anonymous Pro for Powerline"/>
-                <a:sym typeface="Anonymous Pro for Powerline"/>
-              </a:defRPr>
-            </a:pPr>
-            <a:r>
-              <a:rPr>
-                <a:solidFill>
-                  <a:schemeClr val="accent5"/>
-                </a:solidFill>
-              </a:rPr>
-              <a:t>y</a:t>
-            </a:r>
-            <a:r>
-              <a:t> = 2</a:t>
-            </a:r>
-            <a:r>
-              <a:rPr>
-                <a:solidFill>
-                  <a:schemeClr val="accent3"/>
-                </a:solidFill>
-              </a:rPr>
-              <a:t>x</a:t>
-            </a:r>
-            <a:r>
-              <a:rPr baseline="-5999">
-                <a:solidFill>
-                  <a:schemeClr val="accent3"/>
-                </a:solidFill>
-              </a:rPr>
-              <a:t>0</a:t>
-            </a:r>
-            <a:r>
-              <a:t> + 3</a:t>
-            </a:r>
-            <a:r>
-              <a:rPr>
-                <a:solidFill>
-                  <a:schemeClr val="accent3"/>
-                </a:solidFill>
-              </a:rPr>
-              <a:t>x</a:t>
-            </a:r>
-            <a:r>
-              <a:rPr baseline="-5999">
-                <a:solidFill>
-                  <a:schemeClr val="accent3"/>
-                </a:solidFill>
-              </a:rPr>
-              <a:t>1 </a:t>
-            </a:r>
-            <a:r>
-              <a:t>+ 1</a:t>
-            </a:r>
-          </a:p>
-        </p:txBody>
-      </p:sp>
+        </p:spPr>
+      </p:pic>
     </p:spTree>
   </p:cSld>
   <p:clrMapOvr>
@@ -7285,7 +7346,7 @@
       </p:grpSpPr>
       <p:sp>
         <p:nvSpPr>
-          <p:cNvPr id="277" name="Shape 277"/>
+          <p:cNvPr id="287" name="Shape 287"/>
           <p:cNvSpPr/>
           <p:nvPr>
             <p:ph type="title"/>
@@ -7313,20 +7374,50 @@
           <a:p>
             <a:pPr/>
             <a:r>
-              <a:t>Multi-variable</a:t>
-            </a:r>
-          </a:p>
-        </p:txBody>
-      </p:sp>
-      <p:sp>
-        <p:nvSpPr>
-          <p:cNvPr id="278" name="Shape 278"/>
-          <p:cNvSpPr/>
+              <a:t>R2 score</a:t>
+            </a:r>
+          </a:p>
+        </p:txBody>
+      </p:sp>
+      <p:pic>
+        <p:nvPicPr>
+          <p:cNvPr id="288" name="r2.png"/>
+          <p:cNvPicPr>
+            <a:picLocks noChangeAspect="1"/>
+          </p:cNvPicPr>
           <p:nvPr/>
-        </p:nvSpPr>
-        <p:spPr>
-          <a:xfrm>
-            <a:off x="656526" y="4571724"/>
+        </p:nvPicPr>
+        <p:blipFill>
+          <a:blip r:embed="rId2">
+            <a:extLst/>
+          </a:blip>
+          <a:srcRect l="10428" t="75444" r="0" b="2097"/>
+          <a:stretch>
+            <a:fillRect/>
+          </a:stretch>
+        </p:blipFill>
+        <p:spPr>
+          <a:xfrm>
+            <a:off x="-795050" y="4823988"/>
+            <a:ext cx="8523075" cy="2122040"/>
+          </a:xfrm>
+          <a:prstGeom prst="rect">
+            <a:avLst/>
+          </a:prstGeom>
+          <a:ln w="12700">
+            <a:miter lim="400000"/>
+          </a:ln>
+        </p:spPr>
+      </p:pic>
+      <p:sp>
+        <p:nvSpPr>
+          <p:cNvPr id="289" name="Shape 289"/>
+          <p:cNvSpPr/>
+          <p:nvPr/>
+        </p:nvSpPr>
+        <p:spPr>
+          <a:xfrm>
+            <a:off x="6349518" y="4793855"/>
             <a:ext cx="12136011" cy="1333501"/>
           </a:xfrm>
           <a:prstGeom prst="rect">
@@ -7361,61 +7452,28 @@
                   <a:schemeClr val="accent5"/>
                 </a:solidFill>
               </a:rPr>
-              <a:t>y</a:t>
-            </a:r>
-            <a:r>
-              <a:t> = 2</a:t>
-            </a:r>
-            <a:r>
-              <a:rPr>
+              <a:t>&lt;- </a:t>
+            </a:r>
+            <a:r>
+              <a:rPr sz="5000">
                 <a:solidFill>
-                  <a:schemeClr val="accent3"/>
+                  <a:schemeClr val="accent5"/>
                 </a:solidFill>
               </a:rPr>
-              <a:t>x</a:t>
-            </a:r>
-            <a:r>
-              <a:rPr baseline="-5999">
-                <a:solidFill>
-                  <a:schemeClr val="accent3"/>
-                </a:solidFill>
-              </a:rPr>
-              <a:t>0</a:t>
-            </a:r>
-            <a:r>
-              <a:t> + 3</a:t>
-            </a:r>
-            <a:r>
-              <a:rPr>
-                <a:solidFill>
-                  <a:schemeClr val="accent3"/>
-                </a:solidFill>
-              </a:rPr>
-              <a:t>x</a:t>
-            </a:r>
-            <a:r>
-              <a:rPr baseline="-5999">
-                <a:solidFill>
-                  <a:schemeClr val="accent3"/>
-                </a:solidFill>
-              </a:rPr>
-              <a:t>1 </a:t>
-            </a:r>
-            <a:r>
-              <a:t>+ 1</a:t>
-            </a:r>
-          </a:p>
-        </p:txBody>
-      </p:sp>
-      <p:sp>
-        <p:nvSpPr>
-          <p:cNvPr id="279" name="Shape 279"/>
+              <a:t>Error of model</a:t>
+            </a:r>
+          </a:p>
+        </p:txBody>
+      </p:sp>
+      <p:sp>
+        <p:nvSpPr>
+          <p:cNvPr id="290" name="Shape 290"/>
           <p:cNvSpPr/>
           <p:nvPr/>
         </p:nvSpPr>
         <p:spPr>
           <a:xfrm>
-            <a:off x="796226" y="6389164"/>
+            <a:off x="6349518" y="5708413"/>
             <a:ext cx="12136011" cy="1333501"/>
           </a:xfrm>
           <a:prstGeom prst="rect">
@@ -7437,7 +7495,7 @@
           <a:lstStyle/>
           <a:p>
             <a:pPr>
-              <a:defRPr sz="8100">
+              <a:defRPr sz="5000">
                 <a:latin typeface="Anonymous Pro for Powerline"/>
                 <a:ea typeface="Anonymous Pro for Powerline"/>
                 <a:cs typeface="Anonymous Pro for Powerline"/>
@@ -7445,12 +7503,12 @@
               </a:defRPr>
             </a:pPr>
             <a:r>
-              <a:rPr>
+              <a:rPr sz="8100">
                 <a:solidFill>
-                  <a:schemeClr val="accent3"/>
+                  <a:schemeClr val="accent5"/>
                 </a:solidFill>
               </a:rPr>
-              <a:t>1,4</a:t>
+              <a:t>&lt;-</a:t>
             </a:r>
             <a:r>
               <a:rPr>
@@ -7458,85 +7516,7 @@
                   <a:schemeClr val="accent5"/>
                 </a:solidFill>
               </a:rPr>
-              <a:t> </a:t>
-            </a:r>
-            <a:r>
-              <a:t>—&gt; </a:t>
-            </a:r>
-            <a:r>
-              <a:rPr>
-                <a:solidFill>
-                  <a:schemeClr val="accent5"/>
-                </a:solidFill>
-              </a:rPr>
-              <a:t>15</a:t>
-            </a:r>
-          </a:p>
-        </p:txBody>
-      </p:sp>
-      <p:sp>
-        <p:nvSpPr>
-          <p:cNvPr id="280" name="Shape 280"/>
-          <p:cNvSpPr/>
-          <p:nvPr/>
-        </p:nvSpPr>
-        <p:spPr>
-          <a:xfrm>
-            <a:off x="796226" y="7768179"/>
-            <a:ext cx="12136011" cy="1333501"/>
-          </a:xfrm>
-          <a:prstGeom prst="rect">
-            <a:avLst/>
-          </a:prstGeom>
-          <a:ln w="12700">
-            <a:miter lim="400000"/>
-          </a:ln>
-          <a:extLst>
-            <a:ext uri="{C572A759-6A51-4108-AA02-DFA0A04FC94B}">
-              <ma14:wrappingTextBoxFlag xmlns:ma14="http://schemas.microsoft.com/office/mac/drawingml/2011/main" val="1"/>
-            </a:ext>
-          </a:extLst>
-        </p:spPr>
-        <p:txBody>
-          <a:bodyPr lIns="50800" tIns="50800" rIns="50800" bIns="50800" anchor="ctr">
-            <a:spAutoFit/>
-          </a:bodyPr>
-          <a:lstStyle/>
-          <a:p>
-            <a:pPr>
-              <a:defRPr sz="8100">
-                <a:latin typeface="Anonymous Pro for Powerline"/>
-                <a:ea typeface="Anonymous Pro for Powerline"/>
-                <a:cs typeface="Anonymous Pro for Powerline"/>
-                <a:sym typeface="Anonymous Pro for Powerline"/>
-              </a:defRPr>
-            </a:pPr>
-            <a:r>
-              <a:rPr>
-                <a:solidFill>
-                  <a:schemeClr val="accent3"/>
-                </a:solidFill>
-              </a:rPr>
-              <a:t>2,3</a:t>
-            </a:r>
-            <a:r>
-              <a:rPr>
-                <a:solidFill>
-                  <a:schemeClr val="accent5"/>
-                </a:solidFill>
-              </a:rPr>
-              <a:t> </a:t>
-            </a:r>
-            <a:r>
-              <a:t>—&gt; </a:t>
-            </a:r>
-            <a:r>
-              <a:rPr>
-                <a:solidFill>
-                  <a:schemeClr val="accent5"/>
-                </a:solidFill>
-              </a:rPr>
-              <a:t>14</a:t>
+              <a:t> Error of mean</a:t>
             </a:r>
           </a:p>
         </p:txBody>
@@ -7569,7 +7549,7 @@
       </p:grpSpPr>
       <p:sp>
         <p:nvSpPr>
-          <p:cNvPr id="282" name="Shape 282"/>
+          <p:cNvPr id="292" name="Shape 292"/>
           <p:cNvSpPr/>
           <p:nvPr>
             <p:ph type="title"/>
@@ -7597,76 +7577,73 @@
           <a:p>
             <a:pPr/>
             <a:r>
-              <a:t>Training a Model</a:t>
-            </a:r>
-          </a:p>
-        </p:txBody>
-      </p:sp>
-      <p:sp>
-        <p:nvSpPr>
-          <p:cNvPr id="283" name="Shape 283"/>
-          <p:cNvSpPr/>
-          <p:nvPr/>
-        </p:nvSpPr>
-        <p:spPr>
-          <a:xfrm>
-            <a:off x="41749" y="4381499"/>
-            <a:ext cx="13599923" cy="2844801"/>
-          </a:xfrm>
-          <a:prstGeom prst="rect">
-            <a:avLst/>
-          </a:prstGeom>
-          <a:ln w="12700">
-            <a:miter lim="400000"/>
-          </a:ln>
-          <a:extLst>
-            <a:ext uri="{C572A759-6A51-4108-AA02-DFA0A04FC94B}">
-              <ma14:wrappingTextBoxFlag xmlns:ma14="http://schemas.microsoft.com/office/mac/drawingml/2011/main" val="1"/>
-            </a:ext>
-          </a:extLst>
-        </p:spPr>
-        <p:txBody>
-          <a:bodyPr lIns="50800" tIns="50800" rIns="50800" bIns="50800" anchor="ctr">
-            <a:spAutoFit/>
-          </a:bodyPr>
+              <a:t>R2 Score</a:t>
+            </a:r>
+          </a:p>
+        </p:txBody>
+      </p:sp>
+      <p:sp>
+        <p:nvSpPr>
+          <p:cNvPr id="293" name="Shape 293"/>
+          <p:cNvSpPr/>
+          <p:nvPr>
+            <p:ph type="body" idx="1"/>
+          </p:nvPr>
+        </p:nvSpPr>
+        <p:spPr>
+          <a:xfrm>
+            <a:off x="406400" y="3953767"/>
+            <a:ext cx="12192000" cy="5059848"/>
+          </a:xfrm>
+          <a:prstGeom prst="rect">
+            <a:avLst/>
+          </a:prstGeom>
+        </p:spPr>
+        <p:txBody>
+          <a:bodyPr/>
           <a:lstStyle/>
           <a:p>
-            <a:pPr>
-              <a:defRPr sz="4700">
-                <a:latin typeface="Anonymous Pro for Powerline"/>
-                <a:ea typeface="Anonymous Pro for Powerline"/>
-                <a:cs typeface="Anonymous Pro for Powerline"/>
-                <a:sym typeface="Anonymous Pro for Powerline"/>
-              </a:defRPr>
+            <a:pPr marL="705970" indent="-705970">
+              <a:buClrTx/>
+              <a:buSzPct val="40000"/>
+              <a:buFontTx/>
+              <a:buBlip>
+                <a:blip r:embed="rId2"/>
+              </a:buBlip>
+              <a:defRPr sz="6400"/>
             </a:pPr>
             <a:r>
-              <a:t>model = LinearRegression()</a:t>
-            </a:r>
-          </a:p>
-          <a:p>
-            <a:pPr>
-              <a:defRPr sz="4700">
-                <a:latin typeface="Anonymous Pro for Powerline"/>
-                <a:ea typeface="Anonymous Pro for Powerline"/>
-                <a:cs typeface="Anonymous Pro for Powerline"/>
-                <a:sym typeface="Anonymous Pro for Powerline"/>
-              </a:defRPr>
+              <a:t>Much smaller squared error? </a:t>
+            </a:r>
+            <a:r>
+              <a:rPr>
+                <a:solidFill>
+                  <a:schemeClr val="accent3"/>
+                </a:solidFill>
+              </a:rPr>
+              <a:t>R2 close to 1</a:t>
+            </a:r>
+          </a:p>
+          <a:p>
+            <a:pPr marL="705970" indent="-705970">
+              <a:buClrTx/>
+              <a:buSzPct val="40000"/>
+              <a:buFontTx/>
+              <a:buBlip>
+                <a:blip r:embed="rId2"/>
+              </a:buBlip>
+              <a:defRPr sz="6400"/>
             </a:pPr>
             <a:r>
-              <a:t>columns = [‘crime_rate’, ‘tax_rate’]</a:t>
-            </a:r>
-          </a:p>
-          <a:p>
-            <a:pPr>
-              <a:defRPr sz="4700">
-                <a:latin typeface="Anonymous Pro for Powerline"/>
-                <a:ea typeface="Anonymous Pro for Powerline"/>
-                <a:cs typeface="Anonymous Pro for Powerline"/>
-                <a:sym typeface="Anonymous Pro for Powerline"/>
-              </a:defRPr>
-            </a:pPr>
-            <a:r>
-              <a:t>model.fit(df[columns],df[‘median_price])</a:t>
+              <a:t>Same squared error as always guessing mean? </a:t>
+            </a:r>
+            <a:r>
+              <a:rPr>
+                <a:solidFill>
+                  <a:schemeClr val="accent5"/>
+                </a:solidFill>
+              </a:rPr>
+              <a:t>R2 close to 0</a:t>
             </a:r>
           </a:p>
         </p:txBody>
@@ -7699,7 +7676,7 @@
       </p:grpSpPr>
       <p:sp>
         <p:nvSpPr>
-          <p:cNvPr id="285" name="Shape 285"/>
+          <p:cNvPr id="295" name="Shape 295"/>
           <p:cNvSpPr/>
           <p:nvPr>
             <p:ph type="title"/>
@@ -7707,8 +7684,8 @@
         </p:nvSpPr>
         <p:spPr>
           <a:xfrm>
-            <a:off x="406400" y="1536700"/>
-            <a:ext cx="12192000" cy="1169260"/>
+            <a:off x="3279937" y="4128458"/>
+            <a:ext cx="6444926" cy="1982356"/>
           </a:xfrm>
           <a:prstGeom prst="rect">
             <a:avLst/>
@@ -7717,62 +7694,14 @@
         <p:txBody>
           <a:bodyPr/>
           <a:lstStyle>
-            <a:lvl1pPr defTabSz="403097">
-              <a:spcBef>
-                <a:spcPts val="1900"/>
-              </a:spcBef>
-              <a:defRPr sz="8280"/>
+            <a:lvl1pPr defTabSz="502412">
+              <a:defRPr sz="14620"/>
             </a:lvl1pPr>
           </a:lstStyle>
           <a:p>
             <a:pPr/>
             <a:r>
-              <a:t>Using a Model</a:t>
-            </a:r>
-          </a:p>
-        </p:txBody>
-      </p:sp>
-      <p:sp>
-        <p:nvSpPr>
-          <p:cNvPr id="286" name="Shape 286"/>
-          <p:cNvSpPr/>
-          <p:nvPr/>
-        </p:nvSpPr>
-        <p:spPr>
-          <a:xfrm>
-            <a:off x="526400" y="5397500"/>
-            <a:ext cx="13599923" cy="812801"/>
-          </a:xfrm>
-          <a:prstGeom prst="rect">
-            <a:avLst/>
-          </a:prstGeom>
-          <a:ln w="12700">
-            <a:miter lim="400000"/>
-          </a:ln>
-          <a:extLst>
-            <a:ext uri="{C572A759-6A51-4108-AA02-DFA0A04FC94B}">
-              <ma14:wrappingTextBoxFlag xmlns:ma14="http://schemas.microsoft.com/office/mac/drawingml/2011/main" val="1"/>
-            </a:ext>
-          </a:extLst>
-        </p:spPr>
-        <p:txBody>
-          <a:bodyPr lIns="50800" tIns="50800" rIns="50800" bIns="50800" anchor="ctr">
-            <a:spAutoFit/>
-          </a:bodyPr>
-          <a:lstStyle>
-            <a:lvl1pPr>
-              <a:defRPr sz="4700">
-                <a:latin typeface="Anonymous Pro for Powerline"/>
-                <a:ea typeface="Anonymous Pro for Powerline"/>
-                <a:cs typeface="Anonymous Pro for Powerline"/>
-                <a:sym typeface="Anonymous Pro for Powerline"/>
-              </a:defRPr>
-            </a:lvl1pPr>
-          </a:lstStyle>
-          <a:p>
-            <a:pPr/>
-            <a:r>
-              <a:t>model.predict(df[columns])</a:t>
+              <a:t>Exercises</a:t>
             </a:r>
           </a:p>
         </p:txBody>
@@ -7805,7 +7734,7 @@
       </p:grpSpPr>
       <p:sp>
         <p:nvSpPr>
-          <p:cNvPr id="288" name="Shape 288"/>
+          <p:cNvPr id="297" name="Shape 297"/>
           <p:cNvSpPr/>
           <p:nvPr>
             <p:ph type="title"/>
@@ -7814,7 +7743,7 @@
         <p:spPr>
           <a:xfrm>
             <a:off x="406400" y="1536700"/>
-            <a:ext cx="12192000" cy="1169260"/>
+            <a:ext cx="12192000" cy="1169261"/>
           </a:xfrm>
           <a:prstGeom prst="rect">
             <a:avLst/>
@@ -7827,20 +7756,20 @@
               <a:spcBef>
                 <a:spcPts val="1900"/>
               </a:spcBef>
-              <a:defRPr sz="8280"/>
+              <a:defRPr sz="8200"/>
             </a:lvl1pPr>
           </a:lstStyle>
           <a:p>
             <a:pPr/>
             <a:r>
-              <a:t>Solution: R2 score!</a:t>
-            </a:r>
-          </a:p>
-        </p:txBody>
-      </p:sp>
-      <p:sp>
-        <p:nvSpPr>
-          <p:cNvPr id="289" name="Shape 289"/>
+              <a:t>Linear model assumptions</a:t>
+            </a:r>
+          </a:p>
+        </p:txBody>
+      </p:sp>
+      <p:sp>
+        <p:nvSpPr>
+          <p:cNvPr id="298" name="Shape 298"/>
           <p:cNvSpPr/>
           <p:nvPr>
             <p:ph type="body" idx="1"/>
@@ -7849,41 +7778,137 @@
         <p:spPr>
           <a:xfrm>
             <a:off x="406400" y="3953767"/>
-            <a:ext cx="12192000" cy="5059848"/>
-          </a:xfrm>
-          <a:prstGeom prst="rect">
-            <a:avLst/>
-          </a:prstGeom>
-        </p:spPr>
-        <p:txBody>
-          <a:bodyPr/>
+            <a:ext cx="12192000" cy="5924402"/>
+          </a:xfrm>
+          <a:prstGeom prst="rect">
+            <a:avLst/>
+          </a:prstGeom>
+        </p:spPr>
+        <p:txBody>
+          <a:bodyPr anchor="t"/>
           <a:lstStyle/>
           <a:p>
-            <a:pPr marL="705970" indent="-705970">
-              <a:buClrTx/>
+            <a:pPr marL="614194" indent="-614194" defTabSz="508254">
+              <a:lnSpc>
+                <a:spcPct val="100000"/>
+              </a:lnSpc>
+              <a:spcBef>
+                <a:spcPts val="2400"/>
+              </a:spcBef>
               <a:buSzPct val="40000"/>
-              <a:buFontTx/>
               <a:buBlip>
                 <a:blip r:embed="rId2"/>
               </a:buBlip>
-              <a:defRPr sz="6400"/>
+              <a:defRPr cap="none" spc="0" sz="5500">
+                <a:latin typeface="Avenir Next Medium"/>
+                <a:ea typeface="Avenir Next Medium"/>
+                <a:cs typeface="Avenir Next Medium"/>
+                <a:sym typeface="Avenir Next Medium"/>
+              </a:defRPr>
             </a:pPr>
             <a:r>
-              <a:t>Compares model’s error to error against average</a:t>
-            </a:r>
-          </a:p>
-          <a:p>
-            <a:pPr marL="705970" indent="-705970">
-              <a:buClrTx/>
+              <a:rPr>
+                <a:solidFill>
+                  <a:schemeClr val="accent3"/>
+                </a:solidFill>
+              </a:rPr>
+              <a:t>L</a:t>
+            </a:r>
+            <a:r>
+              <a:t>inear relationship</a:t>
+            </a:r>
+          </a:p>
+          <a:p>
+            <a:pPr marL="614194" indent="-614194" defTabSz="508254">
+              <a:lnSpc>
+                <a:spcPct val="100000"/>
+              </a:lnSpc>
+              <a:spcBef>
+                <a:spcPts val="2400"/>
+              </a:spcBef>
               <a:buSzPct val="40000"/>
-              <a:buFontTx/>
               <a:buBlip>
                 <a:blip r:embed="rId2"/>
               </a:buBlip>
-              <a:defRPr sz="6400"/>
+              <a:defRPr cap="none" spc="0" sz="5500">
+                <a:latin typeface="Avenir Next Medium"/>
+                <a:ea typeface="Avenir Next Medium"/>
+                <a:cs typeface="Avenir Next Medium"/>
+                <a:sym typeface="Avenir Next Medium"/>
+              </a:defRPr>
             </a:pPr>
             <a:r>
-              <a:t>Goes from 1 (perfect) to negative infinity</a:t>
+              <a:rPr>
+                <a:solidFill>
+                  <a:schemeClr val="accent3"/>
+                </a:solidFill>
+              </a:rPr>
+              <a:t>I</a:t>
+            </a:r>
+            <a:r>
+              <a:t>ndependence</a:t>
+            </a:r>
+          </a:p>
+          <a:p>
+            <a:pPr marL="614194" indent="-614194" defTabSz="508254">
+              <a:lnSpc>
+                <a:spcPct val="100000"/>
+              </a:lnSpc>
+              <a:spcBef>
+                <a:spcPts val="2400"/>
+              </a:spcBef>
+              <a:buSzPct val="40000"/>
+              <a:buBlip>
+                <a:blip r:embed="rId2"/>
+              </a:buBlip>
+              <a:defRPr cap="none" spc="0" sz="5500">
+                <a:latin typeface="Avenir Next Medium"/>
+                <a:ea typeface="Avenir Next Medium"/>
+                <a:cs typeface="Avenir Next Medium"/>
+                <a:sym typeface="Avenir Next Medium"/>
+              </a:defRPr>
+            </a:pPr>
+            <a:r>
+              <a:rPr>
+                <a:solidFill>
+                  <a:schemeClr val="accent3"/>
+                </a:solidFill>
+              </a:rPr>
+              <a:t>N</a:t>
+            </a:r>
+            <a:r>
+              <a:t>ormality</a:t>
+            </a:r>
+          </a:p>
+          <a:p>
+            <a:pPr marL="614194" indent="-614194" defTabSz="508254">
+              <a:lnSpc>
+                <a:spcPct val="100000"/>
+              </a:lnSpc>
+              <a:spcBef>
+                <a:spcPts val="2400"/>
+              </a:spcBef>
+              <a:buSzPct val="40000"/>
+              <a:buBlip>
+                <a:blip r:embed="rId2"/>
+              </a:buBlip>
+              <a:defRPr cap="none" spc="0" sz="5500">
+                <a:latin typeface="Avenir Next Medium"/>
+                <a:ea typeface="Avenir Next Medium"/>
+                <a:cs typeface="Avenir Next Medium"/>
+                <a:sym typeface="Avenir Next Medium"/>
+              </a:defRPr>
+            </a:pPr>
+            <a:r>
+              <a:rPr>
+                <a:solidFill>
+                  <a:schemeClr val="accent3"/>
+                </a:solidFill>
+              </a:rPr>
+              <a:t>E</a:t>
+            </a:r>
+            <a:r>
+              <a:t>qual Variance</a:t>
             </a:r>
           </a:p>
         </p:txBody>
@@ -7916,7 +7941,7 @@
       </p:grpSpPr>
       <p:sp>
         <p:nvSpPr>
-          <p:cNvPr id="291" name="Shape 291"/>
+          <p:cNvPr id="300" name="Shape 300"/>
           <p:cNvSpPr/>
           <p:nvPr>
             <p:ph type="title"/>
@@ -7944,149 +7969,66 @@
           <a:p>
             <a:pPr/>
             <a:r>
-              <a:t>R2 score</a:t>
-            </a:r>
-          </a:p>
-        </p:txBody>
-      </p:sp>
-      <p:pic>
-        <p:nvPicPr>
-          <p:cNvPr id="292" name="r2.png"/>
-          <p:cNvPicPr>
-            <a:picLocks noChangeAspect="1"/>
-          </p:cNvPicPr>
-          <p:nvPr/>
-        </p:nvPicPr>
-        <p:blipFill>
-          <a:blip r:embed="rId2">
-            <a:extLst/>
-          </a:blip>
-          <a:srcRect l="10428" t="75444" r="0" b="2097"/>
-          <a:stretch>
-            <a:fillRect/>
-          </a:stretch>
-        </p:blipFill>
-        <p:spPr>
-          <a:xfrm>
-            <a:off x="-795050" y="4823988"/>
-            <a:ext cx="8523075" cy="2122040"/>
-          </a:xfrm>
-          <a:prstGeom prst="rect">
-            <a:avLst/>
-          </a:prstGeom>
-          <a:ln w="12700">
-            <a:miter lim="400000"/>
-          </a:ln>
-        </p:spPr>
-      </p:pic>
-      <p:sp>
-        <p:nvSpPr>
-          <p:cNvPr id="293" name="Shape 293"/>
-          <p:cNvSpPr/>
-          <p:nvPr/>
-        </p:nvSpPr>
-        <p:spPr>
-          <a:xfrm>
-            <a:off x="6349518" y="4793855"/>
-            <a:ext cx="12136011" cy="1333501"/>
-          </a:xfrm>
-          <a:prstGeom prst="rect">
-            <a:avLst/>
-          </a:prstGeom>
-          <a:ln w="12700">
-            <a:miter lim="400000"/>
-          </a:ln>
-          <a:extLst>
-            <a:ext uri="{C572A759-6A51-4108-AA02-DFA0A04FC94B}">
-              <ma14:wrappingTextBoxFlag xmlns:ma14="http://schemas.microsoft.com/office/mac/drawingml/2011/main" val="1"/>
-            </a:ext>
-          </a:extLst>
-        </p:spPr>
-        <p:txBody>
-          <a:bodyPr lIns="50800" tIns="50800" rIns="50800" bIns="50800" anchor="ctr">
-            <a:spAutoFit/>
-          </a:bodyPr>
+              <a:t>Testing methods</a:t>
+            </a:r>
+          </a:p>
+        </p:txBody>
+      </p:sp>
+      <p:sp>
+        <p:nvSpPr>
+          <p:cNvPr id="301" name="Shape 301"/>
+          <p:cNvSpPr/>
+          <p:nvPr>
+            <p:ph type="body" sz="half" idx="1"/>
+          </p:nvPr>
+        </p:nvSpPr>
+        <p:spPr>
+          <a:xfrm>
+            <a:off x="406400" y="3953767"/>
+            <a:ext cx="12192000" cy="2531601"/>
+          </a:xfrm>
+          <a:prstGeom prst="rect">
+            <a:avLst/>
+          </a:prstGeom>
+        </p:spPr>
+        <p:txBody>
+          <a:bodyPr/>
           <a:lstStyle/>
           <a:p>
-            <a:pPr>
-              <a:defRPr sz="8100">
-                <a:latin typeface="Anonymous Pro for Powerline"/>
-                <a:ea typeface="Anonymous Pro for Powerline"/>
-                <a:cs typeface="Anonymous Pro for Powerline"/>
-                <a:sym typeface="Anonymous Pro for Powerline"/>
-              </a:defRPr>
+            <a:pPr marL="663612" indent="-663612" defTabSz="549148">
+              <a:spcBef>
+                <a:spcPts val="2600"/>
+              </a:spcBef>
+              <a:buClrTx/>
+              <a:buSzPct val="40000"/>
+              <a:buFontTx/>
+              <a:buBlip>
+                <a:blip r:embed="rId2"/>
+              </a:buBlip>
+              <a:defRPr sz="6016"/>
             </a:pPr>
             <a:r>
-              <a:rPr>
-                <a:solidFill>
-                  <a:schemeClr val="accent5"/>
-                </a:solidFill>
-              </a:rPr>
-              <a:t>&lt;- </a:t>
-            </a:r>
-            <a:r>
-              <a:rPr sz="5000">
-                <a:solidFill>
-                  <a:schemeClr val="accent5"/>
-                </a:solidFill>
-              </a:rPr>
-              <a:t>Error of model</a:t>
-            </a:r>
-          </a:p>
-        </p:txBody>
-      </p:sp>
-      <p:sp>
-        <p:nvSpPr>
-          <p:cNvPr id="294" name="Shape 294"/>
-          <p:cNvSpPr/>
-          <p:nvPr/>
-        </p:nvSpPr>
-        <p:spPr>
-          <a:xfrm>
-            <a:off x="6349518" y="5708413"/>
-            <a:ext cx="12136011" cy="1333501"/>
-          </a:xfrm>
-          <a:prstGeom prst="rect">
-            <a:avLst/>
-          </a:prstGeom>
-          <a:ln w="12700">
-            <a:miter lim="400000"/>
-          </a:ln>
-          <a:extLst>
-            <a:ext uri="{C572A759-6A51-4108-AA02-DFA0A04FC94B}">
-              <ma14:wrappingTextBoxFlag xmlns:ma14="http://schemas.microsoft.com/office/mac/drawingml/2011/main" val="1"/>
-            </a:ext>
-          </a:extLst>
-        </p:spPr>
-        <p:txBody>
-          <a:bodyPr lIns="50800" tIns="50800" rIns="50800" bIns="50800" anchor="ctr">
-            <a:spAutoFit/>
-          </a:bodyPr>
-          <a:lstStyle/>
-          <a:p>
-            <a:pPr>
-              <a:defRPr sz="5000">
-                <a:latin typeface="Anonymous Pro for Powerline"/>
-                <a:ea typeface="Anonymous Pro for Powerline"/>
-                <a:cs typeface="Anonymous Pro for Powerline"/>
-                <a:sym typeface="Anonymous Pro for Powerline"/>
-              </a:defRPr>
+              <a:t>Quick and qualitative </a:t>
+            </a:r>
+          </a:p>
+          <a:p>
+            <a:pPr marL="663612" indent="-663612" defTabSz="549148">
+              <a:lnSpc>
+                <a:spcPct val="200000"/>
+              </a:lnSpc>
+              <a:spcBef>
+                <a:spcPts val="2600"/>
+              </a:spcBef>
+              <a:buClrTx/>
+              <a:buSzPct val="40000"/>
+              <a:buFontTx/>
+              <a:buBlip>
+                <a:blip r:embed="rId2"/>
+              </a:buBlip>
+              <a:defRPr sz="6016"/>
             </a:pPr>
             <a:r>
-              <a:rPr sz="8100">
-                <a:solidFill>
-                  <a:schemeClr val="accent5"/>
-                </a:solidFill>
-              </a:rPr>
-              <a:t>&lt;-</a:t>
-            </a:r>
-            <a:r>
-              <a:rPr>
-                <a:solidFill>
-                  <a:schemeClr val="accent5"/>
-                </a:solidFill>
-              </a:rPr>
-              <a:t> Error vs avg</a:t>
+              <a:t>Protects against major errors</a:t>
             </a:r>
           </a:p>
         </p:txBody>
@@ -8119,85 +8061,90 @@
       </p:grpSpPr>
       <p:sp>
         <p:nvSpPr>
-          <p:cNvPr id="296" name="Shape 296"/>
-          <p:cNvSpPr/>
-          <p:nvPr>
-            <p:ph type="body" idx="13"/>
-          </p:nvPr>
-        </p:nvSpPr>
-        <p:spPr>
-          <a:prstGeom prst="rect">
-            <a:avLst/>
-          </a:prstGeom>
-        </p:spPr>
-        <p:txBody>
-          <a:bodyPr/>
-          <a:lstStyle/>
-          <a:p>
-            <a:pPr/>
-            <a:r>
-              <a:t>Text</a:t>
-            </a:r>
-          </a:p>
-        </p:txBody>
-      </p:sp>
-      <p:sp>
-        <p:nvSpPr>
-          <p:cNvPr id="297" name="Shape 297"/>
+          <p:cNvPr id="303" name="Shape 303"/>
           <p:cNvSpPr/>
           <p:nvPr>
             <p:ph type="title"/>
           </p:nvPr>
         </p:nvSpPr>
         <p:spPr>
+          <a:xfrm>
+            <a:off x="406400" y="1536700"/>
+            <a:ext cx="12192000" cy="1169260"/>
+          </a:xfrm>
           <a:prstGeom prst="rect">
             <a:avLst/>
           </a:prstGeom>
         </p:spPr>
         <p:txBody>
           <a:bodyPr/>
-          <a:lstStyle/>
-          <a:p>
-            <a:pPr defTabSz="467359">
+          <a:lstStyle>
+            <a:lvl1pPr defTabSz="403097">
               <a:spcBef>
-                <a:spcPts val="2200"/>
+                <a:spcPts val="1900"/>
               </a:spcBef>
-              <a:defRPr sz="4800"/>
-            </a:pPr>
-          </a:p>
-        </p:txBody>
-      </p:sp>
-      <p:sp>
-        <p:nvSpPr>
-          <p:cNvPr id="298" name="Shape 298"/>
+              <a:defRPr sz="8280"/>
+            </a:lvl1pPr>
+          </a:lstStyle>
+          <a:p>
+            <a:pPr/>
+            <a:r>
+              <a:t>Linear relationship</a:t>
+            </a:r>
+          </a:p>
+        </p:txBody>
+      </p:sp>
+      <p:sp>
+        <p:nvSpPr>
+          <p:cNvPr id="304" name="Shape 304"/>
           <p:cNvSpPr/>
           <p:nvPr>
-            <p:ph type="body" idx="1"/>
+            <p:ph type="body" sz="quarter" idx="1"/>
           </p:nvPr>
         </p:nvSpPr>
         <p:spPr>
+          <a:xfrm>
+            <a:off x="406400" y="2889973"/>
+            <a:ext cx="12192000" cy="1169261"/>
+          </a:xfrm>
           <a:prstGeom prst="rect">
             <a:avLst/>
           </a:prstGeom>
         </p:spPr>
         <p:txBody>
           <a:bodyPr/>
-          <a:lstStyle/>
+          <a:lstStyle>
+            <a:lvl1pPr marL="614194" indent="-614194" defTabSz="508254">
+              <a:spcBef>
+                <a:spcPts val="2400"/>
+              </a:spcBef>
+              <a:buClrTx/>
+              <a:buSzPct val="40000"/>
+              <a:buFontTx/>
+              <a:buBlip>
+                <a:blip r:embed="rId2"/>
+              </a:buBlip>
+              <a:defRPr sz="5500"/>
+            </a:lvl1pPr>
+          </a:lstStyle>
           <a:p>
             <a:pPr/>
+            <a:r>
+              <a:t>Can check with a scatter plot</a:t>
+            </a:r>
           </a:p>
         </p:txBody>
       </p:sp>
       <p:pic>
         <p:nvPicPr>
-          <p:cNvPr id="299" name="pasted-image.png"/>
+          <p:cNvPr id="305" name="pasted-image.png"/>
           <p:cNvPicPr>
             <a:picLocks noChangeAspect="1"/>
           </p:cNvPicPr>
           <p:nvPr/>
         </p:nvPicPr>
         <p:blipFill>
-          <a:blip r:embed="rId2">
+          <a:blip r:embed="rId3">
             <a:extLst/>
           </a:blip>
           <a:stretch>
@@ -8206,8 +8153,8 @@
         </p:blipFill>
         <p:spPr>
           <a:xfrm>
-            <a:off x="6783" y="114300"/>
-            <a:ext cx="12991234" cy="9093863"/>
+            <a:off x="1151012" y="4243247"/>
+            <a:ext cx="7788894" cy="5173541"/>
           </a:xfrm>
           <a:prstGeom prst="rect">
             <a:avLst/>
@@ -8217,6 +8164,96 @@
           </a:ln>
         </p:spPr>
       </p:pic>
+      <p:sp>
+        <p:nvSpPr>
+          <p:cNvPr id="306" name="Shape 306"/>
+          <p:cNvSpPr/>
+          <p:nvPr/>
+        </p:nvSpPr>
+        <p:spPr>
+          <a:xfrm rot="18546354">
+            <a:off x="10242283" y="6313242"/>
+            <a:ext cx="157388" cy="717637"/>
+          </a:xfrm>
+          <a:prstGeom prst="rect">
+            <a:avLst/>
+          </a:prstGeom>
+          <a:solidFill>
+            <a:schemeClr val="accent3"/>
+          </a:solidFill>
+          <a:ln w="12700">
+            <a:miter lim="400000"/>
+          </a:ln>
+        </p:spPr>
+        <p:txBody>
+          <a:bodyPr lIns="50800" tIns="50800" rIns="50800" bIns="50800" anchor="ctr"/>
+          <a:lstStyle/>
+          <a:p>
+            <a:pPr algn="ctr">
+              <a:lnSpc>
+                <a:spcPct val="80000"/>
+              </a:lnSpc>
+              <a:spcBef>
+                <a:spcPts val="0"/>
+              </a:spcBef>
+              <a:defRPr cap="all" sz="2800">
+                <a:solidFill>
+                  <a:srgbClr val="FFFFFF"/>
+                </a:solidFill>
+                <a:latin typeface="+mn-lt"/>
+                <a:ea typeface="+mn-ea"/>
+                <a:cs typeface="+mn-cs"/>
+                <a:sym typeface="DIN Condensed"/>
+              </a:defRPr>
+            </a:pPr>
+          </a:p>
+        </p:txBody>
+      </p:sp>
+      <p:sp>
+        <p:nvSpPr>
+          <p:cNvPr id="307" name="Shape 307"/>
+          <p:cNvSpPr/>
+          <p:nvPr/>
+        </p:nvSpPr>
+        <p:spPr>
+          <a:xfrm rot="2624366">
+            <a:off x="10848664" y="5831628"/>
+            <a:ext cx="170441" cy="1227898"/>
+          </a:xfrm>
+          <a:prstGeom prst="rect">
+            <a:avLst/>
+          </a:prstGeom>
+          <a:solidFill>
+            <a:schemeClr val="accent3"/>
+          </a:solidFill>
+          <a:ln w="12700">
+            <a:miter lim="400000"/>
+          </a:ln>
+        </p:spPr>
+        <p:txBody>
+          <a:bodyPr lIns="50800" tIns="50800" rIns="50800" bIns="50800" anchor="ctr"/>
+          <a:lstStyle/>
+          <a:p>
+            <a:pPr algn="ctr">
+              <a:lnSpc>
+                <a:spcPct val="80000"/>
+              </a:lnSpc>
+              <a:spcBef>
+                <a:spcPts val="0"/>
+              </a:spcBef>
+              <a:defRPr cap="all" sz="2800">
+                <a:solidFill>
+                  <a:srgbClr val="FFFFFF"/>
+                </a:solidFill>
+                <a:latin typeface="+mn-lt"/>
+                <a:ea typeface="+mn-ea"/>
+                <a:cs typeface="+mn-cs"/>
+                <a:sym typeface="DIN Condensed"/>
+              </a:defRPr>
+            </a:pPr>
+          </a:p>
+        </p:txBody>
+      </p:sp>
     </p:spTree>
   </p:cSld>
   <p:clrMapOvr>
@@ -8227,7 +8264,7 @@
 </file>
 
 <file path=ppt/slides/slide28.xml><?xml version="1.0" encoding="utf-8"?>
-<p:sld xmlns:a="http://schemas.openxmlformats.org/drawingml/2006/main" xmlns:r="http://schemas.openxmlformats.org/officeDocument/2006/relationships" xmlns:p="http://schemas.openxmlformats.org/presentationml/2006/main" show="0" showMasterSp="1" showMasterPhAnim="1">
+<p:sld xmlns:a="http://schemas.openxmlformats.org/drawingml/2006/main" xmlns:r="http://schemas.openxmlformats.org/officeDocument/2006/relationships" xmlns:p="http://schemas.openxmlformats.org/presentationml/2006/main" showMasterSp="1" showMasterPhAnim="1">
   <p:cSld>
     <p:spTree>
       <p:nvGrpSpPr>
@@ -8245,7 +8282,7 @@
       </p:grpSpPr>
       <p:sp>
         <p:nvSpPr>
-          <p:cNvPr id="301" name="Shape 301"/>
+          <p:cNvPr id="309" name="Shape 309"/>
           <p:cNvSpPr/>
           <p:nvPr>
             <p:ph type="title"/>
@@ -8273,23 +8310,23 @@
           <a:p>
             <a:pPr/>
             <a:r>
-              <a:t>Mean Squared Error</a:t>
-            </a:r>
-          </a:p>
-        </p:txBody>
-      </p:sp>
-      <p:sp>
-        <p:nvSpPr>
-          <p:cNvPr id="302" name="Shape 302"/>
+              <a:t>Linear relationship</a:t>
+            </a:r>
+          </a:p>
+        </p:txBody>
+      </p:sp>
+      <p:sp>
+        <p:nvSpPr>
+          <p:cNvPr id="310" name="Shape 310"/>
           <p:cNvSpPr/>
           <p:nvPr>
-            <p:ph type="body" idx="1"/>
+            <p:ph type="body" sz="quarter" idx="1"/>
           </p:nvPr>
         </p:nvSpPr>
         <p:spPr>
           <a:xfrm>
-            <a:off x="406400" y="2570901"/>
-            <a:ext cx="12192000" cy="6465998"/>
+            <a:off x="406400" y="2889973"/>
+            <a:ext cx="12192000" cy="1169261"/>
           </a:xfrm>
           <a:prstGeom prst="rect">
             <a:avLst/>
@@ -8297,34 +8334,147 @@
         </p:spPr>
         <p:txBody>
           <a:bodyPr/>
-          <a:lstStyle/>
-          <a:p>
-            <a:pPr marL="705970" indent="-705970">
+          <a:lstStyle>
+            <a:lvl1pPr marL="614194" indent="-614194" defTabSz="508254">
+              <a:spcBef>
+                <a:spcPts val="2400"/>
+              </a:spcBef>
               <a:buClrTx/>
               <a:buSzPct val="40000"/>
               <a:buFontTx/>
               <a:buBlip>
                 <a:blip r:embed="rId2"/>
               </a:buBlip>
-              <a:defRPr sz="6400"/>
+              <a:defRPr sz="5500"/>
+            </a:lvl1pPr>
+          </a:lstStyle>
+          <a:p>
+            <a:pPr/>
+            <a:r>
+              <a:t>Can check with a scatter plot</a:t>
+            </a:r>
+          </a:p>
+        </p:txBody>
+      </p:sp>
+      <p:sp>
+        <p:nvSpPr>
+          <p:cNvPr id="311" name="Shape 311"/>
+          <p:cNvSpPr/>
+          <p:nvPr/>
+        </p:nvSpPr>
+        <p:spPr>
+          <a:xfrm rot="2859210">
+            <a:off x="9809686" y="6490645"/>
+            <a:ext cx="1542639" cy="325930"/>
+          </a:xfrm>
+          <a:prstGeom prst="rect">
+            <a:avLst/>
+          </a:prstGeom>
+          <a:solidFill>
+            <a:schemeClr val="accent5"/>
+          </a:solidFill>
+          <a:ln w="12700">
+            <a:miter lim="400000"/>
+          </a:ln>
+        </p:spPr>
+        <p:txBody>
+          <a:bodyPr lIns="50800" tIns="50800" rIns="50800" bIns="50800" anchor="ctr"/>
+          <a:lstStyle/>
+          <a:p>
+            <a:pPr algn="ctr">
+              <a:lnSpc>
+                <a:spcPct val="80000"/>
+              </a:lnSpc>
+              <a:spcBef>
+                <a:spcPts val="0"/>
+              </a:spcBef>
+              <a:defRPr cap="all" sz="2800">
+                <a:solidFill>
+                  <a:srgbClr val="FFFFFF"/>
+                </a:solidFill>
+                <a:latin typeface="+mn-lt"/>
+                <a:ea typeface="+mn-ea"/>
+                <a:cs typeface="+mn-cs"/>
+                <a:sym typeface="DIN Condensed"/>
+              </a:defRPr>
             </a:pPr>
           </a:p>
-          <a:p>
-            <a:pPr marL="705970" indent="-705970">
-              <a:buClrTx/>
-              <a:buSzPct val="40000"/>
-              <a:buFontTx/>
-              <a:buBlip>
-                <a:blip r:embed="rId2"/>
-              </a:buBlip>
-              <a:defRPr sz="6400"/>
+        </p:txBody>
+      </p:sp>
+      <p:sp>
+        <p:nvSpPr>
+          <p:cNvPr id="312" name="Shape 312"/>
+          <p:cNvSpPr/>
+          <p:nvPr/>
+        </p:nvSpPr>
+        <p:spPr>
+          <a:xfrm rot="18911602">
+            <a:off x="9817422" y="6460999"/>
+            <a:ext cx="1597712" cy="310156"/>
+          </a:xfrm>
+          <a:prstGeom prst="rect">
+            <a:avLst/>
+          </a:prstGeom>
+          <a:solidFill>
+            <a:schemeClr val="accent5"/>
+          </a:solidFill>
+          <a:ln w="12700">
+            <a:miter lim="400000"/>
+          </a:ln>
+        </p:spPr>
+        <p:txBody>
+          <a:bodyPr lIns="50800" tIns="50800" rIns="50800" bIns="50800" anchor="ctr"/>
+          <a:lstStyle/>
+          <a:p>
+            <a:pPr algn="ctr">
+              <a:lnSpc>
+                <a:spcPct val="80000"/>
+              </a:lnSpc>
+              <a:spcBef>
+                <a:spcPts val="0"/>
+              </a:spcBef>
+              <a:defRPr cap="all" sz="2800">
+                <a:solidFill>
+                  <a:srgbClr val="FFFFFF"/>
+                </a:solidFill>
+                <a:latin typeface="+mn-lt"/>
+                <a:ea typeface="+mn-ea"/>
+                <a:cs typeface="+mn-cs"/>
+                <a:sym typeface="DIN Condensed"/>
+              </a:defRPr>
             </a:pPr>
-            <a:r>
-              <a:t>Squared error just like least squares, but average vs total</a:t>
-            </a:r>
-          </a:p>
-        </p:txBody>
-      </p:sp>
+          </a:p>
+        </p:txBody>
+      </p:sp>
+      <p:pic>
+        <p:nvPicPr>
+          <p:cNvPr id="313" name="pasted-image.png"/>
+          <p:cNvPicPr>
+            <a:picLocks noChangeAspect="1"/>
+          </p:cNvPicPr>
+          <p:nvPr/>
+        </p:nvPicPr>
+        <p:blipFill>
+          <a:blip r:embed="rId3">
+            <a:extLst/>
+          </a:blip>
+          <a:stretch>
+            <a:fillRect/>
+          </a:stretch>
+        </p:blipFill>
+        <p:spPr>
+          <a:xfrm>
+            <a:off x="1162365" y="4324450"/>
+            <a:ext cx="7845595" cy="4970322"/>
+          </a:xfrm>
+          <a:prstGeom prst="rect">
+            <a:avLst/>
+          </a:prstGeom>
+          <a:ln w="12700">
+            <a:miter lim="400000"/>
+          </a:ln>
+        </p:spPr>
+      </p:pic>
     </p:spTree>
   </p:cSld>
   <p:clrMapOvr>
@@ -8353,7 +8503,7 @@
       </p:grpSpPr>
       <p:sp>
         <p:nvSpPr>
-          <p:cNvPr id="304" name="Shape 304"/>
+          <p:cNvPr id="315" name="Shape 315"/>
           <p:cNvSpPr/>
           <p:nvPr>
             <p:ph type="title"/>
@@ -8361,8 +8511,8 @@
         </p:nvSpPr>
         <p:spPr>
           <a:xfrm>
-            <a:off x="3279937" y="4128458"/>
-            <a:ext cx="6444926" cy="1982356"/>
+            <a:off x="406400" y="1536700"/>
+            <a:ext cx="12192000" cy="1169260"/>
           </a:xfrm>
           <a:prstGeom prst="rect">
             <a:avLst/>
@@ -8371,18 +8521,182 @@
         <p:txBody>
           <a:bodyPr/>
           <a:lstStyle>
-            <a:lvl1pPr defTabSz="502412">
-              <a:defRPr sz="14620"/>
+            <a:lvl1pPr defTabSz="403097">
+              <a:spcBef>
+                <a:spcPts val="1900"/>
+              </a:spcBef>
+              <a:defRPr sz="8280"/>
             </a:lvl1pPr>
           </a:lstStyle>
           <a:p>
             <a:pPr/>
             <a:r>
-              <a:t>Exercises</a:t>
-            </a:r>
-          </a:p>
-        </p:txBody>
-      </p:sp>
+              <a:t>Equal Variance</a:t>
+            </a:r>
+          </a:p>
+        </p:txBody>
+      </p:sp>
+      <p:sp>
+        <p:nvSpPr>
+          <p:cNvPr id="316" name="Shape 316"/>
+          <p:cNvSpPr/>
+          <p:nvPr>
+            <p:ph type="body" sz="quarter" idx="1"/>
+          </p:nvPr>
+        </p:nvSpPr>
+        <p:spPr>
+          <a:xfrm>
+            <a:off x="406400" y="2889973"/>
+            <a:ext cx="12192000" cy="1169261"/>
+          </a:xfrm>
+          <a:prstGeom prst="rect">
+            <a:avLst/>
+          </a:prstGeom>
+        </p:spPr>
+        <p:txBody>
+          <a:bodyPr/>
+          <a:lstStyle>
+            <a:lvl1pPr marL="614194" indent="-614194" defTabSz="508254">
+              <a:spcBef>
+                <a:spcPts val="2400"/>
+              </a:spcBef>
+              <a:buClrTx/>
+              <a:buSzPct val="40000"/>
+              <a:buFontTx/>
+              <a:buBlip>
+                <a:blip r:embed="rId2"/>
+              </a:buBlip>
+              <a:defRPr sz="5500"/>
+            </a:lvl1pPr>
+          </a:lstStyle>
+          <a:p>
+            <a:pPr/>
+            <a:r>
+              <a:t>Can check with a scatter plot</a:t>
+            </a:r>
+          </a:p>
+        </p:txBody>
+      </p:sp>
+      <p:sp>
+        <p:nvSpPr>
+          <p:cNvPr id="317" name="Shape 317"/>
+          <p:cNvSpPr/>
+          <p:nvPr/>
+        </p:nvSpPr>
+        <p:spPr>
+          <a:xfrm rot="18546354">
+            <a:off x="10242283" y="6313242"/>
+            <a:ext cx="157388" cy="717637"/>
+          </a:xfrm>
+          <a:prstGeom prst="rect">
+            <a:avLst/>
+          </a:prstGeom>
+          <a:solidFill>
+            <a:schemeClr val="accent3"/>
+          </a:solidFill>
+          <a:ln w="12700">
+            <a:miter lim="400000"/>
+          </a:ln>
+        </p:spPr>
+        <p:txBody>
+          <a:bodyPr lIns="50800" tIns="50800" rIns="50800" bIns="50800" anchor="ctr"/>
+          <a:lstStyle/>
+          <a:p>
+            <a:pPr algn="ctr">
+              <a:lnSpc>
+                <a:spcPct val="80000"/>
+              </a:lnSpc>
+              <a:spcBef>
+                <a:spcPts val="0"/>
+              </a:spcBef>
+              <a:defRPr cap="all" sz="2800">
+                <a:solidFill>
+                  <a:srgbClr val="FFFFFF"/>
+                </a:solidFill>
+                <a:latin typeface="+mn-lt"/>
+                <a:ea typeface="+mn-ea"/>
+                <a:cs typeface="+mn-cs"/>
+                <a:sym typeface="DIN Condensed"/>
+              </a:defRPr>
+            </a:pPr>
+          </a:p>
+        </p:txBody>
+      </p:sp>
+      <p:sp>
+        <p:nvSpPr>
+          <p:cNvPr id="318" name="Shape 318"/>
+          <p:cNvSpPr/>
+          <p:nvPr/>
+        </p:nvSpPr>
+        <p:spPr>
+          <a:xfrm rot="2624366">
+            <a:off x="10848664" y="5831628"/>
+            <a:ext cx="170441" cy="1227898"/>
+          </a:xfrm>
+          <a:prstGeom prst="rect">
+            <a:avLst/>
+          </a:prstGeom>
+          <a:solidFill>
+            <a:schemeClr val="accent3"/>
+          </a:solidFill>
+          <a:ln w="12700">
+            <a:miter lim="400000"/>
+          </a:ln>
+        </p:spPr>
+        <p:txBody>
+          <a:bodyPr lIns="50800" tIns="50800" rIns="50800" bIns="50800" anchor="ctr"/>
+          <a:lstStyle/>
+          <a:p>
+            <a:pPr algn="ctr">
+              <a:lnSpc>
+                <a:spcPct val="80000"/>
+              </a:lnSpc>
+              <a:spcBef>
+                <a:spcPts val="0"/>
+              </a:spcBef>
+              <a:defRPr cap="all" sz="2800">
+                <a:solidFill>
+                  <a:srgbClr val="FFFFFF"/>
+                </a:solidFill>
+                <a:latin typeface="+mn-lt"/>
+                <a:ea typeface="+mn-ea"/>
+                <a:cs typeface="+mn-cs"/>
+                <a:sym typeface="DIN Condensed"/>
+              </a:defRPr>
+            </a:pPr>
+          </a:p>
+        </p:txBody>
+      </p:sp>
+      <p:pic>
+        <p:nvPicPr>
+          <p:cNvPr id="319" name="pasted-image.png"/>
+          <p:cNvPicPr>
+            <a:picLocks noChangeAspect="1"/>
+          </p:cNvPicPr>
+          <p:nvPr/>
+        </p:nvPicPr>
+        <p:blipFill>
+          <a:blip r:embed="rId3">
+            <a:extLst/>
+          </a:blip>
+          <a:srcRect l="0" t="0" r="63741" b="0"/>
+          <a:stretch>
+            <a:fillRect/>
+          </a:stretch>
+        </p:blipFill>
+        <p:spPr>
+          <a:xfrm>
+            <a:off x="1171239" y="4243247"/>
+            <a:ext cx="6795681" cy="4857465"/>
+          </a:xfrm>
+          <a:prstGeom prst="rect">
+            <a:avLst/>
+          </a:prstGeom>
+          <a:ln w="12700">
+            <a:miter lim="400000"/>
+          </a:ln>
+        </p:spPr>
+      </p:pic>
     </p:spTree>
   </p:cSld>
   <p:clrMapOvr>
@@ -8411,7 +8725,7 @@
       </p:grpSpPr>
       <p:sp>
         <p:nvSpPr>
-          <p:cNvPr id="209" name="Shape 209"/>
+          <p:cNvPr id="217" name="Shape 217"/>
           <p:cNvSpPr/>
           <p:nvPr>
             <p:ph type="title"/>
@@ -8439,21 +8753,21 @@
           <a:p>
             <a:pPr/>
             <a:r>
-              <a:t>Imported as sklearn</a:t>
-            </a:r>
-          </a:p>
-        </p:txBody>
-      </p:sp>
-      <p:sp>
-        <p:nvSpPr>
-          <p:cNvPr id="210" name="Shape 210"/>
+              <a:t>single-variable</a:t>
+            </a:r>
+          </a:p>
+        </p:txBody>
+      </p:sp>
+      <p:sp>
+        <p:nvSpPr>
+          <p:cNvPr id="218" name="Shape 218"/>
           <p:cNvSpPr/>
           <p:nvPr/>
         </p:nvSpPr>
         <p:spPr>
           <a:xfrm>
-            <a:off x="434394" y="4286249"/>
-            <a:ext cx="12136011" cy="3035301"/>
+            <a:off x="574094" y="2903133"/>
+            <a:ext cx="12136012" cy="1333501"/>
           </a:xfrm>
           <a:prstGeom prst="rect">
             <a:avLst/>
@@ -8474,7 +8788,7 @@
           <a:lstStyle/>
           <a:p>
             <a:pPr>
-              <a:defRPr sz="5100">
+              <a:defRPr sz="8100">
                 <a:latin typeface="Anonymous Pro for Powerline"/>
                 <a:ea typeface="Anonymous Pro for Powerline"/>
                 <a:cs typeface="Anonymous Pro for Powerline"/>
@@ -8482,12 +8796,61 @@
               </a:defRPr>
             </a:pPr>
             <a:r>
-              <a:t>from sklearn.linear_model \</a:t>
-            </a:r>
-          </a:p>
+              <a:rPr>
+                <a:solidFill>
+                  <a:schemeClr val="accent5"/>
+                </a:solidFill>
+              </a:rPr>
+              <a:t>y</a:t>
+            </a:r>
+            <a:r>
+              <a:t> = 2</a:t>
+            </a:r>
+            <a:r>
+              <a:rPr>
+                <a:solidFill>
+                  <a:schemeClr val="accent3"/>
+                </a:solidFill>
+              </a:rPr>
+              <a:t>x</a:t>
+            </a:r>
+            <a:r>
+              <a:t> + 1</a:t>
+            </a:r>
+          </a:p>
+        </p:txBody>
+      </p:sp>
+      <p:sp>
+        <p:nvSpPr>
+          <p:cNvPr id="219" name="Shape 219"/>
+          <p:cNvSpPr/>
+          <p:nvPr/>
+        </p:nvSpPr>
+        <p:spPr>
+          <a:xfrm>
+            <a:off x="574094" y="5137150"/>
+            <a:ext cx="12136012" cy="1333501"/>
+          </a:xfrm>
+          <a:prstGeom prst="rect">
+            <a:avLst/>
+          </a:prstGeom>
+          <a:ln w="12700">
+            <a:miter lim="400000"/>
+          </a:ln>
+          <a:extLst>
+            <a:ext uri="{C572A759-6A51-4108-AA02-DFA0A04FC94B}">
+              <ma14:wrappingTextBoxFlag xmlns:ma14="http://schemas.microsoft.com/office/mac/drawingml/2011/main" val="1"/>
+            </a:ext>
+          </a:extLst>
+        </p:spPr>
+        <p:txBody>
+          <a:bodyPr lIns="50800" tIns="50800" rIns="50800" bIns="50800" anchor="ctr">
+            <a:spAutoFit/>
+          </a:bodyPr>
+          <a:lstStyle/>
           <a:p>
             <a:pPr>
-              <a:defRPr sz="5100">
+              <a:defRPr sz="8100">
                 <a:latin typeface="Anonymous Pro for Powerline"/>
                 <a:ea typeface="Anonymous Pro for Powerline"/>
                 <a:cs typeface="Anonymous Pro for Powerline"/>
@@ -8495,12 +8858,66 @@
               </a:defRPr>
             </a:pPr>
             <a:r>
-              <a:t>import LinearRegression</a:t>
-            </a:r>
-          </a:p>
+              <a:rPr>
+                <a:solidFill>
+                  <a:schemeClr val="accent3"/>
+                </a:solidFill>
+              </a:rPr>
+              <a:t>1</a:t>
+            </a:r>
+            <a:r>
+              <a:rPr>
+                <a:solidFill>
+                  <a:schemeClr val="accent5"/>
+                </a:solidFill>
+              </a:rPr>
+              <a:t> </a:t>
+            </a:r>
+            <a:r>
+              <a:t>—&gt; </a:t>
+            </a:r>
+            <a:r>
+              <a:rPr>
+                <a:solidFill>
+                  <a:schemeClr val="accent5"/>
+                </a:solidFill>
+              </a:rPr>
+              <a:t>3</a:t>
+            </a:r>
+          </a:p>
+        </p:txBody>
+      </p:sp>
+      <p:sp>
+        <p:nvSpPr>
+          <p:cNvPr id="220" name="Shape 220"/>
+          <p:cNvSpPr/>
+          <p:nvPr/>
+        </p:nvSpPr>
+        <p:spPr>
+          <a:xfrm>
+            <a:off x="574094" y="6516165"/>
+            <a:ext cx="12136012" cy="1333501"/>
+          </a:xfrm>
+          <a:prstGeom prst="rect">
+            <a:avLst/>
+          </a:prstGeom>
+          <a:ln w="12700">
+            <a:miter lim="400000"/>
+          </a:ln>
+          <a:extLst>
+            <a:ext uri="{C572A759-6A51-4108-AA02-DFA0A04FC94B}">
+              <ma14:wrappingTextBoxFlag xmlns:ma14="http://schemas.microsoft.com/office/mac/drawingml/2011/main" val="1"/>
+            </a:ext>
+          </a:extLst>
+        </p:spPr>
+        <p:txBody>
+          <a:bodyPr lIns="50800" tIns="50800" rIns="50800" bIns="50800" anchor="ctr">
+            <a:spAutoFit/>
+          </a:bodyPr>
+          <a:lstStyle/>
           <a:p>
             <a:pPr>
-              <a:defRPr sz="5100">
+              <a:defRPr sz="8100">
                 <a:latin typeface="Anonymous Pro for Powerline"/>
                 <a:ea typeface="Anonymous Pro for Powerline"/>
                 <a:cs typeface="Anonymous Pro for Powerline"/>
@@ -8508,7 +8925,98 @@
               </a:defRPr>
             </a:pPr>
             <a:r>
+              <a:rPr>
+                <a:solidFill>
+                  <a:schemeClr val="accent3"/>
+                </a:solidFill>
+              </a:rPr>
+              <a:t>2</a:t>
+            </a:r>
+            <a:r>
+              <a:rPr>
+                <a:solidFill>
+                  <a:schemeClr val="accent5"/>
+                </a:solidFill>
+              </a:rPr>
               <a:t> </a:t>
+            </a:r>
+            <a:r>
+              <a:t>—&gt; </a:t>
+            </a:r>
+            <a:r>
+              <a:rPr>
+                <a:solidFill>
+                  <a:schemeClr val="accent5"/>
+                </a:solidFill>
+              </a:rPr>
+              <a:t>5</a:t>
+            </a:r>
+          </a:p>
+        </p:txBody>
+      </p:sp>
+      <p:sp>
+        <p:nvSpPr>
+          <p:cNvPr id="221" name="Shape 221"/>
+          <p:cNvSpPr/>
+          <p:nvPr/>
+        </p:nvSpPr>
+        <p:spPr>
+          <a:xfrm>
+            <a:off x="574094" y="7895180"/>
+            <a:ext cx="12136012" cy="1333501"/>
+          </a:xfrm>
+          <a:prstGeom prst="rect">
+            <a:avLst/>
+          </a:prstGeom>
+          <a:ln w="12700">
+            <a:miter lim="400000"/>
+          </a:ln>
+          <a:extLst>
+            <a:ext uri="{C572A759-6A51-4108-AA02-DFA0A04FC94B}">
+              <ma14:wrappingTextBoxFlag xmlns:ma14="http://schemas.microsoft.com/office/mac/drawingml/2011/main" val="1"/>
+            </a:ext>
+          </a:extLst>
+        </p:spPr>
+        <p:txBody>
+          <a:bodyPr lIns="50800" tIns="50800" rIns="50800" bIns="50800" anchor="ctr">
+            <a:spAutoFit/>
+          </a:bodyPr>
+          <a:lstStyle/>
+          <a:p>
+            <a:pPr>
+              <a:defRPr sz="8100">
+                <a:latin typeface="Anonymous Pro for Powerline"/>
+                <a:ea typeface="Anonymous Pro for Powerline"/>
+                <a:cs typeface="Anonymous Pro for Powerline"/>
+                <a:sym typeface="Anonymous Pro for Powerline"/>
+              </a:defRPr>
+            </a:pPr>
+            <a:r>
+              <a:rPr>
+                <a:solidFill>
+                  <a:schemeClr val="accent3"/>
+                </a:solidFill>
+              </a:rPr>
+              <a:t>3</a:t>
+            </a:r>
+            <a:r>
+              <a:rPr>
+                <a:solidFill>
+                  <a:schemeClr val="accent5"/>
+                </a:solidFill>
+              </a:rPr>
+              <a:t> </a:t>
+            </a:r>
+            <a:r>
+              <a:t>—&gt; </a:t>
+            </a:r>
+            <a:r>
+              <a:rPr>
+                <a:solidFill>
+                  <a:schemeClr val="accent5"/>
+                </a:solidFill>
+              </a:rPr>
+              <a:t>7</a:t>
             </a:r>
           </a:p>
         </p:txBody>
@@ -8541,7 +9049,7 @@
       </p:grpSpPr>
       <p:sp>
         <p:nvSpPr>
-          <p:cNvPr id="306" name="Shape 306"/>
+          <p:cNvPr id="321" name="Shape 321"/>
           <p:cNvSpPr/>
           <p:nvPr>
             <p:ph type="title"/>
@@ -8550,7 +9058,7 @@
         <p:spPr>
           <a:xfrm>
             <a:off x="406400" y="1536700"/>
-            <a:ext cx="12192000" cy="1169261"/>
+            <a:ext cx="12192000" cy="1169260"/>
           </a:xfrm>
           <a:prstGeom prst="rect">
             <a:avLst/>
@@ -8563,163 +9071,178 @@
               <a:spcBef>
                 <a:spcPts val="1900"/>
               </a:spcBef>
-              <a:defRPr sz="8200"/>
+              <a:defRPr sz="8280"/>
             </a:lvl1pPr>
           </a:lstStyle>
           <a:p>
             <a:pPr/>
             <a:r>
-              <a:t>Linear model assumptions</a:t>
-            </a:r>
-          </a:p>
-        </p:txBody>
-      </p:sp>
-      <p:sp>
-        <p:nvSpPr>
-          <p:cNvPr id="307" name="Shape 307"/>
+              <a:t>equal Variance</a:t>
+            </a:r>
+          </a:p>
+        </p:txBody>
+      </p:sp>
+      <p:sp>
+        <p:nvSpPr>
+          <p:cNvPr id="322" name="Shape 322"/>
           <p:cNvSpPr/>
           <p:nvPr>
-            <p:ph type="body" idx="1"/>
+            <p:ph type="body" sz="quarter" idx="1"/>
           </p:nvPr>
         </p:nvSpPr>
         <p:spPr>
           <a:xfrm>
-            <a:off x="406400" y="3953767"/>
-            <a:ext cx="12192000" cy="5924402"/>
-          </a:xfrm>
-          <a:prstGeom prst="rect">
-            <a:avLst/>
-          </a:prstGeom>
-        </p:spPr>
-        <p:txBody>
-          <a:bodyPr anchor="t"/>
-          <a:lstStyle/>
-          <a:p>
-            <a:pPr marL="614194" indent="-614194" defTabSz="508254">
-              <a:lnSpc>
-                <a:spcPct val="100000"/>
-              </a:lnSpc>
+            <a:off x="406400" y="2889973"/>
+            <a:ext cx="12192000" cy="1169261"/>
+          </a:xfrm>
+          <a:prstGeom prst="rect">
+            <a:avLst/>
+          </a:prstGeom>
+        </p:spPr>
+        <p:txBody>
+          <a:bodyPr/>
+          <a:lstStyle>
+            <a:lvl1pPr marL="614194" indent="-614194" defTabSz="508254">
               <a:spcBef>
                 <a:spcPts val="2400"/>
               </a:spcBef>
+              <a:buClrTx/>
               <a:buSzPct val="40000"/>
+              <a:buFontTx/>
               <a:buBlip>
                 <a:blip r:embed="rId2"/>
               </a:buBlip>
-              <a:defRPr cap="none" spc="0" sz="5500">
-                <a:latin typeface="Avenir Next Medium"/>
-                <a:ea typeface="Avenir Next Medium"/>
-                <a:cs typeface="Avenir Next Medium"/>
-                <a:sym typeface="Avenir Next Medium"/>
+              <a:defRPr sz="5500"/>
+            </a:lvl1pPr>
+          </a:lstStyle>
+          <a:p>
+            <a:pPr/>
+            <a:r>
+              <a:t>Can check with a scatter plot</a:t>
+            </a:r>
+          </a:p>
+        </p:txBody>
+      </p:sp>
+      <p:sp>
+        <p:nvSpPr>
+          <p:cNvPr id="323" name="Shape 323"/>
+          <p:cNvSpPr/>
+          <p:nvPr/>
+        </p:nvSpPr>
+        <p:spPr>
+          <a:xfrm rot="2859210">
+            <a:off x="9809686" y="6490645"/>
+            <a:ext cx="1542639" cy="325930"/>
+          </a:xfrm>
+          <a:prstGeom prst="rect">
+            <a:avLst/>
+          </a:prstGeom>
+          <a:solidFill>
+            <a:schemeClr val="accent5"/>
+          </a:solidFill>
+          <a:ln w="12700">
+            <a:miter lim="400000"/>
+          </a:ln>
+        </p:spPr>
+        <p:txBody>
+          <a:bodyPr lIns="50800" tIns="50800" rIns="50800" bIns="50800" anchor="ctr"/>
+          <a:lstStyle/>
+          <a:p>
+            <a:pPr algn="ctr">
+              <a:lnSpc>
+                <a:spcPct val="80000"/>
+              </a:lnSpc>
+              <a:spcBef>
+                <a:spcPts val="0"/>
+              </a:spcBef>
+              <a:defRPr cap="all" sz="2800">
+                <a:solidFill>
+                  <a:srgbClr val="FFFFFF"/>
+                </a:solidFill>
+                <a:latin typeface="+mn-lt"/>
+                <a:ea typeface="+mn-ea"/>
+                <a:cs typeface="+mn-cs"/>
+                <a:sym typeface="DIN Condensed"/>
               </a:defRPr>
             </a:pPr>
-            <a:r>
-              <a:rPr>
-                <a:solidFill>
-                  <a:schemeClr val="accent3"/>
-                </a:solidFill>
-              </a:rPr>
-              <a:t>L</a:t>
-            </a:r>
-            <a:r>
-              <a:t>inear relationship</a:t>
-            </a:r>
-          </a:p>
-          <a:p>
-            <a:pPr marL="614194" indent="-614194" defTabSz="508254">
+          </a:p>
+        </p:txBody>
+      </p:sp>
+      <p:sp>
+        <p:nvSpPr>
+          <p:cNvPr id="324" name="Shape 324"/>
+          <p:cNvSpPr/>
+          <p:nvPr/>
+        </p:nvSpPr>
+        <p:spPr>
+          <a:xfrm rot="18911602">
+            <a:off x="9817422" y="6460999"/>
+            <a:ext cx="1597712" cy="310156"/>
+          </a:xfrm>
+          <a:prstGeom prst="rect">
+            <a:avLst/>
+          </a:prstGeom>
+          <a:solidFill>
+            <a:schemeClr val="accent5"/>
+          </a:solidFill>
+          <a:ln w="12700">
+            <a:miter lim="400000"/>
+          </a:ln>
+        </p:spPr>
+        <p:txBody>
+          <a:bodyPr lIns="50800" tIns="50800" rIns="50800" bIns="50800" anchor="ctr"/>
+          <a:lstStyle/>
+          <a:p>
+            <a:pPr algn="ctr">
               <a:lnSpc>
-                <a:spcPct val="100000"/>
+                <a:spcPct val="80000"/>
               </a:lnSpc>
               <a:spcBef>
-                <a:spcPts val="2400"/>
+                <a:spcPts val="0"/>
               </a:spcBef>
-              <a:buSzPct val="40000"/>
-              <a:buBlip>
-                <a:blip r:embed="rId2"/>
-              </a:buBlip>
-              <a:defRPr cap="none" spc="0" sz="5500">
-                <a:latin typeface="Avenir Next Medium"/>
-                <a:ea typeface="Avenir Next Medium"/>
-                <a:cs typeface="Avenir Next Medium"/>
-                <a:sym typeface="Avenir Next Medium"/>
+              <a:defRPr cap="all" sz="2800">
+                <a:solidFill>
+                  <a:srgbClr val="FFFFFF"/>
+                </a:solidFill>
+                <a:latin typeface="+mn-lt"/>
+                <a:ea typeface="+mn-ea"/>
+                <a:cs typeface="+mn-cs"/>
+                <a:sym typeface="DIN Condensed"/>
               </a:defRPr>
             </a:pPr>
-            <a:r>
-              <a:rPr>
-                <a:solidFill>
-                  <a:schemeClr val="accent3"/>
-                </a:solidFill>
-              </a:rPr>
-              <a:t>I</a:t>
-            </a:r>
-            <a:r>
-              <a:t>ndependence</a:t>
-            </a:r>
-          </a:p>
-          <a:p>
-            <a:pPr marL="614194" indent="-614194" defTabSz="508254">
-              <a:lnSpc>
-                <a:spcPct val="100000"/>
-              </a:lnSpc>
-              <a:spcBef>
-                <a:spcPts val="2400"/>
-              </a:spcBef>
-              <a:buSzPct val="40000"/>
-              <a:buBlip>
-                <a:blip r:embed="rId2"/>
-              </a:buBlip>
-              <a:defRPr cap="none" spc="0" sz="5500">
-                <a:latin typeface="Avenir Next Medium"/>
-                <a:ea typeface="Avenir Next Medium"/>
-                <a:cs typeface="Avenir Next Medium"/>
-                <a:sym typeface="Avenir Next Medium"/>
-              </a:defRPr>
-            </a:pPr>
-            <a:r>
-              <a:rPr>
-                <a:solidFill>
-                  <a:schemeClr val="accent3"/>
-                </a:solidFill>
-              </a:rPr>
-              <a:t>N</a:t>
-            </a:r>
-            <a:r>
-              <a:t>ormality</a:t>
-            </a:r>
-          </a:p>
-          <a:p>
-            <a:pPr marL="614194" indent="-614194" defTabSz="508254">
-              <a:lnSpc>
-                <a:spcPct val="100000"/>
-              </a:lnSpc>
-              <a:spcBef>
-                <a:spcPts val="2400"/>
-              </a:spcBef>
-              <a:buSzPct val="40000"/>
-              <a:buBlip>
-                <a:blip r:embed="rId2"/>
-              </a:buBlip>
-              <a:defRPr cap="none" spc="0" sz="5500">
-                <a:latin typeface="Avenir Next Medium"/>
-                <a:ea typeface="Avenir Next Medium"/>
-                <a:cs typeface="Avenir Next Medium"/>
-                <a:sym typeface="Avenir Next Medium"/>
-              </a:defRPr>
-            </a:pPr>
-            <a:r>
-              <a:rPr>
-                <a:solidFill>
-                  <a:schemeClr val="accent3"/>
-                </a:solidFill>
-              </a:rPr>
-              <a:t>E</a:t>
-            </a:r>
-            <a:r>
-              <a:t>qual Variance</a:t>
-            </a:r>
-          </a:p>
-        </p:txBody>
-      </p:sp>
+          </a:p>
+        </p:txBody>
+      </p:sp>
+      <p:pic>
+        <p:nvPicPr>
+          <p:cNvPr id="325" name="pasted-image.png"/>
+          <p:cNvPicPr>
+            <a:picLocks noChangeAspect="1"/>
+          </p:cNvPicPr>
+          <p:nvPr/>
+        </p:nvPicPr>
+        <p:blipFill>
+          <a:blip r:embed="rId3">
+            <a:extLst/>
+          </a:blip>
+          <a:srcRect l="35136" t="0" r="32190" b="0"/>
+          <a:stretch>
+            <a:fillRect/>
+          </a:stretch>
+        </p:blipFill>
+        <p:spPr>
+          <a:xfrm>
+            <a:off x="1197270" y="4243145"/>
+            <a:ext cx="6500650" cy="5156594"/>
+          </a:xfrm>
+          <a:prstGeom prst="rect">
+            <a:avLst/>
+          </a:prstGeom>
+          <a:ln w="12700">
+            <a:miter lim="400000"/>
+          </a:ln>
+        </p:spPr>
+      </p:pic>
     </p:spTree>
   </p:cSld>
   <p:clrMapOvr>
@@ -8748,7 +9271,7 @@
       </p:grpSpPr>
       <p:sp>
         <p:nvSpPr>
-          <p:cNvPr id="309" name="Shape 309"/>
+          <p:cNvPr id="327" name="Shape 327"/>
           <p:cNvSpPr/>
           <p:nvPr>
             <p:ph type="title"/>
@@ -8776,23 +9299,23 @@
           <a:p>
             <a:pPr/>
             <a:r>
-              <a:t>Testing methods</a:t>
-            </a:r>
-          </a:p>
-        </p:txBody>
-      </p:sp>
-      <p:sp>
-        <p:nvSpPr>
-          <p:cNvPr id="310" name="Shape 310"/>
+              <a:t>equal Variance</a:t>
+            </a:r>
+          </a:p>
+        </p:txBody>
+      </p:sp>
+      <p:sp>
+        <p:nvSpPr>
+          <p:cNvPr id="328" name="Shape 328"/>
           <p:cNvSpPr/>
           <p:nvPr>
-            <p:ph type="body" sz="half" idx="1"/>
+            <p:ph type="body" sz="quarter" idx="1"/>
           </p:nvPr>
         </p:nvSpPr>
         <p:spPr>
           <a:xfrm>
-            <a:off x="406400" y="3953767"/>
-            <a:ext cx="12192000" cy="2531601"/>
+            <a:off x="406400" y="2889973"/>
+            <a:ext cx="12192000" cy="1169261"/>
           </a:xfrm>
           <a:prstGeom prst="rect">
             <a:avLst/>
@@ -8800,11 +9323,10 @@
         </p:spPr>
         <p:txBody>
           <a:bodyPr/>
-          <a:lstStyle/>
-          <a:p>
-            <a:pPr marL="663612" indent="-663612" defTabSz="549148">
+          <a:lstStyle>
+            <a:lvl1pPr marL="614194" indent="-614194" defTabSz="508254">
               <a:spcBef>
-                <a:spcPts val="2600"/>
+                <a:spcPts val="2400"/>
               </a:spcBef>
               <a:buClrTx/>
               <a:buSzPct val="40000"/>
@@ -8812,34 +9334,137 @@
               <a:buBlip>
                 <a:blip r:embed="rId2"/>
               </a:buBlip>
-              <a:defRPr sz="6016"/>
-            </a:pPr>
-            <a:r>
-              <a:t>Quick and qualitative </a:t>
-            </a:r>
-          </a:p>
-          <a:p>
-            <a:pPr marL="663612" indent="-663612" defTabSz="549148">
+              <a:defRPr sz="5500"/>
+            </a:lvl1pPr>
+          </a:lstStyle>
+          <a:p>
+            <a:pPr/>
+            <a:r>
+              <a:t>Can check with a scatter plot</a:t>
+            </a:r>
+          </a:p>
+        </p:txBody>
+      </p:sp>
+      <p:sp>
+        <p:nvSpPr>
+          <p:cNvPr id="329" name="Shape 329"/>
+          <p:cNvSpPr/>
+          <p:nvPr/>
+        </p:nvSpPr>
+        <p:spPr>
+          <a:xfrm rot="2859210">
+            <a:off x="9809686" y="6490645"/>
+            <a:ext cx="1542639" cy="325930"/>
+          </a:xfrm>
+          <a:prstGeom prst="rect">
+            <a:avLst/>
+          </a:prstGeom>
+          <a:solidFill>
+            <a:schemeClr val="accent5"/>
+          </a:solidFill>
+          <a:ln w="12700">
+            <a:miter lim="400000"/>
+          </a:ln>
+        </p:spPr>
+        <p:txBody>
+          <a:bodyPr lIns="50800" tIns="50800" rIns="50800" bIns="50800" anchor="ctr"/>
+          <a:lstStyle/>
+          <a:p>
+            <a:pPr algn="ctr">
               <a:lnSpc>
-                <a:spcPct val="200000"/>
+                <a:spcPct val="80000"/>
               </a:lnSpc>
               <a:spcBef>
-                <a:spcPts val="2600"/>
+                <a:spcPts val="0"/>
               </a:spcBef>
-              <a:buClrTx/>
-              <a:buSzPct val="40000"/>
-              <a:buFontTx/>
-              <a:buBlip>
-                <a:blip r:embed="rId2"/>
-              </a:buBlip>
-              <a:defRPr sz="6016"/>
+              <a:defRPr cap="all" sz="2800">
+                <a:solidFill>
+                  <a:srgbClr val="FFFFFF"/>
+                </a:solidFill>
+                <a:latin typeface="+mn-lt"/>
+                <a:ea typeface="+mn-ea"/>
+                <a:cs typeface="+mn-cs"/>
+                <a:sym typeface="DIN Condensed"/>
+              </a:defRPr>
             </a:pPr>
-            <a:r>
-              <a:t>Protects against major errors</a:t>
-            </a:r>
-          </a:p>
-        </p:txBody>
-      </p:sp>
+          </a:p>
+        </p:txBody>
+      </p:sp>
+      <p:sp>
+        <p:nvSpPr>
+          <p:cNvPr id="330" name="Shape 330"/>
+          <p:cNvSpPr/>
+          <p:nvPr/>
+        </p:nvSpPr>
+        <p:spPr>
+          <a:xfrm rot="18911602">
+            <a:off x="9817422" y="6460999"/>
+            <a:ext cx="1597712" cy="310156"/>
+          </a:xfrm>
+          <a:prstGeom prst="rect">
+            <a:avLst/>
+          </a:prstGeom>
+          <a:solidFill>
+            <a:schemeClr val="accent5"/>
+          </a:solidFill>
+          <a:ln w="12700">
+            <a:miter lim="400000"/>
+          </a:ln>
+        </p:spPr>
+        <p:txBody>
+          <a:bodyPr lIns="50800" tIns="50800" rIns="50800" bIns="50800" anchor="ctr"/>
+          <a:lstStyle/>
+          <a:p>
+            <a:pPr algn="ctr">
+              <a:lnSpc>
+                <a:spcPct val="80000"/>
+              </a:lnSpc>
+              <a:spcBef>
+                <a:spcPts val="0"/>
+              </a:spcBef>
+              <a:defRPr cap="all" sz="2800">
+                <a:solidFill>
+                  <a:srgbClr val="FFFFFF"/>
+                </a:solidFill>
+                <a:latin typeface="+mn-lt"/>
+                <a:ea typeface="+mn-ea"/>
+                <a:cs typeface="+mn-cs"/>
+                <a:sym typeface="DIN Condensed"/>
+              </a:defRPr>
+            </a:pPr>
+          </a:p>
+        </p:txBody>
+      </p:sp>
+      <p:pic>
+        <p:nvPicPr>
+          <p:cNvPr id="331" name="pasted-image.png"/>
+          <p:cNvPicPr>
+            <a:picLocks noChangeAspect="1"/>
+          </p:cNvPicPr>
+          <p:nvPr/>
+        </p:nvPicPr>
+        <p:blipFill>
+          <a:blip r:embed="rId3">
+            <a:extLst/>
+          </a:blip>
+          <a:srcRect l="66194" t="0" r="1133" b="0"/>
+          <a:stretch>
+            <a:fillRect/>
+          </a:stretch>
+        </p:blipFill>
+        <p:spPr>
+          <a:xfrm>
+            <a:off x="1197270" y="4243145"/>
+            <a:ext cx="6500649" cy="5156594"/>
+          </a:xfrm>
+          <a:prstGeom prst="rect">
+            <a:avLst/>
+          </a:prstGeom>
+          <a:ln w="12700">
+            <a:miter lim="400000"/>
+          </a:ln>
+        </p:spPr>
+      </p:pic>
     </p:spTree>
   </p:cSld>
   <p:clrMapOvr>
@@ -8866,92 +9491,16 @@
           <a:chExt cx="0" cy="0"/>
         </a:xfrm>
       </p:grpSpPr>
-      <p:sp>
-        <p:nvSpPr>
-          <p:cNvPr id="312" name="Shape 312"/>
-          <p:cNvSpPr/>
-          <p:nvPr>
-            <p:ph type="title"/>
-          </p:nvPr>
-        </p:nvSpPr>
-        <p:spPr>
-          <a:xfrm>
-            <a:off x="406400" y="1536700"/>
-            <a:ext cx="12192000" cy="1169260"/>
-          </a:xfrm>
-          <a:prstGeom prst="rect">
-            <a:avLst/>
-          </a:prstGeom>
-        </p:spPr>
-        <p:txBody>
-          <a:bodyPr/>
-          <a:lstStyle>
-            <a:lvl1pPr defTabSz="403097">
-              <a:spcBef>
-                <a:spcPts val="1900"/>
-              </a:spcBef>
-              <a:defRPr sz="8280"/>
-            </a:lvl1pPr>
-          </a:lstStyle>
-          <a:p>
-            <a:pPr/>
-            <a:r>
-              <a:t>Linear relationship</a:t>
-            </a:r>
-          </a:p>
-        </p:txBody>
-      </p:sp>
-      <p:sp>
-        <p:nvSpPr>
-          <p:cNvPr id="313" name="Shape 313"/>
-          <p:cNvSpPr/>
-          <p:nvPr>
-            <p:ph type="body" sz="quarter" idx="1"/>
-          </p:nvPr>
-        </p:nvSpPr>
-        <p:spPr>
-          <a:xfrm>
-            <a:off x="406400" y="2889973"/>
-            <a:ext cx="12192000" cy="1169261"/>
-          </a:xfrm>
-          <a:prstGeom prst="rect">
-            <a:avLst/>
-          </a:prstGeom>
-        </p:spPr>
-        <p:txBody>
-          <a:bodyPr/>
-          <a:lstStyle>
-            <a:lvl1pPr marL="614194" indent="-614194" defTabSz="508254">
-              <a:spcBef>
-                <a:spcPts val="2400"/>
-              </a:spcBef>
-              <a:buClrTx/>
-              <a:buSzPct val="40000"/>
-              <a:buFontTx/>
-              <a:buBlip>
-                <a:blip r:embed="rId2"/>
-              </a:buBlip>
-              <a:defRPr sz="5500"/>
-            </a:lvl1pPr>
-          </a:lstStyle>
-          <a:p>
-            <a:pPr/>
-            <a:r>
-              <a:t>Can check with a scatter plot</a:t>
-            </a:r>
-          </a:p>
-        </p:txBody>
-      </p:sp>
       <p:pic>
         <p:nvPicPr>
-          <p:cNvPr id="314" name="pasted-image.png"/>
+          <p:cNvPr id="333" name="pasted-image.tiff"/>
           <p:cNvPicPr>
             <a:picLocks noChangeAspect="1"/>
           </p:cNvPicPr>
           <p:nvPr/>
         </p:nvPicPr>
         <p:blipFill>
-          <a:blip r:embed="rId3">
+          <a:blip r:embed="rId2">
             <a:extLst/>
           </a:blip>
           <a:stretch>
@@ -8960,8 +9509,8 @@
         </p:blipFill>
         <p:spPr>
           <a:xfrm>
-            <a:off x="1151012" y="4243247"/>
-            <a:ext cx="7788894" cy="5173541"/>
+            <a:off x="271354" y="334222"/>
+            <a:ext cx="12462093" cy="8567689"/>
           </a:xfrm>
           <a:prstGeom prst="rect">
             <a:avLst/>
@@ -8971,96 +9520,6 @@
           </a:ln>
         </p:spPr>
       </p:pic>
-      <p:sp>
-        <p:nvSpPr>
-          <p:cNvPr id="315" name="Shape 315"/>
-          <p:cNvSpPr/>
-          <p:nvPr/>
-        </p:nvSpPr>
-        <p:spPr>
-          <a:xfrm rot="18546354">
-            <a:off x="10242283" y="6313242"/>
-            <a:ext cx="157388" cy="717637"/>
-          </a:xfrm>
-          <a:prstGeom prst="rect">
-            <a:avLst/>
-          </a:prstGeom>
-          <a:solidFill>
-            <a:schemeClr val="accent3"/>
-          </a:solidFill>
-          <a:ln w="12700">
-            <a:miter lim="400000"/>
-          </a:ln>
-        </p:spPr>
-        <p:txBody>
-          <a:bodyPr lIns="50800" tIns="50800" rIns="50800" bIns="50800" anchor="ctr"/>
-          <a:lstStyle/>
-          <a:p>
-            <a:pPr algn="ctr">
-              <a:lnSpc>
-                <a:spcPct val="80000"/>
-              </a:lnSpc>
-              <a:spcBef>
-                <a:spcPts val="0"/>
-              </a:spcBef>
-              <a:defRPr cap="all" sz="2800">
-                <a:solidFill>
-                  <a:srgbClr val="FFFFFF"/>
-                </a:solidFill>
-                <a:latin typeface="+mn-lt"/>
-                <a:ea typeface="+mn-ea"/>
-                <a:cs typeface="+mn-cs"/>
-                <a:sym typeface="DIN Condensed"/>
-              </a:defRPr>
-            </a:pPr>
-          </a:p>
-        </p:txBody>
-      </p:sp>
-      <p:sp>
-        <p:nvSpPr>
-          <p:cNvPr id="316" name="Shape 316"/>
-          <p:cNvSpPr/>
-          <p:nvPr/>
-        </p:nvSpPr>
-        <p:spPr>
-          <a:xfrm rot="2624366">
-            <a:off x="10848664" y="5831628"/>
-            <a:ext cx="170441" cy="1227898"/>
-          </a:xfrm>
-          <a:prstGeom prst="rect">
-            <a:avLst/>
-          </a:prstGeom>
-          <a:solidFill>
-            <a:schemeClr val="accent3"/>
-          </a:solidFill>
-          <a:ln w="12700">
-            <a:miter lim="400000"/>
-          </a:ln>
-        </p:spPr>
-        <p:txBody>
-          <a:bodyPr lIns="50800" tIns="50800" rIns="50800" bIns="50800" anchor="ctr"/>
-          <a:lstStyle/>
-          <a:p>
-            <a:pPr algn="ctr">
-              <a:lnSpc>
-                <a:spcPct val="80000"/>
-              </a:lnSpc>
-              <a:spcBef>
-                <a:spcPts val="0"/>
-              </a:spcBef>
-              <a:defRPr cap="all" sz="2800">
-                <a:solidFill>
-                  <a:srgbClr val="FFFFFF"/>
-                </a:solidFill>
-                <a:latin typeface="+mn-lt"/>
-                <a:ea typeface="+mn-ea"/>
-                <a:cs typeface="+mn-cs"/>
-                <a:sym typeface="DIN Condensed"/>
-              </a:defRPr>
-            </a:pPr>
-          </a:p>
-        </p:txBody>
-      </p:sp>
     </p:spTree>
   </p:cSld>
   <p:clrMapOvr>
@@ -9089,7 +9548,7 @@
       </p:grpSpPr>
       <p:sp>
         <p:nvSpPr>
-          <p:cNvPr id="318" name="Shape 318"/>
+          <p:cNvPr id="335" name="Shape 335"/>
           <p:cNvSpPr/>
           <p:nvPr>
             <p:ph type="title"/>
@@ -9098,7 +9557,7 @@
         <p:spPr>
           <a:xfrm>
             <a:off x="406400" y="1536700"/>
-            <a:ext cx="12192000" cy="1169260"/>
+            <a:ext cx="12192000" cy="1169261"/>
           </a:xfrm>
           <a:prstGeom prst="rect">
             <a:avLst/>
@@ -9111,177 +9570,163 @@
               <a:spcBef>
                 <a:spcPts val="1900"/>
               </a:spcBef>
-              <a:defRPr sz="8280"/>
+              <a:defRPr sz="8200"/>
             </a:lvl1pPr>
           </a:lstStyle>
           <a:p>
             <a:pPr/>
             <a:r>
-              <a:t>Linear relationship</a:t>
-            </a:r>
-          </a:p>
-        </p:txBody>
-      </p:sp>
-      <p:sp>
-        <p:nvSpPr>
-          <p:cNvPr id="319" name="Shape 319"/>
+              <a:t>Linear model assumptions</a:t>
+            </a:r>
+          </a:p>
+        </p:txBody>
+      </p:sp>
+      <p:sp>
+        <p:nvSpPr>
+          <p:cNvPr id="336" name="Shape 336"/>
           <p:cNvSpPr/>
           <p:nvPr>
-            <p:ph type="body" sz="quarter" idx="1"/>
+            <p:ph type="body" idx="1"/>
           </p:nvPr>
         </p:nvSpPr>
         <p:spPr>
           <a:xfrm>
-            <a:off x="406400" y="2889973"/>
-            <a:ext cx="12192000" cy="1169261"/>
-          </a:xfrm>
-          <a:prstGeom prst="rect">
-            <a:avLst/>
-          </a:prstGeom>
-        </p:spPr>
-        <p:txBody>
-          <a:bodyPr/>
-          <a:lstStyle>
-            <a:lvl1pPr marL="614194" indent="-614194" defTabSz="508254">
+            <a:off x="406400" y="3953767"/>
+            <a:ext cx="12192000" cy="5924402"/>
+          </a:xfrm>
+          <a:prstGeom prst="rect">
+            <a:avLst/>
+          </a:prstGeom>
+        </p:spPr>
+        <p:txBody>
+          <a:bodyPr anchor="t"/>
+          <a:lstStyle/>
+          <a:p>
+            <a:pPr marL="614194" indent="-614194" defTabSz="508254">
+              <a:lnSpc>
+                <a:spcPct val="100000"/>
+              </a:lnSpc>
               <a:spcBef>
                 <a:spcPts val="2400"/>
               </a:spcBef>
-              <a:buClrTx/>
               <a:buSzPct val="40000"/>
-              <a:buFontTx/>
               <a:buBlip>
                 <a:blip r:embed="rId2"/>
               </a:buBlip>
-              <a:defRPr sz="5500"/>
-            </a:lvl1pPr>
-          </a:lstStyle>
-          <a:p>
-            <a:pPr/>
-            <a:r>
-              <a:t>Can check with a scatter plot</a:t>
-            </a:r>
-          </a:p>
-        </p:txBody>
-      </p:sp>
-      <p:sp>
-        <p:nvSpPr>
-          <p:cNvPr id="320" name="Shape 320"/>
-          <p:cNvSpPr/>
-          <p:nvPr/>
-        </p:nvSpPr>
-        <p:spPr>
-          <a:xfrm rot="2859210">
-            <a:off x="9809686" y="6490645"/>
-            <a:ext cx="1542639" cy="325930"/>
-          </a:xfrm>
-          <a:prstGeom prst="rect">
-            <a:avLst/>
-          </a:prstGeom>
-          <a:solidFill>
-            <a:schemeClr val="accent5"/>
-          </a:solidFill>
-          <a:ln w="12700">
-            <a:miter lim="400000"/>
-          </a:ln>
-        </p:spPr>
-        <p:txBody>
-          <a:bodyPr lIns="50800" tIns="50800" rIns="50800" bIns="50800" anchor="ctr"/>
-          <a:lstStyle/>
-          <a:p>
-            <a:pPr algn="ctr">
+              <a:defRPr cap="none" spc="0" strike="sngStrike" sz="5500">
+                <a:latin typeface="Avenir Next Medium"/>
+                <a:ea typeface="Avenir Next Medium"/>
+                <a:cs typeface="Avenir Next Medium"/>
+                <a:sym typeface="Avenir Next Medium"/>
+              </a:defRPr>
+            </a:pPr>
+            <a:r>
+              <a:rPr>
+                <a:solidFill>
+                  <a:schemeClr val="accent3"/>
+                </a:solidFill>
+              </a:rPr>
+              <a:t>L</a:t>
+            </a:r>
+            <a:r>
+              <a:t>inear relationship</a:t>
+            </a:r>
+          </a:p>
+          <a:p>
+            <a:pPr marL="614194" indent="-614194" defTabSz="508254">
               <a:lnSpc>
-                <a:spcPct val="80000"/>
+                <a:spcPct val="100000"/>
               </a:lnSpc>
               <a:spcBef>
-                <a:spcPts val="0"/>
+                <a:spcPts val="2400"/>
               </a:spcBef>
-              <a:defRPr cap="all" sz="2800">
-                <a:solidFill>
-                  <a:srgbClr val="FFFFFF"/>
-                </a:solidFill>
-                <a:latin typeface="+mn-lt"/>
-                <a:ea typeface="+mn-ea"/>
-                <a:cs typeface="+mn-cs"/>
-                <a:sym typeface="DIN Condensed"/>
+              <a:buSzPct val="40000"/>
+              <a:buBlip>
+                <a:blip r:embed="rId2"/>
+              </a:buBlip>
+              <a:defRPr cap="none" spc="0" sz="5500">
+                <a:latin typeface="Avenir Next Medium"/>
+                <a:ea typeface="Avenir Next Medium"/>
+                <a:cs typeface="Avenir Next Medium"/>
+                <a:sym typeface="Avenir Next Medium"/>
               </a:defRPr>
             </a:pPr>
-          </a:p>
-        </p:txBody>
-      </p:sp>
-      <p:sp>
-        <p:nvSpPr>
-          <p:cNvPr id="321" name="Shape 321"/>
-          <p:cNvSpPr/>
-          <p:nvPr/>
-        </p:nvSpPr>
-        <p:spPr>
-          <a:xfrm rot="18911602">
-            <a:off x="9817422" y="6460999"/>
-            <a:ext cx="1597712" cy="310156"/>
-          </a:xfrm>
-          <a:prstGeom prst="rect">
-            <a:avLst/>
-          </a:prstGeom>
-          <a:solidFill>
-            <a:schemeClr val="accent5"/>
-          </a:solidFill>
-          <a:ln w="12700">
-            <a:miter lim="400000"/>
-          </a:ln>
-        </p:spPr>
-        <p:txBody>
-          <a:bodyPr lIns="50800" tIns="50800" rIns="50800" bIns="50800" anchor="ctr"/>
-          <a:lstStyle/>
-          <a:p>
-            <a:pPr algn="ctr">
+            <a:r>
+              <a:rPr>
+                <a:solidFill>
+                  <a:schemeClr val="accent3"/>
+                </a:solidFill>
+              </a:rPr>
+              <a:t>I</a:t>
+            </a:r>
+            <a:r>
+              <a:t>ndependence</a:t>
+            </a:r>
+          </a:p>
+          <a:p>
+            <a:pPr marL="614194" indent="-614194" defTabSz="508254">
               <a:lnSpc>
-                <a:spcPct val="80000"/>
+                <a:spcPct val="100000"/>
               </a:lnSpc>
               <a:spcBef>
-                <a:spcPts val="0"/>
+                <a:spcPts val="2400"/>
               </a:spcBef>
-              <a:defRPr cap="all" sz="2800">
-                <a:solidFill>
-                  <a:srgbClr val="FFFFFF"/>
-                </a:solidFill>
-                <a:latin typeface="+mn-lt"/>
-                <a:ea typeface="+mn-ea"/>
-                <a:cs typeface="+mn-cs"/>
-                <a:sym typeface="DIN Condensed"/>
+              <a:buSzPct val="40000"/>
+              <a:buBlip>
+                <a:blip r:embed="rId2"/>
+              </a:buBlip>
+              <a:defRPr cap="none" spc="0" sz="5500">
+                <a:latin typeface="Avenir Next Medium"/>
+                <a:ea typeface="Avenir Next Medium"/>
+                <a:cs typeface="Avenir Next Medium"/>
+                <a:sym typeface="Avenir Next Medium"/>
               </a:defRPr>
             </a:pPr>
-          </a:p>
-        </p:txBody>
-      </p:sp>
-      <p:pic>
-        <p:nvPicPr>
-          <p:cNvPr id="322" name="pasted-image.png"/>
-          <p:cNvPicPr>
-            <a:picLocks noChangeAspect="1"/>
-          </p:cNvPicPr>
-          <p:nvPr/>
-        </p:nvPicPr>
-        <p:blipFill>
-          <a:blip r:embed="rId3">
-            <a:extLst/>
-          </a:blip>
-          <a:stretch>
-            <a:fillRect/>
-          </a:stretch>
-        </p:blipFill>
-        <p:spPr>
-          <a:xfrm>
-            <a:off x="1162365" y="4324450"/>
-            <a:ext cx="7845595" cy="4970322"/>
-          </a:xfrm>
-          <a:prstGeom prst="rect">
-            <a:avLst/>
-          </a:prstGeom>
-          <a:ln w="12700">
-            <a:miter lim="400000"/>
-          </a:ln>
-        </p:spPr>
-      </p:pic>
+            <a:r>
+              <a:rPr>
+                <a:solidFill>
+                  <a:schemeClr val="accent3"/>
+                </a:solidFill>
+              </a:rPr>
+              <a:t>N</a:t>
+            </a:r>
+            <a:r>
+              <a:t>ormality</a:t>
+            </a:r>
+          </a:p>
+          <a:p>
+            <a:pPr marL="614194" indent="-614194" defTabSz="508254">
+              <a:lnSpc>
+                <a:spcPct val="100000"/>
+              </a:lnSpc>
+              <a:spcBef>
+                <a:spcPts val="2400"/>
+              </a:spcBef>
+              <a:buSzPct val="40000"/>
+              <a:buBlip>
+                <a:blip r:embed="rId2"/>
+              </a:buBlip>
+              <a:defRPr cap="none" spc="0" strike="sngStrike" sz="5500">
+                <a:latin typeface="Avenir Next Medium"/>
+                <a:ea typeface="Avenir Next Medium"/>
+                <a:cs typeface="Avenir Next Medium"/>
+                <a:sym typeface="Avenir Next Medium"/>
+              </a:defRPr>
+            </a:pPr>
+            <a:r>
+              <a:rPr>
+                <a:solidFill>
+                  <a:schemeClr val="accent3"/>
+                </a:solidFill>
+              </a:rPr>
+              <a:t>E</a:t>
+            </a:r>
+            <a:r>
+              <a:t>qual Variance</a:t>
+            </a:r>
+          </a:p>
+        </p:txBody>
+      </p:sp>
     </p:spTree>
   </p:cSld>
   <p:clrMapOvr>
@@ -9310,7 +9755,7 @@
       </p:grpSpPr>
       <p:sp>
         <p:nvSpPr>
-          <p:cNvPr id="324" name="Shape 324"/>
+          <p:cNvPr id="338" name="Shape 338"/>
           <p:cNvSpPr/>
           <p:nvPr>
             <p:ph type="title"/>
@@ -9338,14 +9783,14 @@
           <a:p>
             <a:pPr/>
             <a:r>
-              <a:t>Equal Variance</a:t>
-            </a:r>
-          </a:p>
-        </p:txBody>
-      </p:sp>
-      <p:sp>
-        <p:nvSpPr>
-          <p:cNvPr id="325" name="Shape 325"/>
+              <a:t>Independence</a:t>
+            </a:r>
+          </a:p>
+        </p:txBody>
+      </p:sp>
+      <p:sp>
+        <p:nvSpPr>
+          <p:cNvPr id="339" name="Shape 339"/>
           <p:cNvSpPr/>
           <p:nvPr>
             <p:ph type="body" sz="quarter" idx="1"/>
@@ -9362,10 +9807,11 @@
         </p:spPr>
         <p:txBody>
           <a:bodyPr/>
-          <a:lstStyle>
-            <a:lvl1pPr marL="614194" indent="-614194" defTabSz="508254">
+          <a:lstStyle/>
+          <a:p>
+            <a:pPr marL="589626" indent="-589626" defTabSz="487923">
               <a:spcBef>
-                <a:spcPts val="2400"/>
+                <a:spcPts val="2300"/>
               </a:spcBef>
               <a:buClrTx/>
               <a:buSzPct val="40000"/>
@@ -9373,26 +9819,65 @@
               <a:buBlip>
                 <a:blip r:embed="rId2"/>
               </a:buBlip>
-              <a:defRPr sz="5500"/>
-            </a:lvl1pPr>
-          </a:lstStyle>
-          <a:p>
-            <a:pPr/>
-            <a:r>
-              <a:t>Can check with a scatter plot</a:t>
-            </a:r>
-          </a:p>
-        </p:txBody>
-      </p:sp>
-      <p:sp>
-        <p:nvSpPr>
-          <p:cNvPr id="326" name="Shape 326"/>
-          <p:cNvSpPr/>
+              <a:defRPr sz="5280"/>
+            </a:pPr>
+            <a:r>
+              <a:t>Check the correlation matrix </a:t>
+            </a:r>
+            <a:r>
+              <a:rPr b="1">
+                <a:solidFill>
+                  <a:srgbClr val="A6AAA9"/>
+                </a:solidFill>
+                <a:latin typeface="Avenir Next"/>
+                <a:ea typeface="Avenir Next"/>
+                <a:cs typeface="Avenir Next"/>
+                <a:sym typeface="Avenir Next"/>
+              </a:rPr>
+              <a:t>df.corr()</a:t>
+            </a:r>
+          </a:p>
+        </p:txBody>
+      </p:sp>
+      <p:pic>
+        <p:nvPicPr>
+          <p:cNvPr id="340" name="pasted-image.png"/>
+          <p:cNvPicPr>
+            <a:picLocks noChangeAspect="1"/>
+          </p:cNvPicPr>
           <p:nvPr/>
+        </p:nvPicPr>
+        <p:blipFill>
+          <a:blip r:embed="rId3">
+            <a:extLst/>
+          </a:blip>
+          <a:srcRect l="1002" t="0" r="24271" b="0"/>
+          <a:stretch>
+            <a:fillRect/>
+          </a:stretch>
+        </p:blipFill>
+        <p:spPr>
+          <a:xfrm>
+            <a:off x="675190" y="4648200"/>
+            <a:ext cx="9032478" cy="4010950"/>
+          </a:xfrm>
+          <a:prstGeom prst="rect">
+            <a:avLst/>
+          </a:prstGeom>
+          <a:ln w="12700">
+            <a:miter lim="400000"/>
+          </a:ln>
+        </p:spPr>
+      </p:pic>
+      <p:sp>
+        <p:nvSpPr>
+          <p:cNvPr id="341" name="Shape 341"/>
+          <p:cNvSpPr/>
+          <p:nvPr/>
         </p:nvSpPr>
         <p:spPr>
           <a:xfrm rot="18546354">
-            <a:off x="10242283" y="6313242"/>
+            <a:off x="10625965" y="6515583"/>
             <a:ext cx="157388" cy="717637"/>
           </a:xfrm>
           <a:prstGeom prst="rect">
@@ -9431,14 +9916,14 @@
       </p:sp>
       <p:sp>
         <p:nvSpPr>
-          <p:cNvPr id="327" name="Shape 327"/>
+          <p:cNvPr id="342" name="Shape 342"/>
           <p:cNvSpPr/>
           <p:nvPr/>
         </p:nvSpPr>
         <p:spPr>
           <a:xfrm rot="2624366">
-            <a:off x="10848664" y="5831628"/>
-            <a:ext cx="170441" cy="1227898"/>
+            <a:off x="11232346" y="6033970"/>
+            <a:ext cx="170441" cy="1227897"/>
           </a:xfrm>
           <a:prstGeom prst="rect">
             <a:avLst/>
@@ -9474,36 +9959,6 @@
           </a:p>
         </p:txBody>
       </p:sp>
-      <p:pic>
-        <p:nvPicPr>
-          <p:cNvPr id="328" name="pasted-image.png"/>
-          <p:cNvPicPr>
-            <a:picLocks noChangeAspect="1"/>
-          </p:cNvPicPr>
-          <p:nvPr/>
-        </p:nvPicPr>
-        <p:blipFill>
-          <a:blip r:embed="rId3">
-            <a:extLst/>
-          </a:blip>
-          <a:srcRect l="0" t="0" r="63741" b="0"/>
-          <a:stretch>
-            <a:fillRect/>
-          </a:stretch>
-        </p:blipFill>
-        <p:spPr>
-          <a:xfrm>
-            <a:off x="1171239" y="4243247"/>
-            <a:ext cx="6795681" cy="4857465"/>
-          </a:xfrm>
-          <a:prstGeom prst="rect">
-            <a:avLst/>
-          </a:prstGeom>
-          <a:ln w="12700">
-            <a:miter lim="400000"/>
-          </a:ln>
-        </p:spPr>
-      </p:pic>
     </p:spTree>
   </p:cSld>
   <p:clrMapOvr>
@@ -9532,7 +9987,7 @@
       </p:grpSpPr>
       <p:sp>
         <p:nvSpPr>
-          <p:cNvPr id="330" name="Shape 330"/>
+          <p:cNvPr id="344" name="Shape 344"/>
           <p:cNvSpPr/>
           <p:nvPr>
             <p:ph type="title"/>
@@ -9560,14 +10015,14 @@
           <a:p>
             <a:pPr/>
             <a:r>
-              <a:t>equal Variance</a:t>
-            </a:r>
-          </a:p>
-        </p:txBody>
-      </p:sp>
-      <p:sp>
-        <p:nvSpPr>
-          <p:cNvPr id="331" name="Shape 331"/>
+              <a:t>Independence</a:t>
+            </a:r>
+          </a:p>
+        </p:txBody>
+      </p:sp>
+      <p:sp>
+        <p:nvSpPr>
+          <p:cNvPr id="345" name="Shape 345"/>
           <p:cNvSpPr/>
           <p:nvPr>
             <p:ph type="body" sz="quarter" idx="1"/>
@@ -9584,10 +10039,11 @@
         </p:spPr>
         <p:txBody>
           <a:bodyPr/>
-          <a:lstStyle>
-            <a:lvl1pPr marL="614194" indent="-614194" defTabSz="508254">
+          <a:lstStyle/>
+          <a:p>
+            <a:pPr marL="589626" indent="-589626" defTabSz="487923">
               <a:spcBef>
-                <a:spcPts val="2400"/>
+                <a:spcPts val="2300"/>
               </a:spcBef>
               <a:buClrTx/>
               <a:buSzPct val="40000"/>
@@ -9595,20 +10051,59 @@
               <a:buBlip>
                 <a:blip r:embed="rId2"/>
               </a:buBlip>
-              <a:defRPr sz="5500"/>
-            </a:lvl1pPr>
-          </a:lstStyle>
-          <a:p>
-            <a:pPr/>
-            <a:r>
-              <a:t>Can check with a scatter plot</a:t>
-            </a:r>
-          </a:p>
-        </p:txBody>
-      </p:sp>
-      <p:sp>
-        <p:nvSpPr>
-          <p:cNvPr id="332" name="Shape 332"/>
+              <a:defRPr sz="5280"/>
+            </a:pPr>
+            <a:r>
+              <a:t>Check the correlation matrix </a:t>
+            </a:r>
+            <a:r>
+              <a:rPr b="1">
+                <a:solidFill>
+                  <a:srgbClr val="A6AAA9"/>
+                </a:solidFill>
+                <a:latin typeface="Avenir Next"/>
+                <a:ea typeface="Avenir Next"/>
+                <a:cs typeface="Avenir Next"/>
+                <a:sym typeface="Avenir Next"/>
+              </a:rPr>
+              <a:t>df.corr()</a:t>
+            </a:r>
+          </a:p>
+        </p:txBody>
+      </p:sp>
+      <p:pic>
+        <p:nvPicPr>
+          <p:cNvPr id="346" name="Fitting_correlation_matrix.png"/>
+          <p:cNvPicPr>
+            <a:picLocks noChangeAspect="1"/>
+          </p:cNvPicPr>
+          <p:nvPr/>
+        </p:nvPicPr>
+        <p:blipFill>
+          <a:blip r:embed="rId3">
+            <a:extLst/>
+          </a:blip>
+          <a:srcRect l="0" t="0" r="47657" b="0"/>
+          <a:stretch>
+            <a:fillRect/>
+          </a:stretch>
+        </p:blipFill>
+        <p:spPr>
+          <a:xfrm>
+            <a:off x="1203739" y="4489712"/>
+            <a:ext cx="6961197" cy="4316421"/>
+          </a:xfrm>
+          <a:prstGeom prst="rect">
+            <a:avLst/>
+          </a:prstGeom>
+          <a:ln w="12700">
+            <a:miter lim="400000"/>
+          </a:ln>
+        </p:spPr>
+      </p:pic>
+      <p:sp>
+        <p:nvSpPr>
+          <p:cNvPr id="347" name="Shape 347"/>
           <p:cNvSpPr/>
           <p:nvPr/>
         </p:nvSpPr>
@@ -9653,7 +10148,7 @@
       </p:sp>
       <p:sp>
         <p:nvSpPr>
-          <p:cNvPr id="333" name="Shape 333"/>
+          <p:cNvPr id="348" name="Shape 348"/>
           <p:cNvSpPr/>
           <p:nvPr/>
         </p:nvSpPr>
@@ -9696,36 +10191,6 @@
           </a:p>
         </p:txBody>
       </p:sp>
-      <p:pic>
-        <p:nvPicPr>
-          <p:cNvPr id="334" name="pasted-image.png"/>
-          <p:cNvPicPr>
-            <a:picLocks noChangeAspect="1"/>
-          </p:cNvPicPr>
-          <p:nvPr/>
-        </p:nvPicPr>
-        <p:blipFill>
-          <a:blip r:embed="rId3">
-            <a:extLst/>
-          </a:blip>
-          <a:srcRect l="35136" t="0" r="32190" b="0"/>
-          <a:stretch>
-            <a:fillRect/>
-          </a:stretch>
-        </p:blipFill>
-        <p:spPr>
-          <a:xfrm>
-            <a:off x="1197270" y="4243145"/>
-            <a:ext cx="6500650" cy="5156594"/>
-          </a:xfrm>
-          <a:prstGeom prst="rect">
-            <a:avLst/>
-          </a:prstGeom>
-          <a:ln w="12700">
-            <a:miter lim="400000"/>
-          </a:ln>
-        </p:spPr>
-      </p:pic>
     </p:spTree>
   </p:cSld>
   <p:clrMapOvr>
@@ -9754,7 +10219,7 @@
       </p:grpSpPr>
       <p:sp>
         <p:nvSpPr>
-          <p:cNvPr id="336" name="Shape 336"/>
+          <p:cNvPr id="350" name="Shape 350"/>
           <p:cNvSpPr/>
           <p:nvPr>
             <p:ph type="title"/>
@@ -9782,14 +10247,14 @@
           <a:p>
             <a:pPr/>
             <a:r>
-              <a:t>equal Variance</a:t>
-            </a:r>
-          </a:p>
-        </p:txBody>
-      </p:sp>
-      <p:sp>
-        <p:nvSpPr>
-          <p:cNvPr id="337" name="Shape 337"/>
+              <a:t>Normality of errors</a:t>
+            </a:r>
+          </a:p>
+        </p:txBody>
+      </p:sp>
+      <p:sp>
+        <p:nvSpPr>
+          <p:cNvPr id="351" name="Shape 351"/>
           <p:cNvSpPr/>
           <p:nvPr>
             <p:ph type="body" sz="quarter" idx="1"/>
@@ -9823,27 +10288,27 @@
           <a:p>
             <a:pPr/>
             <a:r>
-              <a:t>Can check with a scatter plot</a:t>
-            </a:r>
-          </a:p>
-        </p:txBody>
-      </p:sp>
-      <p:sp>
-        <p:nvSpPr>
-          <p:cNvPr id="338" name="Shape 338"/>
+              <a:t>Can check with a histogram</a:t>
+            </a:r>
+          </a:p>
+        </p:txBody>
+      </p:sp>
+      <p:sp>
+        <p:nvSpPr>
+          <p:cNvPr id="352" name="Shape 352"/>
           <p:cNvSpPr/>
           <p:nvPr/>
         </p:nvSpPr>
         <p:spPr>
-          <a:xfrm rot="2859210">
-            <a:off x="9809686" y="6490645"/>
-            <a:ext cx="1542639" cy="325930"/>
+          <a:xfrm rot="18546354">
+            <a:off x="9715588" y="6365707"/>
+            <a:ext cx="157388" cy="717637"/>
           </a:xfrm>
           <a:prstGeom prst="rect">
             <a:avLst/>
           </a:prstGeom>
           <a:solidFill>
-            <a:schemeClr val="accent5"/>
+            <a:schemeClr val="accent3"/>
           </a:solidFill>
           <a:ln w="12700">
             <a:miter lim="400000"/>
@@ -9875,20 +10340,20 @@
       </p:sp>
       <p:sp>
         <p:nvSpPr>
-          <p:cNvPr id="339" name="Shape 339"/>
+          <p:cNvPr id="353" name="Shape 353"/>
           <p:cNvSpPr/>
           <p:nvPr/>
         </p:nvSpPr>
         <p:spPr>
-          <a:xfrm rot="18911602">
-            <a:off x="9817422" y="6460999"/>
-            <a:ext cx="1597712" cy="310156"/>
+          <a:xfrm rot="2624366">
+            <a:off x="10321969" y="5884094"/>
+            <a:ext cx="170441" cy="1227898"/>
           </a:xfrm>
           <a:prstGeom prst="rect">
             <a:avLst/>
           </a:prstGeom>
           <a:solidFill>
-            <a:schemeClr val="accent5"/>
+            <a:schemeClr val="accent3"/>
           </a:solidFill>
           <a:ln w="12700">
             <a:miter lim="400000"/>
@@ -9920,7 +10385,7 @@
       </p:sp>
       <p:pic>
         <p:nvPicPr>
-          <p:cNvPr id="340" name="pasted-image.png"/>
+          <p:cNvPr id="354" name="pasted-image.png"/>
           <p:cNvPicPr>
             <a:picLocks noChangeAspect="1"/>
           </p:cNvPicPr>
@@ -9930,15 +10395,14 @@
           <a:blip r:embed="rId3">
             <a:extLst/>
           </a:blip>
-          <a:srcRect l="66194" t="0" r="1133" b="0"/>
           <a:stretch>
             <a:fillRect/>
           </a:stretch>
         </p:blipFill>
         <p:spPr>
           <a:xfrm>
-            <a:off x="1197270" y="4243145"/>
-            <a:ext cx="6500649" cy="5156594"/>
+            <a:off x="1128722" y="4032920"/>
+            <a:ext cx="7930721" cy="5228834"/>
           </a:xfrm>
           <a:prstGeom prst="rect">
             <a:avLst/>
@@ -9958,7 +10422,7 @@
 </file>
 
 <file path=ppt/slides/slide37.xml><?xml version="1.0" encoding="utf-8"?>
-<p:sld xmlns:a="http://schemas.openxmlformats.org/drawingml/2006/main" xmlns:r="http://schemas.openxmlformats.org/officeDocument/2006/relationships" xmlns:p="http://schemas.openxmlformats.org/presentationml/2006/main" showMasterSp="1" showMasterPhAnim="1">
+<p:sld xmlns:a="http://schemas.openxmlformats.org/drawingml/2006/main" xmlns:r="http://schemas.openxmlformats.org/officeDocument/2006/relationships" xmlns:p="http://schemas.openxmlformats.org/presentationml/2006/main" show="0" showMasterSp="1" showMasterPhAnim="1">
   <p:cSld>
     <p:spTree>
       <p:nvGrpSpPr>
@@ -9974,187 +10438,35 @@
           <a:chExt cx="0" cy="0"/>
         </a:xfrm>
       </p:grpSpPr>
-      <p:sp>
-        <p:nvSpPr>
-          <p:cNvPr id="342" name="Shape 342"/>
-          <p:cNvSpPr/>
-          <p:nvPr>
-            <p:ph type="title"/>
-          </p:nvPr>
-        </p:nvSpPr>
-        <p:spPr>
-          <a:xfrm>
-            <a:off x="406400" y="1536700"/>
-            <a:ext cx="12192000" cy="1169261"/>
-          </a:xfrm>
-          <a:prstGeom prst="rect">
-            <a:avLst/>
-          </a:prstGeom>
-        </p:spPr>
-        <p:txBody>
-          <a:bodyPr/>
-          <a:lstStyle>
-            <a:lvl1pPr defTabSz="403097">
-              <a:spcBef>
-                <a:spcPts val="1900"/>
-              </a:spcBef>
-              <a:defRPr sz="8200"/>
-            </a:lvl1pPr>
-          </a:lstStyle>
-          <a:p>
-            <a:pPr/>
-            <a:r>
-              <a:t>Linear model assumptions</a:t>
-            </a:r>
-          </a:p>
-        </p:txBody>
-      </p:sp>
-      <p:sp>
-        <p:nvSpPr>
-          <p:cNvPr id="343" name="Shape 343"/>
-          <p:cNvSpPr/>
-          <p:nvPr>
-            <p:ph type="body" idx="1"/>
-          </p:nvPr>
-        </p:nvSpPr>
-        <p:spPr>
-          <a:xfrm>
-            <a:off x="406400" y="3953767"/>
-            <a:ext cx="12192000" cy="5924402"/>
-          </a:xfrm>
-          <a:prstGeom prst="rect">
-            <a:avLst/>
-          </a:prstGeom>
-        </p:spPr>
-        <p:txBody>
-          <a:bodyPr anchor="t"/>
-          <a:lstStyle/>
-          <a:p>
-            <a:pPr marL="614194" indent="-614194" defTabSz="508254">
-              <a:lnSpc>
-                <a:spcPct val="100000"/>
-              </a:lnSpc>
-              <a:spcBef>
-                <a:spcPts val="2400"/>
-              </a:spcBef>
-              <a:buSzPct val="40000"/>
-              <a:buBlip>
-                <a:blip r:embed="rId2"/>
-              </a:buBlip>
-              <a:defRPr cap="none" spc="0" strike="sngStrike" sz="5500">
-                <a:latin typeface="Avenir Next Medium"/>
-                <a:ea typeface="Avenir Next Medium"/>
-                <a:cs typeface="Avenir Next Medium"/>
-                <a:sym typeface="Avenir Next Medium"/>
-              </a:defRPr>
-            </a:pPr>
-            <a:r>
-              <a:rPr>
-                <a:solidFill>
-                  <a:schemeClr val="accent3"/>
-                </a:solidFill>
-              </a:rPr>
-              <a:t>L</a:t>
-            </a:r>
-            <a:r>
-              <a:t>inear relationship</a:t>
-            </a:r>
-          </a:p>
-          <a:p>
-            <a:pPr marL="614194" indent="-614194" defTabSz="508254">
-              <a:lnSpc>
-                <a:spcPct val="100000"/>
-              </a:lnSpc>
-              <a:spcBef>
-                <a:spcPts val="2400"/>
-              </a:spcBef>
-              <a:buSzPct val="40000"/>
-              <a:buBlip>
-                <a:blip r:embed="rId2"/>
-              </a:buBlip>
-              <a:defRPr cap="none" spc="0" sz="5500">
-                <a:latin typeface="Avenir Next Medium"/>
-                <a:ea typeface="Avenir Next Medium"/>
-                <a:cs typeface="Avenir Next Medium"/>
-                <a:sym typeface="Avenir Next Medium"/>
-              </a:defRPr>
-            </a:pPr>
-            <a:r>
-              <a:rPr>
-                <a:solidFill>
-                  <a:schemeClr val="accent3"/>
-                </a:solidFill>
-              </a:rPr>
-              <a:t>I</a:t>
-            </a:r>
-            <a:r>
-              <a:t>ndependence</a:t>
-            </a:r>
-          </a:p>
-          <a:p>
-            <a:pPr marL="614194" indent="-614194" defTabSz="508254">
-              <a:lnSpc>
-                <a:spcPct val="100000"/>
-              </a:lnSpc>
-              <a:spcBef>
-                <a:spcPts val="2400"/>
-              </a:spcBef>
-              <a:buSzPct val="40000"/>
-              <a:buBlip>
-                <a:blip r:embed="rId2"/>
-              </a:buBlip>
-              <a:defRPr cap="none" spc="0" sz="5500">
-                <a:latin typeface="Avenir Next Medium"/>
-                <a:ea typeface="Avenir Next Medium"/>
-                <a:cs typeface="Avenir Next Medium"/>
-                <a:sym typeface="Avenir Next Medium"/>
-              </a:defRPr>
-            </a:pPr>
-            <a:r>
-              <a:rPr>
-                <a:solidFill>
-                  <a:schemeClr val="accent3"/>
-                </a:solidFill>
-              </a:rPr>
-              <a:t>N</a:t>
-            </a:r>
-            <a:r>
-              <a:t>ormality</a:t>
-            </a:r>
-          </a:p>
-          <a:p>
-            <a:pPr marL="614194" indent="-614194" defTabSz="508254">
-              <a:lnSpc>
-                <a:spcPct val="100000"/>
-              </a:lnSpc>
-              <a:spcBef>
-                <a:spcPts val="2400"/>
-              </a:spcBef>
-              <a:buSzPct val="40000"/>
-              <a:buBlip>
-                <a:blip r:embed="rId2"/>
-              </a:buBlip>
-              <a:defRPr cap="none" spc="0" strike="sngStrike" sz="5500">
-                <a:latin typeface="Avenir Next Medium"/>
-                <a:ea typeface="Avenir Next Medium"/>
-                <a:cs typeface="Avenir Next Medium"/>
-                <a:sym typeface="Avenir Next Medium"/>
-              </a:defRPr>
-            </a:pPr>
-            <a:r>
-              <a:rPr>
-                <a:solidFill>
-                  <a:schemeClr val="accent3"/>
-                </a:solidFill>
-              </a:rPr>
-              <a:t>E</a:t>
-            </a:r>
-            <a:r>
-              <a:t>qual Variance</a:t>
-            </a:r>
-          </a:p>
-        </p:txBody>
-      </p:sp>
+      <p:pic>
+        <p:nvPicPr>
+          <p:cNvPr id="356" name="pasted-image.jpeg"/>
+          <p:cNvPicPr>
+            <a:picLocks noChangeAspect="1"/>
+          </p:cNvPicPr>
+          <p:nvPr/>
+        </p:nvPicPr>
+        <p:blipFill>
+          <a:blip r:embed="rId2">
+            <a:extLst/>
+          </a:blip>
+          <a:stretch>
+            <a:fillRect/>
+          </a:stretch>
+        </p:blipFill>
+        <p:spPr>
+          <a:xfrm>
+            <a:off x="415392" y="-214668"/>
+            <a:ext cx="12192002" cy="10182936"/>
+          </a:xfrm>
+          <a:prstGeom prst="rect">
+            <a:avLst/>
+          </a:prstGeom>
+          <a:ln w="12700">
+            <a:miter lim="400000"/>
+          </a:ln>
+        </p:spPr>
+      </p:pic>
     </p:spTree>
   </p:cSld>
   <p:clrMapOvr>
@@ -10183,7 +10495,7 @@
       </p:grpSpPr>
       <p:sp>
         <p:nvSpPr>
-          <p:cNvPr id="345" name="Shape 345"/>
+          <p:cNvPr id="358" name="Shape 358"/>
           <p:cNvSpPr/>
           <p:nvPr>
             <p:ph type="title"/>
@@ -10211,14 +10523,14 @@
           <a:p>
             <a:pPr/>
             <a:r>
-              <a:t>Independence</a:t>
-            </a:r>
-          </a:p>
-        </p:txBody>
-      </p:sp>
-      <p:sp>
-        <p:nvSpPr>
-          <p:cNvPr id="346" name="Shape 346"/>
+              <a:t>Normality of errors</a:t>
+            </a:r>
+          </a:p>
+        </p:txBody>
+      </p:sp>
+      <p:sp>
+        <p:nvSpPr>
+          <p:cNvPr id="359" name="Shape 359"/>
           <p:cNvSpPr/>
           <p:nvPr>
             <p:ph type="body" sz="quarter" idx="1"/>
@@ -10235,11 +10547,10 @@
         </p:spPr>
         <p:txBody>
           <a:bodyPr/>
-          <a:lstStyle/>
-          <a:p>
-            <a:pPr marL="589626" indent="-589626" defTabSz="487923">
+          <a:lstStyle>
+            <a:lvl1pPr marL="614194" indent="-614194" defTabSz="508254">
               <a:spcBef>
-                <a:spcPts val="2300"/>
+                <a:spcPts val="2400"/>
               </a:spcBef>
               <a:buClrTx/>
               <a:buSzPct val="40000"/>
@@ -10247,72 +10558,33 @@
               <a:buBlip>
                 <a:blip r:embed="rId2"/>
               </a:buBlip>
-              <a:defRPr sz="5280"/>
-            </a:pPr>
-            <a:r>
-              <a:t>Check the correlation matrix </a:t>
-            </a:r>
-            <a:r>
-              <a:rPr b="1">
-                <a:solidFill>
-                  <a:srgbClr val="A6AAA9"/>
-                </a:solidFill>
-                <a:latin typeface="Avenir Next"/>
-                <a:ea typeface="Avenir Next"/>
-                <a:cs typeface="Avenir Next"/>
-                <a:sym typeface="Avenir Next"/>
-              </a:rPr>
-              <a:t>df.corr()</a:t>
-            </a:r>
-          </a:p>
-        </p:txBody>
-      </p:sp>
-      <p:pic>
-        <p:nvPicPr>
-          <p:cNvPr id="347" name="pasted-image.png"/>
-          <p:cNvPicPr>
-            <a:picLocks noChangeAspect="1"/>
-          </p:cNvPicPr>
+              <a:defRPr sz="5500"/>
+            </a:lvl1pPr>
+          </a:lstStyle>
+          <a:p>
+            <a:pPr/>
+            <a:r>
+              <a:t>Can check with a histogram</a:t>
+            </a:r>
+          </a:p>
+        </p:txBody>
+      </p:sp>
+      <p:sp>
+        <p:nvSpPr>
+          <p:cNvPr id="360" name="Shape 360"/>
+          <p:cNvSpPr/>
           <p:nvPr/>
-        </p:nvPicPr>
-        <p:blipFill>
-          <a:blip r:embed="rId3">
-            <a:extLst/>
-          </a:blip>
-          <a:srcRect l="1002" t="0" r="24271" b="0"/>
-          <a:stretch>
-            <a:fillRect/>
-          </a:stretch>
-        </p:blipFill>
-        <p:spPr>
-          <a:xfrm>
-            <a:off x="675190" y="4648200"/>
-            <a:ext cx="9032478" cy="4010950"/>
-          </a:xfrm>
-          <a:prstGeom prst="rect">
-            <a:avLst/>
-          </a:prstGeom>
-          <a:ln w="12700">
-            <a:miter lim="400000"/>
-          </a:ln>
-        </p:spPr>
-      </p:pic>
-      <p:sp>
-        <p:nvSpPr>
-          <p:cNvPr id="348" name="Shape 348"/>
-          <p:cNvSpPr/>
-          <p:nvPr/>
-        </p:nvSpPr>
-        <p:spPr>
-          <a:xfrm rot="18546354">
-            <a:off x="10625965" y="6515583"/>
-            <a:ext cx="157388" cy="717637"/>
+        </p:nvSpPr>
+        <p:spPr>
+          <a:xfrm rot="2859210">
+            <a:off x="9405810" y="6463008"/>
+            <a:ext cx="1542639" cy="325930"/>
           </a:xfrm>
           <a:prstGeom prst="rect">
             <a:avLst/>
           </a:prstGeom>
           <a:solidFill>
-            <a:schemeClr val="accent3"/>
+            <a:schemeClr val="accent5"/>
           </a:solidFill>
           <a:ln w="12700">
             <a:miter lim="400000"/>
@@ -10344,20 +10616,20 @@
       </p:sp>
       <p:sp>
         <p:nvSpPr>
-          <p:cNvPr id="349" name="Shape 349"/>
+          <p:cNvPr id="361" name="Shape 361"/>
           <p:cNvSpPr/>
           <p:nvPr/>
         </p:nvSpPr>
         <p:spPr>
-          <a:xfrm rot="2624366">
-            <a:off x="11232346" y="6033970"/>
-            <a:ext cx="170441" cy="1227897"/>
+          <a:xfrm rot="18911602">
+            <a:off x="9413546" y="6433362"/>
+            <a:ext cx="1597712" cy="310155"/>
           </a:xfrm>
           <a:prstGeom prst="rect">
             <a:avLst/>
           </a:prstGeom>
           <a:solidFill>
-            <a:schemeClr val="accent3"/>
+            <a:schemeClr val="accent5"/>
           </a:solidFill>
           <a:ln w="12700">
             <a:miter lim="400000"/>
@@ -10387,6 +10659,35 @@
           </a:p>
         </p:txBody>
       </p:sp>
+      <p:pic>
+        <p:nvPicPr>
+          <p:cNvPr id="362" name="pasted-image.jpeg"/>
+          <p:cNvPicPr>
+            <a:picLocks noChangeAspect="1"/>
+          </p:cNvPicPr>
+          <p:nvPr/>
+        </p:nvPicPr>
+        <p:blipFill>
+          <a:blip r:embed="rId3">
+            <a:extLst/>
+          </a:blip>
+          <a:stretch>
+            <a:fillRect/>
+          </a:stretch>
+        </p:blipFill>
+        <p:spPr>
+          <a:xfrm>
+            <a:off x="1116850" y="4022927"/>
+            <a:ext cx="6715537" cy="5377781"/>
+          </a:xfrm>
+          <a:prstGeom prst="rect">
+            <a:avLst/>
+          </a:prstGeom>
+          <a:ln w="12700">
+            <a:miter lim="400000"/>
+          </a:ln>
+        </p:spPr>
+      </p:pic>
     </p:spTree>
   </p:cSld>
   <p:clrMapOvr>
@@ -10415,7 +10716,7 @@
       </p:grpSpPr>
       <p:sp>
         <p:nvSpPr>
-          <p:cNvPr id="351" name="Shape 351"/>
+          <p:cNvPr id="364" name="Shape 364"/>
           <p:cNvSpPr/>
           <p:nvPr>
             <p:ph type="title"/>
@@ -10423,43 +10724,8 @@
         </p:nvSpPr>
         <p:spPr>
           <a:xfrm>
-            <a:off x="406400" y="1536700"/>
-            <a:ext cx="12192000" cy="1169260"/>
-          </a:xfrm>
-          <a:prstGeom prst="rect">
-            <a:avLst/>
-          </a:prstGeom>
-        </p:spPr>
-        <p:txBody>
-          <a:bodyPr/>
-          <a:lstStyle>
-            <a:lvl1pPr defTabSz="403097">
-              <a:spcBef>
-                <a:spcPts val="1900"/>
-              </a:spcBef>
-              <a:defRPr sz="8280"/>
-            </a:lvl1pPr>
-          </a:lstStyle>
-          <a:p>
-            <a:pPr/>
-            <a:r>
-              <a:t>Independence</a:t>
-            </a:r>
-          </a:p>
-        </p:txBody>
-      </p:sp>
-      <p:sp>
-        <p:nvSpPr>
-          <p:cNvPr id="352" name="Shape 352"/>
-          <p:cNvSpPr/>
-          <p:nvPr>
-            <p:ph type="body" sz="quarter" idx="1"/>
-          </p:nvPr>
-        </p:nvSpPr>
-        <p:spPr>
-          <a:xfrm>
-            <a:off x="406400" y="2889973"/>
-            <a:ext cx="12192000" cy="1169261"/>
+            <a:off x="2802102" y="4038600"/>
+            <a:ext cx="7400596" cy="4521200"/>
           </a:xfrm>
           <a:prstGeom prst="rect">
             <a:avLst/>
@@ -10469,153 +10735,10 @@
           <a:bodyPr/>
           <a:lstStyle/>
           <a:p>
-            <a:pPr marL="589626" indent="-589626" defTabSz="487923">
-              <a:spcBef>
-                <a:spcPts val="2300"/>
-              </a:spcBef>
-              <a:buClrTx/>
-              <a:buSzPct val="40000"/>
-              <a:buFontTx/>
-              <a:buBlip>
-                <a:blip r:embed="rId2"/>
-              </a:buBlip>
-              <a:defRPr sz="5280"/>
-            </a:pPr>
-            <a:r>
-              <a:t>Check the correlation matrix </a:t>
-            </a:r>
-            <a:r>
-              <a:rPr b="1">
-                <a:solidFill>
-                  <a:srgbClr val="A6AAA9"/>
-                </a:solidFill>
-                <a:latin typeface="Avenir Next"/>
-                <a:ea typeface="Avenir Next"/>
-                <a:cs typeface="Avenir Next"/>
-                <a:sym typeface="Avenir Next"/>
-              </a:rPr>
-              <a:t>df.corr()</a:t>
-            </a:r>
-          </a:p>
-        </p:txBody>
-      </p:sp>
-      <p:pic>
-        <p:nvPicPr>
-          <p:cNvPr id="353" name="Fitting_correlation_matrix.png"/>
-          <p:cNvPicPr>
-            <a:picLocks noChangeAspect="1"/>
-          </p:cNvPicPr>
-          <p:nvPr/>
-        </p:nvPicPr>
-        <p:blipFill>
-          <a:blip r:embed="rId3">
-            <a:extLst/>
-          </a:blip>
-          <a:srcRect l="0" t="0" r="47657" b="0"/>
-          <a:stretch>
-            <a:fillRect/>
-          </a:stretch>
-        </p:blipFill>
-        <p:spPr>
-          <a:xfrm>
-            <a:off x="1203739" y="4489712"/>
-            <a:ext cx="6961197" cy="4316421"/>
-          </a:xfrm>
-          <a:prstGeom prst="rect">
-            <a:avLst/>
-          </a:prstGeom>
-          <a:ln w="12700">
-            <a:miter lim="400000"/>
-          </a:ln>
-        </p:spPr>
-      </p:pic>
-      <p:sp>
-        <p:nvSpPr>
-          <p:cNvPr id="354" name="Shape 354"/>
-          <p:cNvSpPr/>
-          <p:nvPr/>
-        </p:nvSpPr>
-        <p:spPr>
-          <a:xfrm rot="2859210">
-            <a:off x="9809686" y="6490645"/>
-            <a:ext cx="1542639" cy="325930"/>
-          </a:xfrm>
-          <a:prstGeom prst="rect">
-            <a:avLst/>
-          </a:prstGeom>
-          <a:solidFill>
-            <a:schemeClr val="accent5"/>
-          </a:solidFill>
-          <a:ln w="12700">
-            <a:miter lim="400000"/>
-          </a:ln>
-        </p:spPr>
-        <p:txBody>
-          <a:bodyPr lIns="50800" tIns="50800" rIns="50800" bIns="50800" anchor="ctr"/>
-          <a:lstStyle/>
-          <a:p>
-            <a:pPr algn="ctr">
-              <a:lnSpc>
-                <a:spcPct val="80000"/>
-              </a:lnSpc>
-              <a:spcBef>
-                <a:spcPts val="0"/>
-              </a:spcBef>
-              <a:defRPr cap="all" sz="2800">
-                <a:solidFill>
-                  <a:srgbClr val="FFFFFF"/>
-                </a:solidFill>
-                <a:latin typeface="+mn-lt"/>
-                <a:ea typeface="+mn-ea"/>
-                <a:cs typeface="+mn-cs"/>
-                <a:sym typeface="DIN Condensed"/>
-              </a:defRPr>
-            </a:pPr>
-          </a:p>
-        </p:txBody>
-      </p:sp>
-      <p:sp>
-        <p:nvSpPr>
-          <p:cNvPr id="355" name="Shape 355"/>
-          <p:cNvSpPr/>
-          <p:nvPr/>
-        </p:nvSpPr>
-        <p:spPr>
-          <a:xfrm rot="18911602">
-            <a:off x="9817422" y="6460999"/>
-            <a:ext cx="1597712" cy="310156"/>
-          </a:xfrm>
-          <a:prstGeom prst="rect">
-            <a:avLst/>
-          </a:prstGeom>
-          <a:solidFill>
-            <a:schemeClr val="accent5"/>
-          </a:solidFill>
-          <a:ln w="12700">
-            <a:miter lim="400000"/>
-          </a:ln>
-        </p:spPr>
-        <p:txBody>
-          <a:bodyPr lIns="50800" tIns="50800" rIns="50800" bIns="50800" anchor="ctr"/>
-          <a:lstStyle/>
-          <a:p>
-            <a:pPr algn="ctr">
-              <a:lnSpc>
-                <a:spcPct val="80000"/>
-              </a:lnSpc>
-              <a:spcBef>
-                <a:spcPts val="0"/>
-              </a:spcBef>
-              <a:defRPr cap="all" sz="2800">
-                <a:solidFill>
-                  <a:srgbClr val="FFFFFF"/>
-                </a:solidFill>
-                <a:latin typeface="+mn-lt"/>
-                <a:ea typeface="+mn-ea"/>
-                <a:cs typeface="+mn-cs"/>
-                <a:sym typeface="DIN Condensed"/>
-              </a:defRPr>
-            </a:pPr>
+            <a:pPr/>
+            <a:r>
+              <a:t>Exercises</a:t>
+            </a:r>
           </a:p>
         </p:txBody>
       </p:sp>
@@ -10647,7 +10770,7 @@
       </p:grpSpPr>
       <p:sp>
         <p:nvSpPr>
-          <p:cNvPr id="212" name="Shape 212"/>
+          <p:cNvPr id="223" name="Shape 223"/>
           <p:cNvSpPr/>
           <p:nvPr>
             <p:ph type="title"/>
@@ -10675,282 +10798,158 @@
           <a:p>
             <a:pPr/>
             <a:r>
-              <a:t>single-variable Linear models</a:t>
-            </a:r>
-          </a:p>
-        </p:txBody>
-      </p:sp>
-      <p:sp>
-        <p:nvSpPr>
-          <p:cNvPr id="213" name="Shape 213"/>
-          <p:cNvSpPr/>
-          <p:nvPr>
-            <p:ph type="body" sz="half" idx="1"/>
-          </p:nvPr>
-        </p:nvSpPr>
-        <p:spPr>
-          <a:xfrm>
-            <a:off x="406400" y="3953767"/>
-            <a:ext cx="12192000" cy="2531601"/>
-          </a:xfrm>
-          <a:prstGeom prst="rect">
-            <a:avLst/>
-          </a:prstGeom>
-        </p:spPr>
-        <p:txBody>
-          <a:bodyPr/>
-          <a:lstStyle/>
-          <a:p>
-            <a:pPr marL="663612" indent="-663612" defTabSz="549148">
-              <a:spcBef>
-                <a:spcPts val="2600"/>
-              </a:spcBef>
-              <a:buClrTx/>
-              <a:buSzPct val="40000"/>
-              <a:buFontTx/>
-              <a:buBlip>
-                <a:blip r:embed="rId2"/>
-              </a:buBlip>
-              <a:defRPr sz="6016"/>
-            </a:pPr>
-            <a:r>
-              <a:t>No magic!</a:t>
-            </a:r>
-          </a:p>
-          <a:p>
-            <a:pPr marL="663612" indent="-663612" defTabSz="549148">
-              <a:lnSpc>
-                <a:spcPct val="200000"/>
-              </a:lnSpc>
-              <a:spcBef>
-                <a:spcPts val="2600"/>
-              </a:spcBef>
-              <a:buClrTx/>
-              <a:buSzPct val="40000"/>
-              <a:buFontTx/>
-              <a:buBlip>
-                <a:blip r:embed="rId2"/>
-              </a:buBlip>
-              <a:defRPr sz="6016"/>
-            </a:pPr>
-            <a:r>
-              <a:t>2 dials: coefficient and intercept</a:t>
-            </a:r>
-          </a:p>
-        </p:txBody>
-      </p:sp>
-    </p:spTree>
-  </p:cSld>
-  <p:clrMapOvr>
-    <a:masterClrMapping/>
-  </p:clrMapOvr>
-  <p:transition xmlns:p14="http://schemas.microsoft.com/office/powerpoint/2010/main" spd="med" advClick="1"/>
-</p:sld>
-</file>
-
-<file path=ppt/slides/slide40.xml><?xml version="1.0" encoding="utf-8"?>
-<p:sld xmlns:a="http://schemas.openxmlformats.org/drawingml/2006/main" xmlns:r="http://schemas.openxmlformats.org/officeDocument/2006/relationships" xmlns:p="http://schemas.openxmlformats.org/presentationml/2006/main" showMasterSp="1" showMasterPhAnim="1">
-  <p:cSld>
-    <p:spTree>
-      <p:nvGrpSpPr>
-        <p:cNvPr id="1" name=""/>
-        <p:cNvGrpSpPr/>
-        <p:nvPr/>
-      </p:nvGrpSpPr>
-      <p:grpSpPr>
-        <a:xfrm>
-          <a:off x="0" y="0"/>
-          <a:ext cx="0" cy="0"/>
-          <a:chOff x="0" y="0"/>
-          <a:chExt cx="0" cy="0"/>
-        </a:xfrm>
-      </p:grpSpPr>
-      <p:sp>
-        <p:nvSpPr>
-          <p:cNvPr id="357" name="Shape 357"/>
-          <p:cNvSpPr/>
-          <p:nvPr>
-            <p:ph type="title"/>
-          </p:nvPr>
-        </p:nvSpPr>
-        <p:spPr>
-          <a:xfrm>
-            <a:off x="406400" y="1536700"/>
-            <a:ext cx="12192000" cy="1169260"/>
-          </a:xfrm>
-          <a:prstGeom prst="rect">
-            <a:avLst/>
-          </a:prstGeom>
-        </p:spPr>
-        <p:txBody>
-          <a:bodyPr/>
-          <a:lstStyle>
-            <a:lvl1pPr defTabSz="403097">
-              <a:spcBef>
-                <a:spcPts val="1900"/>
-              </a:spcBef>
-              <a:defRPr sz="8280"/>
-            </a:lvl1pPr>
-          </a:lstStyle>
-          <a:p>
-            <a:pPr/>
-            <a:r>
-              <a:t>Normality of errors</a:t>
-            </a:r>
-          </a:p>
-        </p:txBody>
-      </p:sp>
-      <p:sp>
-        <p:nvSpPr>
-          <p:cNvPr id="358" name="Shape 358"/>
-          <p:cNvSpPr/>
-          <p:nvPr>
-            <p:ph type="body" sz="quarter" idx="1"/>
-          </p:nvPr>
-        </p:nvSpPr>
-        <p:spPr>
-          <a:xfrm>
-            <a:off x="406400" y="2889973"/>
-            <a:ext cx="12192000" cy="1169261"/>
-          </a:xfrm>
-          <a:prstGeom prst="rect">
-            <a:avLst/>
-          </a:prstGeom>
-        </p:spPr>
-        <p:txBody>
-          <a:bodyPr/>
-          <a:lstStyle>
-            <a:lvl1pPr marL="614194" indent="-614194" defTabSz="508254">
-              <a:spcBef>
-                <a:spcPts val="2400"/>
-              </a:spcBef>
-              <a:buClrTx/>
-              <a:buSzPct val="40000"/>
-              <a:buFontTx/>
-              <a:buBlip>
-                <a:blip r:embed="rId2"/>
-              </a:buBlip>
-              <a:defRPr sz="5500"/>
-            </a:lvl1pPr>
-          </a:lstStyle>
-          <a:p>
-            <a:pPr/>
-            <a:r>
-              <a:t>Can check with a histogram</a:t>
-            </a:r>
-          </a:p>
-        </p:txBody>
-      </p:sp>
-      <p:sp>
-        <p:nvSpPr>
-          <p:cNvPr id="359" name="Shape 359"/>
+              <a:t>single-variable</a:t>
+            </a:r>
+          </a:p>
+        </p:txBody>
+      </p:sp>
+      <p:sp>
+        <p:nvSpPr>
+          <p:cNvPr id="224" name="Shape 224"/>
           <p:cNvSpPr/>
           <p:nvPr/>
         </p:nvSpPr>
         <p:spPr>
-          <a:xfrm rot="18546354">
-            <a:off x="9715588" y="6365707"/>
-            <a:ext cx="157388" cy="717637"/>
-          </a:xfrm>
-          <a:prstGeom prst="rect">
-            <a:avLst/>
-          </a:prstGeom>
-          <a:solidFill>
-            <a:schemeClr val="accent3"/>
-          </a:solidFill>
+          <a:xfrm>
+            <a:off x="434394" y="3236537"/>
+            <a:ext cx="12136012" cy="1028701"/>
+          </a:xfrm>
+          <a:prstGeom prst="rect">
+            <a:avLst/>
+          </a:prstGeom>
           <a:ln w="12700">
             <a:miter lim="400000"/>
           </a:ln>
-        </p:spPr>
-        <p:txBody>
-          <a:bodyPr lIns="50800" tIns="50800" rIns="50800" bIns="50800" anchor="ctr"/>
+          <a:extLst>
+            <a:ext uri="{C572A759-6A51-4108-AA02-DFA0A04FC94B}">
+              <ma14:wrappingTextBoxFlag xmlns:ma14="http://schemas.microsoft.com/office/mac/drawingml/2011/main" val="1"/>
+            </a:ext>
+          </a:extLst>
+        </p:spPr>
+        <p:txBody>
+          <a:bodyPr lIns="50800" tIns="50800" rIns="50800" bIns="50800" anchor="ctr">
+            <a:spAutoFit/>
+          </a:bodyPr>
           <a:lstStyle/>
           <a:p>
-            <a:pPr algn="ctr">
-              <a:lnSpc>
-                <a:spcPct val="80000"/>
-              </a:lnSpc>
-              <a:spcBef>
-                <a:spcPts val="0"/>
-              </a:spcBef>
-              <a:defRPr cap="all" sz="2800">
+            <a:pPr>
+              <a:defRPr sz="6100">
                 <a:solidFill>
-                  <a:srgbClr val="FFFFFF"/>
+                  <a:schemeClr val="accent5"/>
                 </a:solidFill>
-                <a:latin typeface="+mn-lt"/>
-                <a:ea typeface="+mn-ea"/>
-                <a:cs typeface="+mn-cs"/>
-                <a:sym typeface="DIN Condensed"/>
+                <a:latin typeface="Anonymous Pro for Powerline"/>
+                <a:ea typeface="Anonymous Pro for Powerline"/>
+                <a:cs typeface="Anonymous Pro for Powerline"/>
+                <a:sym typeface="Anonymous Pro for Powerline"/>
               </a:defRPr>
             </a:pPr>
-          </a:p>
-        </p:txBody>
-      </p:sp>
-      <p:sp>
-        <p:nvSpPr>
-          <p:cNvPr id="360" name="Shape 360"/>
+            <a:r>
+              <a:t>y </a:t>
+            </a:r>
+            <a:r>
+              <a:rPr>
+                <a:solidFill>
+                  <a:srgbClr val="838787"/>
+                </a:solidFill>
+              </a:rPr>
+              <a:t>= model.predict(</a:t>
+            </a:r>
+            <a:r>
+              <a:rPr>
+                <a:solidFill>
+                  <a:schemeClr val="accent3"/>
+                </a:solidFill>
+              </a:rPr>
+              <a:t>x</a:t>
+            </a:r>
+            <a:r>
+              <a:rPr>
+                <a:solidFill>
+                  <a:srgbClr val="838787"/>
+                </a:solidFill>
+              </a:rPr>
+              <a:t>)</a:t>
+            </a:r>
+          </a:p>
+        </p:txBody>
+      </p:sp>
+      <p:sp>
+        <p:nvSpPr>
+          <p:cNvPr id="225" name="Shape 225"/>
           <p:cNvSpPr/>
           <p:nvPr/>
         </p:nvSpPr>
         <p:spPr>
-          <a:xfrm rot="2624366">
-            <a:off x="10321969" y="5884094"/>
-            <a:ext cx="170441" cy="1227898"/>
-          </a:xfrm>
-          <a:prstGeom prst="rect">
-            <a:avLst/>
-          </a:prstGeom>
-          <a:solidFill>
-            <a:schemeClr val="accent3"/>
-          </a:solidFill>
+          <a:xfrm>
+            <a:off x="574094" y="5137150"/>
+            <a:ext cx="12136012" cy="1333501"/>
+          </a:xfrm>
+          <a:prstGeom prst="rect">
+            <a:avLst/>
+          </a:prstGeom>
           <a:ln w="12700">
             <a:miter lim="400000"/>
           </a:ln>
-        </p:spPr>
-        <p:txBody>
-          <a:bodyPr lIns="50800" tIns="50800" rIns="50800" bIns="50800" anchor="ctr"/>
+          <a:extLst>
+            <a:ext uri="{C572A759-6A51-4108-AA02-DFA0A04FC94B}">
+              <ma14:wrappingTextBoxFlag xmlns:ma14="http://schemas.microsoft.com/office/mac/drawingml/2011/main" val="1"/>
+            </a:ext>
+          </a:extLst>
+        </p:spPr>
+        <p:txBody>
+          <a:bodyPr lIns="50800" tIns="50800" rIns="50800" bIns="50800" anchor="ctr">
+            <a:spAutoFit/>
+          </a:bodyPr>
           <a:lstStyle/>
           <a:p>
-            <a:pPr algn="ctr">
-              <a:lnSpc>
-                <a:spcPct val="80000"/>
-              </a:lnSpc>
-              <a:spcBef>
-                <a:spcPts val="0"/>
-              </a:spcBef>
-              <a:defRPr cap="all" sz="2800">
-                <a:solidFill>
-                  <a:srgbClr val="FFFFFF"/>
-                </a:solidFill>
-                <a:latin typeface="+mn-lt"/>
-                <a:ea typeface="+mn-ea"/>
-                <a:cs typeface="+mn-cs"/>
-                <a:sym typeface="DIN Condensed"/>
+            <a:pPr>
+              <a:defRPr sz="8100">
+                <a:latin typeface="Anonymous Pro for Powerline"/>
+                <a:ea typeface="Anonymous Pro for Powerline"/>
+                <a:cs typeface="Anonymous Pro for Powerline"/>
+                <a:sym typeface="Anonymous Pro for Powerline"/>
               </a:defRPr>
             </a:pPr>
-          </a:p>
-        </p:txBody>
-      </p:sp>
-      <p:pic>
-        <p:nvPicPr>
-          <p:cNvPr id="361" name="pasted-image.png"/>
-          <p:cNvPicPr>
-            <a:picLocks noChangeAspect="1"/>
-          </p:cNvPicPr>
+            <a:r>
+              <a:rPr>
+                <a:solidFill>
+                  <a:schemeClr val="accent3"/>
+                </a:solidFill>
+              </a:rPr>
+              <a:t>1</a:t>
+            </a:r>
+            <a:r>
+              <a:rPr>
+                <a:solidFill>
+                  <a:schemeClr val="accent5"/>
+                </a:solidFill>
+              </a:rPr>
+              <a:t> </a:t>
+            </a:r>
+            <a:r>
+              <a:t>—&gt; </a:t>
+            </a:r>
+            <a:r>
+              <a:rPr>
+                <a:solidFill>
+                  <a:schemeClr val="accent5"/>
+                </a:solidFill>
+              </a:rPr>
+              <a:t>3</a:t>
+            </a:r>
+          </a:p>
+        </p:txBody>
+      </p:sp>
+      <p:sp>
+        <p:nvSpPr>
+          <p:cNvPr id="226" name="Shape 226"/>
+          <p:cNvSpPr/>
           <p:nvPr/>
-        </p:nvPicPr>
-        <p:blipFill>
-          <a:blip r:embed="rId3">
-            <a:extLst/>
-          </a:blip>
-          <a:stretch>
-            <a:fillRect/>
-          </a:stretch>
-        </p:blipFill>
-        <p:spPr>
-          <a:xfrm>
-            <a:off x="1128722" y="4032920"/>
-            <a:ext cx="7930721" cy="5228834"/>
+        </p:nvSpPr>
+        <p:spPr>
+          <a:xfrm>
+            <a:off x="574094" y="6516165"/>
+            <a:ext cx="12136012" cy="1333501"/>
           </a:xfrm>
           <a:prstGeom prst="rect">
             <a:avLst/>
@@ -10958,54 +10957,66 @@
           <a:ln w="12700">
             <a:miter lim="400000"/>
           </a:ln>
-        </p:spPr>
-      </p:pic>
-    </p:spTree>
-  </p:cSld>
-  <p:clrMapOvr>
-    <a:masterClrMapping/>
-  </p:clrMapOvr>
-  <p:transition xmlns:p14="http://schemas.microsoft.com/office/powerpoint/2010/main" spd="med" advClick="1"/>
-</p:sld>
-</file>
-
-<file path=ppt/slides/slide41.xml><?xml version="1.0" encoding="utf-8"?>
-<p:sld xmlns:a="http://schemas.openxmlformats.org/drawingml/2006/main" xmlns:r="http://schemas.openxmlformats.org/officeDocument/2006/relationships" xmlns:p="http://schemas.openxmlformats.org/presentationml/2006/main" showMasterSp="1" showMasterPhAnim="1">
-  <p:cSld>
-    <p:spTree>
-      <p:nvGrpSpPr>
-        <p:cNvPr id="1" name=""/>
-        <p:cNvGrpSpPr/>
-        <p:nvPr/>
-      </p:nvGrpSpPr>
-      <p:grpSpPr>
-        <a:xfrm>
-          <a:off x="0" y="0"/>
-          <a:ext cx="0" cy="0"/>
-          <a:chOff x="0" y="0"/>
-          <a:chExt cx="0" cy="0"/>
-        </a:xfrm>
-      </p:grpSpPr>
-      <p:pic>
-        <p:nvPicPr>
-          <p:cNvPr id="363" name="pasted-image.jpeg"/>
-          <p:cNvPicPr>
-            <a:picLocks noChangeAspect="1"/>
-          </p:cNvPicPr>
+          <a:extLst>
+            <a:ext uri="{C572A759-6A51-4108-AA02-DFA0A04FC94B}">
+              <ma14:wrappingTextBoxFlag xmlns:ma14="http://schemas.microsoft.com/office/mac/drawingml/2011/main" val="1"/>
+            </a:ext>
+          </a:extLst>
+        </p:spPr>
+        <p:txBody>
+          <a:bodyPr lIns="50800" tIns="50800" rIns="50800" bIns="50800" anchor="ctr">
+            <a:spAutoFit/>
+          </a:bodyPr>
+          <a:lstStyle/>
+          <a:p>
+            <a:pPr>
+              <a:defRPr sz="8100">
+                <a:latin typeface="Anonymous Pro for Powerline"/>
+                <a:ea typeface="Anonymous Pro for Powerline"/>
+                <a:cs typeface="Anonymous Pro for Powerline"/>
+                <a:sym typeface="Anonymous Pro for Powerline"/>
+              </a:defRPr>
+            </a:pPr>
+            <a:r>
+              <a:rPr>
+                <a:solidFill>
+                  <a:schemeClr val="accent3"/>
+                </a:solidFill>
+              </a:rPr>
+              <a:t>2</a:t>
+            </a:r>
+            <a:r>
+              <a:rPr>
+                <a:solidFill>
+                  <a:schemeClr val="accent5"/>
+                </a:solidFill>
+              </a:rPr>
+              <a:t> </a:t>
+            </a:r>
+            <a:r>
+              <a:t>—&gt; </a:t>
+            </a:r>
+            <a:r>
+              <a:rPr>
+                <a:solidFill>
+                  <a:schemeClr val="accent5"/>
+                </a:solidFill>
+              </a:rPr>
+              <a:t>5</a:t>
+            </a:r>
+          </a:p>
+        </p:txBody>
+      </p:sp>
+      <p:sp>
+        <p:nvSpPr>
+          <p:cNvPr id="227" name="Shape 227"/>
+          <p:cNvSpPr/>
           <p:nvPr/>
-        </p:nvPicPr>
-        <p:blipFill>
-          <a:blip r:embed="rId2">
-            <a:extLst/>
-          </a:blip>
-          <a:stretch>
-            <a:fillRect/>
-          </a:stretch>
-        </p:blipFill>
-        <p:spPr>
-          <a:xfrm>
-            <a:off x="415392" y="-214668"/>
-            <a:ext cx="12192002" cy="10182936"/>
+        </p:nvSpPr>
+        <p:spPr>
+          <a:xfrm>
+            <a:off x="574094" y="7895180"/>
+            <a:ext cx="12136012" cy="1333501"/>
           </a:xfrm>
           <a:prstGeom prst="rect">
             <a:avLst/>
@@ -11013,279 +11024,52 @@
           <a:ln w="12700">
             <a:miter lim="400000"/>
           </a:ln>
-        </p:spPr>
-      </p:pic>
-    </p:spTree>
-  </p:cSld>
-  <p:clrMapOvr>
-    <a:masterClrMapping/>
-  </p:clrMapOvr>
-  <p:transition xmlns:p14="http://schemas.microsoft.com/office/powerpoint/2010/main" spd="med" advClick="1"/>
-</p:sld>
-</file>
-
-<file path=ppt/slides/slide42.xml><?xml version="1.0" encoding="utf-8"?>
-<p:sld xmlns:a="http://schemas.openxmlformats.org/drawingml/2006/main" xmlns:r="http://schemas.openxmlformats.org/officeDocument/2006/relationships" xmlns:p="http://schemas.openxmlformats.org/presentationml/2006/main" showMasterSp="1" showMasterPhAnim="1">
-  <p:cSld>
-    <p:spTree>
-      <p:nvGrpSpPr>
-        <p:cNvPr id="1" name=""/>
-        <p:cNvGrpSpPr/>
-        <p:nvPr/>
-      </p:nvGrpSpPr>
-      <p:grpSpPr>
-        <a:xfrm>
-          <a:off x="0" y="0"/>
-          <a:ext cx="0" cy="0"/>
-          <a:chOff x="0" y="0"/>
-          <a:chExt cx="0" cy="0"/>
-        </a:xfrm>
-      </p:grpSpPr>
-      <p:sp>
-        <p:nvSpPr>
-          <p:cNvPr id="365" name="Shape 365"/>
-          <p:cNvSpPr/>
-          <p:nvPr>
-            <p:ph type="title"/>
-          </p:nvPr>
-        </p:nvSpPr>
-        <p:spPr>
-          <a:xfrm>
-            <a:off x="406400" y="1536700"/>
-            <a:ext cx="12192000" cy="1169260"/>
-          </a:xfrm>
-          <a:prstGeom prst="rect">
-            <a:avLst/>
-          </a:prstGeom>
-        </p:spPr>
-        <p:txBody>
-          <a:bodyPr/>
-          <a:lstStyle>
-            <a:lvl1pPr defTabSz="403097">
-              <a:spcBef>
-                <a:spcPts val="1900"/>
-              </a:spcBef>
-              <a:defRPr sz="8280"/>
-            </a:lvl1pPr>
-          </a:lstStyle>
-          <a:p>
-            <a:pPr/>
-            <a:r>
-              <a:t>Normality of errors</a:t>
-            </a:r>
-          </a:p>
-        </p:txBody>
-      </p:sp>
-      <p:sp>
-        <p:nvSpPr>
-          <p:cNvPr id="366" name="Shape 366"/>
-          <p:cNvSpPr/>
-          <p:nvPr>
-            <p:ph type="body" sz="quarter" idx="1"/>
-          </p:nvPr>
-        </p:nvSpPr>
-        <p:spPr>
-          <a:xfrm>
-            <a:off x="406400" y="2889973"/>
-            <a:ext cx="12192000" cy="1169261"/>
-          </a:xfrm>
-          <a:prstGeom prst="rect">
-            <a:avLst/>
-          </a:prstGeom>
-        </p:spPr>
-        <p:txBody>
-          <a:bodyPr/>
-          <a:lstStyle>
-            <a:lvl1pPr marL="614194" indent="-614194" defTabSz="508254">
-              <a:spcBef>
-                <a:spcPts val="2400"/>
-              </a:spcBef>
-              <a:buClrTx/>
-              <a:buSzPct val="40000"/>
-              <a:buFontTx/>
-              <a:buBlip>
-                <a:blip r:embed="rId2"/>
-              </a:buBlip>
-              <a:defRPr sz="5500"/>
-            </a:lvl1pPr>
-          </a:lstStyle>
-          <a:p>
-            <a:pPr/>
-            <a:r>
-              <a:t>Can check with a histogram</a:t>
-            </a:r>
-          </a:p>
-        </p:txBody>
-      </p:sp>
-      <p:sp>
-        <p:nvSpPr>
-          <p:cNvPr id="367" name="Shape 367"/>
-          <p:cNvSpPr/>
-          <p:nvPr/>
-        </p:nvSpPr>
-        <p:spPr>
-          <a:xfrm rot="2859210">
-            <a:off x="9405810" y="6463008"/>
-            <a:ext cx="1542639" cy="325930"/>
-          </a:xfrm>
-          <a:prstGeom prst="rect">
-            <a:avLst/>
-          </a:prstGeom>
-          <a:solidFill>
-            <a:schemeClr val="accent5"/>
-          </a:solidFill>
-          <a:ln w="12700">
-            <a:miter lim="400000"/>
-          </a:ln>
-        </p:spPr>
-        <p:txBody>
-          <a:bodyPr lIns="50800" tIns="50800" rIns="50800" bIns="50800" anchor="ctr"/>
+          <a:extLst>
+            <a:ext uri="{C572A759-6A51-4108-AA02-DFA0A04FC94B}">
+              <ma14:wrappingTextBoxFlag xmlns:ma14="http://schemas.microsoft.com/office/mac/drawingml/2011/main" val="1"/>
+            </a:ext>
+          </a:extLst>
+        </p:spPr>
+        <p:txBody>
+          <a:bodyPr lIns="50800" tIns="50800" rIns="50800" bIns="50800" anchor="ctr">
+            <a:spAutoFit/>
+          </a:bodyPr>
           <a:lstStyle/>
           <a:p>
-            <a:pPr algn="ctr">
-              <a:lnSpc>
-                <a:spcPct val="80000"/>
-              </a:lnSpc>
-              <a:spcBef>
-                <a:spcPts val="0"/>
-              </a:spcBef>
-              <a:defRPr cap="all" sz="2800">
-                <a:solidFill>
-                  <a:srgbClr val="FFFFFF"/>
-                </a:solidFill>
-                <a:latin typeface="+mn-lt"/>
-                <a:ea typeface="+mn-ea"/>
-                <a:cs typeface="+mn-cs"/>
-                <a:sym typeface="DIN Condensed"/>
+            <a:pPr>
+              <a:defRPr sz="8100">
+                <a:latin typeface="Anonymous Pro for Powerline"/>
+                <a:ea typeface="Anonymous Pro for Powerline"/>
+                <a:cs typeface="Anonymous Pro for Powerline"/>
+                <a:sym typeface="Anonymous Pro for Powerline"/>
               </a:defRPr>
             </a:pPr>
-          </a:p>
-        </p:txBody>
-      </p:sp>
-      <p:sp>
-        <p:nvSpPr>
-          <p:cNvPr id="368" name="Shape 368"/>
-          <p:cNvSpPr/>
-          <p:nvPr/>
-        </p:nvSpPr>
-        <p:spPr>
-          <a:xfrm rot="18911602">
-            <a:off x="9413546" y="6433362"/>
-            <a:ext cx="1597712" cy="310155"/>
-          </a:xfrm>
-          <a:prstGeom prst="rect">
-            <a:avLst/>
-          </a:prstGeom>
-          <a:solidFill>
-            <a:schemeClr val="accent5"/>
-          </a:solidFill>
-          <a:ln w="12700">
-            <a:miter lim="400000"/>
-          </a:ln>
-        </p:spPr>
-        <p:txBody>
-          <a:bodyPr lIns="50800" tIns="50800" rIns="50800" bIns="50800" anchor="ctr"/>
-          <a:lstStyle/>
-          <a:p>
-            <a:pPr algn="ctr">
-              <a:lnSpc>
-                <a:spcPct val="80000"/>
-              </a:lnSpc>
-              <a:spcBef>
-                <a:spcPts val="0"/>
-              </a:spcBef>
-              <a:defRPr cap="all" sz="2800">
+            <a:r>
+              <a:rPr>
                 <a:solidFill>
-                  <a:srgbClr val="FFFFFF"/>
+                  <a:schemeClr val="accent3"/>
                 </a:solidFill>
-                <a:latin typeface="+mn-lt"/>
-                <a:ea typeface="+mn-ea"/>
-                <a:cs typeface="+mn-cs"/>
-                <a:sym typeface="DIN Condensed"/>
-              </a:defRPr>
-            </a:pPr>
-          </a:p>
-        </p:txBody>
-      </p:sp>
-      <p:pic>
-        <p:nvPicPr>
-          <p:cNvPr id="369" name="pasted-image.jpeg"/>
-          <p:cNvPicPr>
-            <a:picLocks noChangeAspect="1"/>
-          </p:cNvPicPr>
-          <p:nvPr/>
-        </p:nvPicPr>
-        <p:blipFill>
-          <a:blip r:embed="rId3">
-            <a:extLst/>
-          </a:blip>
-          <a:stretch>
-            <a:fillRect/>
-          </a:stretch>
-        </p:blipFill>
-        <p:spPr>
-          <a:xfrm>
-            <a:off x="1116850" y="4022927"/>
-            <a:ext cx="6715537" cy="5377781"/>
-          </a:xfrm>
-          <a:prstGeom prst="rect">
-            <a:avLst/>
-          </a:prstGeom>
-          <a:ln w="12700">
-            <a:miter lim="400000"/>
-          </a:ln>
-        </p:spPr>
-      </p:pic>
-    </p:spTree>
-  </p:cSld>
-  <p:clrMapOvr>
-    <a:masterClrMapping/>
-  </p:clrMapOvr>
-  <p:transition xmlns:p14="http://schemas.microsoft.com/office/powerpoint/2010/main" spd="med" advClick="1"/>
-</p:sld>
-</file>
-
-<file path=ppt/slides/slide43.xml><?xml version="1.0" encoding="utf-8"?>
-<p:sld xmlns:a="http://schemas.openxmlformats.org/drawingml/2006/main" xmlns:r="http://schemas.openxmlformats.org/officeDocument/2006/relationships" xmlns:p="http://schemas.openxmlformats.org/presentationml/2006/main" showMasterSp="1" showMasterPhAnim="1">
-  <p:cSld>
-    <p:spTree>
-      <p:nvGrpSpPr>
-        <p:cNvPr id="1" name=""/>
-        <p:cNvGrpSpPr/>
-        <p:nvPr/>
-      </p:nvGrpSpPr>
-      <p:grpSpPr>
-        <a:xfrm>
-          <a:off x="0" y="0"/>
-          <a:ext cx="0" cy="0"/>
-          <a:chOff x="0" y="0"/>
-          <a:chExt cx="0" cy="0"/>
-        </a:xfrm>
-      </p:grpSpPr>
-      <p:sp>
-        <p:nvSpPr>
-          <p:cNvPr id="371" name="Shape 371"/>
-          <p:cNvSpPr/>
-          <p:nvPr>
-            <p:ph type="title"/>
-          </p:nvPr>
-        </p:nvSpPr>
-        <p:spPr>
-          <a:xfrm>
-            <a:off x="2802102" y="4038600"/>
-            <a:ext cx="7400596" cy="4521200"/>
-          </a:xfrm>
-          <a:prstGeom prst="rect">
-            <a:avLst/>
-          </a:prstGeom>
-        </p:spPr>
-        <p:txBody>
-          <a:bodyPr/>
-          <a:lstStyle/>
-          <a:p>
-            <a:pPr/>
-            <a:r>
-              <a:t>Exercises</a:t>
+              </a:rPr>
+              <a:t>3</a:t>
+            </a:r>
+            <a:r>
+              <a:rPr>
+                <a:solidFill>
+                  <a:schemeClr val="accent5"/>
+                </a:solidFill>
+              </a:rPr>
+              <a:t> </a:t>
+            </a:r>
+            <a:r>
+              <a:t>—&gt; </a:t>
+            </a:r>
+            <a:r>
+              <a:rPr>
+                <a:solidFill>
+                  <a:schemeClr val="accent5"/>
+                </a:solidFill>
+              </a:rPr>
+              <a:t>7</a:t>
             </a:r>
           </a:p>
         </p:txBody>
@@ -11318,7 +11102,7 @@
       </p:grpSpPr>
       <p:sp>
         <p:nvSpPr>
-          <p:cNvPr id="215" name="Shape 215"/>
+          <p:cNvPr id="229" name="Shape 229"/>
           <p:cNvSpPr/>
           <p:nvPr>
             <p:ph type="title"/>
@@ -11346,21 +11130,21 @@
           <a:p>
             <a:pPr/>
             <a:r>
-              <a:t>single-variable</a:t>
-            </a:r>
-          </a:p>
-        </p:txBody>
-      </p:sp>
-      <p:sp>
-        <p:nvSpPr>
-          <p:cNvPr id="216" name="Shape 216"/>
+              <a:t>Training a Model</a:t>
+            </a:r>
+          </a:p>
+        </p:txBody>
+      </p:sp>
+      <p:sp>
+        <p:nvSpPr>
+          <p:cNvPr id="230" name="Shape 230"/>
           <p:cNvSpPr/>
           <p:nvPr/>
         </p:nvSpPr>
         <p:spPr>
           <a:xfrm>
-            <a:off x="574094" y="2903133"/>
-            <a:ext cx="12136012" cy="1333501"/>
+            <a:off x="162912" y="4400549"/>
+            <a:ext cx="13599923" cy="2806701"/>
           </a:xfrm>
           <a:prstGeom prst="rect">
             <a:avLst/>
@@ -11381,7 +11165,7 @@
           <a:lstStyle/>
           <a:p>
             <a:pPr>
-              <a:defRPr sz="8100">
+              <a:defRPr sz="4600">
                 <a:latin typeface="Anonymous Pro for Powerline"/>
                 <a:ea typeface="Anonymous Pro for Powerline"/>
                 <a:cs typeface="Anonymous Pro for Powerline"/>
@@ -11389,61 +11173,12 @@
               </a:defRPr>
             </a:pPr>
             <a:r>
-              <a:rPr>
-                <a:solidFill>
-                  <a:schemeClr val="accent5"/>
-                </a:solidFill>
-              </a:rPr>
-              <a:t>y</a:t>
-            </a:r>
-            <a:r>
-              <a:t> = 2</a:t>
-            </a:r>
-            <a:r>
-              <a:rPr>
-                <a:solidFill>
-                  <a:schemeClr val="accent3"/>
-                </a:solidFill>
-              </a:rPr>
-              <a:t>x</a:t>
-            </a:r>
-            <a:r>
-              <a:t> + 1</a:t>
-            </a:r>
-          </a:p>
-        </p:txBody>
-      </p:sp>
-      <p:sp>
-        <p:nvSpPr>
-          <p:cNvPr id="217" name="Shape 217"/>
-          <p:cNvSpPr/>
-          <p:nvPr/>
-        </p:nvSpPr>
-        <p:spPr>
-          <a:xfrm>
-            <a:off x="574094" y="5137150"/>
-            <a:ext cx="12136012" cy="1333501"/>
-          </a:xfrm>
-          <a:prstGeom prst="rect">
-            <a:avLst/>
-          </a:prstGeom>
-          <a:ln w="12700">
-            <a:miter lim="400000"/>
-          </a:ln>
-          <a:extLst>
-            <a:ext uri="{C572A759-6A51-4108-AA02-DFA0A04FC94B}">
-              <ma14:wrappingTextBoxFlag xmlns:ma14="http://schemas.microsoft.com/office/mac/drawingml/2011/main" val="1"/>
-            </a:ext>
-          </a:extLst>
-        </p:spPr>
-        <p:txBody>
-          <a:bodyPr lIns="50800" tIns="50800" rIns="50800" bIns="50800" anchor="ctr">
-            <a:spAutoFit/>
-          </a:bodyPr>
-          <a:lstStyle/>
+              <a:t>model = LinearRegression()</a:t>
+            </a:r>
+          </a:p>
           <a:p>
             <a:pPr>
-              <a:defRPr sz="8100">
+              <a:defRPr sz="4600">
                 <a:latin typeface="Anonymous Pro for Powerline"/>
                 <a:ea typeface="Anonymous Pro for Powerline"/>
                 <a:cs typeface="Anonymous Pro for Powerline"/>
@@ -11451,66 +11186,12 @@
               </a:defRPr>
             </a:pPr>
             <a:r>
-              <a:rPr>
-                <a:solidFill>
-                  <a:schemeClr val="accent3"/>
-                </a:solidFill>
-              </a:rPr>
-              <a:t>1</a:t>
-            </a:r>
-            <a:r>
-              <a:rPr>
-                <a:solidFill>
-                  <a:schemeClr val="accent5"/>
-                </a:solidFill>
-              </a:rPr>
-              <a:t> </a:t>
-            </a:r>
-            <a:r>
-              <a:t>—&gt; </a:t>
-            </a:r>
-            <a:r>
-              <a:rPr>
-                <a:solidFill>
-                  <a:schemeClr val="accent5"/>
-                </a:solidFill>
-              </a:rPr>
-              <a:t>3</a:t>
-            </a:r>
-          </a:p>
-        </p:txBody>
-      </p:sp>
-      <p:sp>
-        <p:nvSpPr>
-          <p:cNvPr id="218" name="Shape 218"/>
-          <p:cNvSpPr/>
-          <p:nvPr/>
-        </p:nvSpPr>
-        <p:spPr>
-          <a:xfrm>
-            <a:off x="574094" y="6516165"/>
-            <a:ext cx="12136012" cy="1333501"/>
-          </a:xfrm>
-          <a:prstGeom prst="rect">
-            <a:avLst/>
-          </a:prstGeom>
-          <a:ln w="12700">
-            <a:miter lim="400000"/>
-          </a:ln>
-          <a:extLst>
-            <a:ext uri="{C572A759-6A51-4108-AA02-DFA0A04FC94B}">
-              <ma14:wrappingTextBoxFlag xmlns:ma14="http://schemas.microsoft.com/office/mac/drawingml/2011/main" val="1"/>
-            </a:ext>
-          </a:extLst>
-        </p:spPr>
-        <p:txBody>
-          <a:bodyPr lIns="50800" tIns="50800" rIns="50800" bIns="50800" anchor="ctr">
-            <a:spAutoFit/>
-          </a:bodyPr>
-          <a:lstStyle/>
+              <a:t>columns = [‘crime_rate’]</a:t>
+            </a:r>
+          </a:p>
           <a:p>
             <a:pPr>
-              <a:defRPr sz="8100">
+              <a:defRPr sz="4600">
                 <a:latin typeface="Anonymous Pro for Powerline"/>
                 <a:ea typeface="Anonymous Pro for Powerline"/>
                 <a:cs typeface="Anonymous Pro for Powerline"/>
@@ -11518,98 +11199,7 @@
               </a:defRPr>
             </a:pPr>
             <a:r>
-              <a:rPr>
-                <a:solidFill>
-                  <a:schemeClr val="accent3"/>
-                </a:solidFill>
-              </a:rPr>
-              <a:t>2</a:t>
-            </a:r>
-            <a:r>
-              <a:rPr>
-                <a:solidFill>
-                  <a:schemeClr val="accent5"/>
-                </a:solidFill>
-              </a:rPr>
-              <a:t> </a:t>
-            </a:r>
-            <a:r>
-              <a:t>—&gt; </a:t>
-            </a:r>
-            <a:r>
-              <a:rPr>
-                <a:solidFill>
-                  <a:schemeClr val="accent5"/>
-                </a:solidFill>
-              </a:rPr>
-              <a:t>5</a:t>
-            </a:r>
-          </a:p>
-        </p:txBody>
-      </p:sp>
-      <p:sp>
-        <p:nvSpPr>
-          <p:cNvPr id="219" name="Shape 219"/>
-          <p:cNvSpPr/>
-          <p:nvPr/>
-        </p:nvSpPr>
-        <p:spPr>
-          <a:xfrm>
-            <a:off x="574094" y="7895180"/>
-            <a:ext cx="12136012" cy="1333501"/>
-          </a:xfrm>
-          <a:prstGeom prst="rect">
-            <a:avLst/>
-          </a:prstGeom>
-          <a:ln w="12700">
-            <a:miter lim="400000"/>
-          </a:ln>
-          <a:extLst>
-            <a:ext uri="{C572A759-6A51-4108-AA02-DFA0A04FC94B}">
-              <ma14:wrappingTextBoxFlag xmlns:ma14="http://schemas.microsoft.com/office/mac/drawingml/2011/main" val="1"/>
-            </a:ext>
-          </a:extLst>
-        </p:spPr>
-        <p:txBody>
-          <a:bodyPr lIns="50800" tIns="50800" rIns="50800" bIns="50800" anchor="ctr">
-            <a:spAutoFit/>
-          </a:bodyPr>
-          <a:lstStyle/>
-          <a:p>
-            <a:pPr>
-              <a:defRPr sz="8100">
-                <a:latin typeface="Anonymous Pro for Powerline"/>
-                <a:ea typeface="Anonymous Pro for Powerline"/>
-                <a:cs typeface="Anonymous Pro for Powerline"/>
-                <a:sym typeface="Anonymous Pro for Powerline"/>
-              </a:defRPr>
-            </a:pPr>
-            <a:r>
-              <a:rPr>
-                <a:solidFill>
-                  <a:schemeClr val="accent3"/>
-                </a:solidFill>
-              </a:rPr>
-              <a:t>3</a:t>
-            </a:r>
-            <a:r>
-              <a:rPr>
-                <a:solidFill>
-                  <a:schemeClr val="accent5"/>
-                </a:solidFill>
-              </a:rPr>
-              <a:t> </a:t>
-            </a:r>
-            <a:r>
-              <a:t>—&gt; </a:t>
-            </a:r>
-            <a:r>
-              <a:rPr>
-                <a:solidFill>
-                  <a:schemeClr val="accent5"/>
-                </a:solidFill>
-              </a:rPr>
-              <a:t>7</a:t>
+              <a:t>model.fit(df[columns],df[‘median_price])</a:t>
             </a:r>
           </a:p>
         </p:txBody>
@@ -11642,7 +11232,7 @@
       </p:grpSpPr>
       <p:sp>
         <p:nvSpPr>
-          <p:cNvPr id="221" name="Shape 221"/>
+          <p:cNvPr id="232" name="Shape 232"/>
           <p:cNvSpPr/>
           <p:nvPr>
             <p:ph type="title"/>
@@ -11670,21 +11260,21 @@
           <a:p>
             <a:pPr/>
             <a:r>
-              <a:t>Python Equivalent</a:t>
-            </a:r>
-          </a:p>
-        </p:txBody>
-      </p:sp>
-      <p:sp>
-        <p:nvSpPr>
-          <p:cNvPr id="222" name="Shape 222"/>
+              <a:t>Using a Model</a:t>
+            </a:r>
+          </a:p>
+        </p:txBody>
+      </p:sp>
+      <p:sp>
+        <p:nvSpPr>
+          <p:cNvPr id="233" name="Shape 233"/>
           <p:cNvSpPr/>
           <p:nvPr/>
         </p:nvSpPr>
         <p:spPr>
           <a:xfrm>
-            <a:off x="531687" y="4286249"/>
-            <a:ext cx="12946700" cy="3035301"/>
+            <a:off x="526400" y="5397500"/>
+            <a:ext cx="13599923" cy="812801"/>
           </a:xfrm>
           <a:prstGeom prst="rect">
             <a:avLst/>
@@ -11702,44 +11292,20 @@
           <a:bodyPr lIns="50800" tIns="50800" rIns="50800" bIns="50800" anchor="ctr">
             <a:spAutoFit/>
           </a:bodyPr>
-          <a:lstStyle/>
-          <a:p>
-            <a:pPr>
-              <a:defRPr sz="5100">
+          <a:lstStyle>
+            <a:lvl1pPr>
+              <a:defRPr sz="4700">
                 <a:latin typeface="Anonymous Pro for Powerline"/>
                 <a:ea typeface="Anonymous Pro for Powerline"/>
                 <a:cs typeface="Anonymous Pro for Powerline"/>
                 <a:sym typeface="Anonymous Pro for Powerline"/>
               </a:defRPr>
-            </a:pPr>
-            <a:r>
-              <a:t>model = LinearRegression()</a:t>
-            </a:r>
-          </a:p>
-          <a:p>
-            <a:pPr>
-              <a:defRPr sz="5100">
-                <a:latin typeface="Anonymous Pro for Powerline"/>
-                <a:ea typeface="Anonymous Pro for Powerline"/>
-                <a:cs typeface="Anonymous Pro for Powerline"/>
-                <a:sym typeface="Anonymous Pro for Powerline"/>
-              </a:defRPr>
-            </a:pPr>
-            <a:r>
-              <a:t>model.coef_ = np.array([2.0])</a:t>
-            </a:r>
-          </a:p>
-          <a:p>
-            <a:pPr>
-              <a:defRPr sz="5100">
-                <a:latin typeface="Anonymous Pro for Powerline"/>
-                <a:ea typeface="Anonymous Pro for Powerline"/>
-                <a:cs typeface="Anonymous Pro for Powerline"/>
-                <a:sym typeface="Anonymous Pro for Powerline"/>
-              </a:defRPr>
-            </a:pPr>
-            <a:r>
-              <a:t>model.intercept_ = 1.0</a:t>
+            </a:lvl1pPr>
+          </a:lstStyle>
+          <a:p>
+            <a:pPr/>
+            <a:r>
+              <a:t>model.predict(df[columns])</a:t>
             </a:r>
           </a:p>
         </p:txBody>
@@ -11772,7 +11338,7 @@
       </p:grpSpPr>
       <p:sp>
         <p:nvSpPr>
-          <p:cNvPr id="224" name="Shape 224"/>
+          <p:cNvPr id="235" name="Shape 235"/>
           <p:cNvSpPr/>
           <p:nvPr>
             <p:ph type="title"/>
@@ -11800,21 +11366,21 @@
           <a:p>
             <a:pPr/>
             <a:r>
-              <a:t>single-variable</a:t>
-            </a:r>
-          </a:p>
-        </p:txBody>
-      </p:sp>
-      <p:sp>
-        <p:nvSpPr>
-          <p:cNvPr id="225" name="Shape 225"/>
+              <a:t>Multi-variable</a:t>
+            </a:r>
+          </a:p>
+        </p:txBody>
+      </p:sp>
+      <p:sp>
+        <p:nvSpPr>
+          <p:cNvPr id="236" name="Shape 236"/>
           <p:cNvSpPr/>
           <p:nvPr/>
         </p:nvSpPr>
         <p:spPr>
           <a:xfrm>
-            <a:off x="434394" y="3236537"/>
-            <a:ext cx="12136012" cy="1028701"/>
+            <a:off x="656526" y="4571724"/>
+            <a:ext cx="12136011" cy="1333501"/>
           </a:xfrm>
           <a:prstGeom prst="rect">
             <a:avLst/>
@@ -11835,76 +11401,6 @@
           <a:lstStyle/>
           <a:p>
             <a:pPr>
-              <a:defRPr sz="6100">
-                <a:solidFill>
-                  <a:schemeClr val="accent5"/>
-                </a:solidFill>
-                <a:latin typeface="Anonymous Pro for Powerline"/>
-                <a:ea typeface="Anonymous Pro for Powerline"/>
-                <a:cs typeface="Anonymous Pro for Powerline"/>
-                <a:sym typeface="Anonymous Pro for Powerline"/>
-              </a:defRPr>
-            </a:pPr>
-            <a:r>
-              <a:t>y </a:t>
-            </a:r>
-            <a:r>
-              <a:rPr>
-                <a:solidFill>
-                  <a:srgbClr val="838787"/>
-                </a:solidFill>
-              </a:rPr>
-              <a:t>= model.predict(</a:t>
-            </a:r>
-            <a:r>
-              <a:rPr>
-                <a:solidFill>
-                  <a:schemeClr val="accent3"/>
-                </a:solidFill>
-              </a:rPr>
-              <a:t>x</a:t>
-            </a:r>
-            <a:r>
-              <a:rPr>
-                <a:solidFill>
-                  <a:srgbClr val="838787"/>
-                </a:solidFill>
-              </a:rPr>
-              <a:t>)</a:t>
-            </a:r>
-          </a:p>
-        </p:txBody>
-      </p:sp>
-      <p:sp>
-        <p:nvSpPr>
-          <p:cNvPr id="226" name="Shape 226"/>
-          <p:cNvSpPr/>
-          <p:nvPr/>
-        </p:nvSpPr>
-        <p:spPr>
-          <a:xfrm>
-            <a:off x="574094" y="5137150"/>
-            <a:ext cx="12136012" cy="1333501"/>
-          </a:xfrm>
-          <a:prstGeom prst="rect">
-            <a:avLst/>
-          </a:prstGeom>
-          <a:ln w="12700">
-            <a:miter lim="400000"/>
-          </a:ln>
-          <a:extLst>
-            <a:ext uri="{C572A759-6A51-4108-AA02-DFA0A04FC94B}">
-              <ma14:wrappingTextBoxFlag xmlns:ma14="http://schemas.microsoft.com/office/mac/drawingml/2011/main" val="1"/>
-            </a:ext>
-          </a:extLst>
-        </p:spPr>
-        <p:txBody>
-          <a:bodyPr lIns="50800" tIns="50800" rIns="50800" bIns="50800" anchor="ctr">
-            <a:spAutoFit/>
-          </a:bodyPr>
-          <a:lstStyle/>
-          <a:p>
-            <a:pPr>
               <a:defRPr sz="8100">
                 <a:latin typeface="Anonymous Pro for Powerline"/>
                 <a:ea typeface="Anonymous Pro for Powerline"/>
@@ -11915,163 +11411,51 @@
             <a:r>
               <a:rPr>
                 <a:solidFill>
-                  <a:schemeClr val="accent3"/>
-                </a:solidFill>
-              </a:rPr>
-              <a:t>1</a:t>
-            </a:r>
-            <a:r>
-              <a:rPr>
-                <a:solidFill>
                   <a:schemeClr val="accent5"/>
                 </a:solidFill>
               </a:rPr>
-              <a:t> </a:t>
-            </a:r>
-            <a:r>
-              <a:t>—&gt; </a:t>
-            </a:r>
-            <a:r>
-              <a:rPr>
-                <a:solidFill>
-                  <a:schemeClr val="accent5"/>
-                </a:solidFill>
-              </a:rPr>
-              <a:t>3</a:t>
-            </a:r>
-          </a:p>
-        </p:txBody>
-      </p:sp>
-      <p:sp>
-        <p:nvSpPr>
-          <p:cNvPr id="227" name="Shape 227"/>
-          <p:cNvSpPr/>
-          <p:nvPr/>
-        </p:nvSpPr>
-        <p:spPr>
-          <a:xfrm>
-            <a:off x="574094" y="6516165"/>
-            <a:ext cx="12136012" cy="1333501"/>
-          </a:xfrm>
-          <a:prstGeom prst="rect">
-            <a:avLst/>
-          </a:prstGeom>
-          <a:ln w="12700">
-            <a:miter lim="400000"/>
-          </a:ln>
-          <a:extLst>
-            <a:ext uri="{C572A759-6A51-4108-AA02-DFA0A04FC94B}">
-              <ma14:wrappingTextBoxFlag xmlns:ma14="http://schemas.microsoft.com/office/mac/drawingml/2011/main" val="1"/>
-            </a:ext>
-          </a:extLst>
-        </p:spPr>
-        <p:txBody>
-          <a:bodyPr lIns="50800" tIns="50800" rIns="50800" bIns="50800" anchor="ctr">
-            <a:spAutoFit/>
-          </a:bodyPr>
-          <a:lstStyle/>
-          <a:p>
-            <a:pPr>
-              <a:defRPr sz="8100">
-                <a:latin typeface="Anonymous Pro for Powerline"/>
-                <a:ea typeface="Anonymous Pro for Powerline"/>
-                <a:cs typeface="Anonymous Pro for Powerline"/>
-                <a:sym typeface="Anonymous Pro for Powerline"/>
-              </a:defRPr>
-            </a:pPr>
+              <a:t>y</a:t>
+            </a:r>
+            <a:r>
+              <a:t> = 2</a:t>
+            </a:r>
             <a:r>
               <a:rPr>
                 <a:solidFill>
                   <a:schemeClr val="accent3"/>
                 </a:solidFill>
               </a:rPr>
-              <a:t>2</a:t>
-            </a:r>
-            <a:r>
-              <a:rPr>
+              <a:t>x</a:t>
+            </a:r>
+            <a:r>
+              <a:rPr baseline="-5999">
                 <a:solidFill>
-                  <a:schemeClr val="accent5"/>
+                  <a:schemeClr val="accent3"/>
                 </a:solidFill>
               </a:rPr>
-              <a:t> </a:t>
-            </a:r>
-            <a:r>
-              <a:t>—&gt; </a:t>
-            </a:r>
-            <a:r>
-              <a:rPr>
-                <a:solidFill>
-                  <a:schemeClr val="accent5"/>
-                </a:solidFill>
-              </a:rPr>
-              <a:t>5</a:t>
-            </a:r>
-          </a:p>
-        </p:txBody>
-      </p:sp>
-      <p:sp>
-        <p:nvSpPr>
-          <p:cNvPr id="228" name="Shape 228"/>
-          <p:cNvSpPr/>
-          <p:nvPr/>
-        </p:nvSpPr>
-        <p:spPr>
-          <a:xfrm>
-            <a:off x="574094" y="7895180"/>
-            <a:ext cx="12136012" cy="1333501"/>
-          </a:xfrm>
-          <a:prstGeom prst="rect">
-            <a:avLst/>
-          </a:prstGeom>
-          <a:ln w="12700">
-            <a:miter lim="400000"/>
-          </a:ln>
-          <a:extLst>
-            <a:ext uri="{C572A759-6A51-4108-AA02-DFA0A04FC94B}">
-              <ma14:wrappingTextBoxFlag xmlns:ma14="http://schemas.microsoft.com/office/mac/drawingml/2011/main" val="1"/>
-            </a:ext>
-          </a:extLst>
-        </p:spPr>
-        <p:txBody>
-          <a:bodyPr lIns="50800" tIns="50800" rIns="50800" bIns="50800" anchor="ctr">
-            <a:spAutoFit/>
-          </a:bodyPr>
-          <a:lstStyle/>
-          <a:p>
-            <a:pPr>
-              <a:defRPr sz="8100">
-                <a:latin typeface="Anonymous Pro for Powerline"/>
-                <a:ea typeface="Anonymous Pro for Powerline"/>
-                <a:cs typeface="Anonymous Pro for Powerline"/>
-                <a:sym typeface="Anonymous Pro for Powerline"/>
-              </a:defRPr>
-            </a:pPr>
+              <a:t>0</a:t>
+            </a:r>
+            <a:r>
+              <a:t> + 3</a:t>
+            </a:r>
             <a:r>
               <a:rPr>
                 <a:solidFill>
                   <a:schemeClr val="accent3"/>
                 </a:solidFill>
               </a:rPr>
-              <a:t>3</a:t>
-            </a:r>
-            <a:r>
-              <a:rPr>
+              <a:t>x</a:t>
+            </a:r>
+            <a:r>
+              <a:rPr baseline="-5999">
                 <a:solidFill>
-                  <a:schemeClr val="accent5"/>
+                  <a:schemeClr val="accent3"/>
                 </a:solidFill>
               </a:rPr>
-              <a:t> </a:t>
-            </a:r>
-            <a:r>
-              <a:t>—&gt; </a:t>
-            </a:r>
-            <a:r>
-              <a:rPr>
-                <a:solidFill>
-                  <a:schemeClr val="accent5"/>
-                </a:solidFill>
-              </a:rPr>
-              <a:t>7</a:t>
+              <a:t>1 </a:t>
+            </a:r>
+            <a:r>
+              <a:t>+ 1</a:t>
             </a:r>
           </a:p>
         </p:txBody>
@@ -12104,7 +11488,7 @@
       </p:grpSpPr>
       <p:sp>
         <p:nvSpPr>
-          <p:cNvPr id="230" name="Shape 230"/>
+          <p:cNvPr id="238" name="Shape 238"/>
           <p:cNvSpPr/>
           <p:nvPr>
             <p:ph type="title"/>
@@ -12132,21 +11516,21 @@
           <a:p>
             <a:pPr/>
             <a:r>
-              <a:t>Training a Model</a:t>
-            </a:r>
-          </a:p>
-        </p:txBody>
-      </p:sp>
-      <p:sp>
-        <p:nvSpPr>
-          <p:cNvPr id="231" name="Shape 231"/>
+              <a:t>Multi-variable</a:t>
+            </a:r>
+          </a:p>
+        </p:txBody>
+      </p:sp>
+      <p:sp>
+        <p:nvSpPr>
+          <p:cNvPr id="239" name="Shape 239"/>
           <p:cNvSpPr/>
           <p:nvPr/>
         </p:nvSpPr>
         <p:spPr>
           <a:xfrm>
-            <a:off x="41749" y="4381499"/>
-            <a:ext cx="13599923" cy="2844801"/>
+            <a:off x="656526" y="4571724"/>
+            <a:ext cx="12136011" cy="1333501"/>
           </a:xfrm>
           <a:prstGeom prst="rect">
             <a:avLst/>
@@ -12167,7 +11551,7 @@
           <a:lstStyle/>
           <a:p>
             <a:pPr>
-              <a:defRPr sz="4700">
+              <a:defRPr sz="8100">
                 <a:latin typeface="Anonymous Pro for Powerline"/>
                 <a:ea typeface="Anonymous Pro for Powerline"/>
                 <a:cs typeface="Anonymous Pro for Powerline"/>
@@ -12175,12 +11559,88 @@
               </a:defRPr>
             </a:pPr>
             <a:r>
-              <a:t>model = LinearRegression()</a:t>
-            </a:r>
-          </a:p>
+              <a:rPr>
+                <a:solidFill>
+                  <a:schemeClr val="accent5"/>
+                </a:solidFill>
+              </a:rPr>
+              <a:t>y</a:t>
+            </a:r>
+            <a:r>
+              <a:t> = 2</a:t>
+            </a:r>
+            <a:r>
+              <a:rPr>
+                <a:solidFill>
+                  <a:schemeClr val="accent3"/>
+                </a:solidFill>
+              </a:rPr>
+              <a:t>x</a:t>
+            </a:r>
+            <a:r>
+              <a:rPr baseline="-5999">
+                <a:solidFill>
+                  <a:schemeClr val="accent3"/>
+                </a:solidFill>
+              </a:rPr>
+              <a:t>0</a:t>
+            </a:r>
+            <a:r>
+              <a:t> + 3</a:t>
+            </a:r>
+            <a:r>
+              <a:rPr>
+                <a:solidFill>
+                  <a:schemeClr val="accent3"/>
+                </a:solidFill>
+              </a:rPr>
+              <a:t>x</a:t>
+            </a:r>
+            <a:r>
+              <a:rPr baseline="-5999">
+                <a:solidFill>
+                  <a:schemeClr val="accent3"/>
+                </a:solidFill>
+              </a:rPr>
+              <a:t>1 </a:t>
+            </a:r>
+            <a:r>
+              <a:t>+ 1</a:t>
+            </a:r>
+          </a:p>
+        </p:txBody>
+      </p:sp>
+      <p:sp>
+        <p:nvSpPr>
+          <p:cNvPr id="240" name="Shape 240"/>
+          <p:cNvSpPr/>
+          <p:nvPr/>
+        </p:nvSpPr>
+        <p:spPr>
+          <a:xfrm>
+            <a:off x="796226" y="6389165"/>
+            <a:ext cx="12136011" cy="1333501"/>
+          </a:xfrm>
+          <a:prstGeom prst="rect">
+            <a:avLst/>
+          </a:prstGeom>
+          <a:ln w="12700">
+            <a:miter lim="400000"/>
+          </a:ln>
+          <a:extLst>
+            <a:ext uri="{C572A759-6A51-4108-AA02-DFA0A04FC94B}">
+              <ma14:wrappingTextBoxFlag xmlns:ma14="http://schemas.microsoft.com/office/mac/drawingml/2011/main" val="1"/>
+            </a:ext>
+          </a:extLst>
+        </p:spPr>
+        <p:txBody>
+          <a:bodyPr lIns="50800" tIns="50800" rIns="50800" bIns="50800" anchor="ctr">
+            <a:spAutoFit/>
+          </a:bodyPr>
+          <a:lstStyle/>
           <a:p>
             <a:pPr>
-              <a:defRPr sz="4700">
+              <a:defRPr sz="8100">
                 <a:latin typeface="Anonymous Pro for Powerline"/>
                 <a:ea typeface="Anonymous Pro for Powerline"/>
                 <a:cs typeface="Anonymous Pro for Powerline"/>
@@ -12188,12 +11648,66 @@
               </a:defRPr>
             </a:pPr>
             <a:r>
-              <a:t>columns = [‘crime_rate’]</a:t>
-            </a:r>
-          </a:p>
+              <a:rPr>
+                <a:solidFill>
+                  <a:schemeClr val="accent3"/>
+                </a:solidFill>
+              </a:rPr>
+              <a:t>1,4</a:t>
+            </a:r>
+            <a:r>
+              <a:rPr>
+                <a:solidFill>
+                  <a:schemeClr val="accent5"/>
+                </a:solidFill>
+              </a:rPr>
+              <a:t> </a:t>
+            </a:r>
+            <a:r>
+              <a:t>—&gt; </a:t>
+            </a:r>
+            <a:r>
+              <a:rPr>
+                <a:solidFill>
+                  <a:schemeClr val="accent5"/>
+                </a:solidFill>
+              </a:rPr>
+              <a:t>15</a:t>
+            </a:r>
+          </a:p>
+        </p:txBody>
+      </p:sp>
+      <p:sp>
+        <p:nvSpPr>
+          <p:cNvPr id="241" name="Shape 241"/>
+          <p:cNvSpPr/>
+          <p:nvPr/>
+        </p:nvSpPr>
+        <p:spPr>
+          <a:xfrm>
+            <a:off x="796226" y="7768180"/>
+            <a:ext cx="12136011" cy="1333501"/>
+          </a:xfrm>
+          <a:prstGeom prst="rect">
+            <a:avLst/>
+          </a:prstGeom>
+          <a:ln w="12700">
+            <a:miter lim="400000"/>
+          </a:ln>
+          <a:extLst>
+            <a:ext uri="{C572A759-6A51-4108-AA02-DFA0A04FC94B}">
+              <ma14:wrappingTextBoxFlag xmlns:ma14="http://schemas.microsoft.com/office/mac/drawingml/2011/main" val="1"/>
+            </a:ext>
+          </a:extLst>
+        </p:spPr>
+        <p:txBody>
+          <a:bodyPr lIns="50800" tIns="50800" rIns="50800" bIns="50800" anchor="ctr">
+            <a:spAutoFit/>
+          </a:bodyPr>
+          <a:lstStyle/>
           <a:p>
             <a:pPr>
-              <a:defRPr sz="4700">
+              <a:defRPr sz="8100">
                 <a:latin typeface="Anonymous Pro for Powerline"/>
                 <a:ea typeface="Anonymous Pro for Powerline"/>
                 <a:cs typeface="Anonymous Pro for Powerline"/>
@@ -12201,7 +11715,31 @@
               </a:defRPr>
             </a:pPr>
             <a:r>
-              <a:t>model.fit(df[columns],df[‘median_price])</a:t>
+              <a:rPr>
+                <a:solidFill>
+                  <a:schemeClr val="accent3"/>
+                </a:solidFill>
+              </a:rPr>
+              <a:t>2,3</a:t>
+            </a:r>
+            <a:r>
+              <a:rPr>
+                <a:solidFill>
+                  <a:schemeClr val="accent5"/>
+                </a:solidFill>
+              </a:rPr>
+              <a:t> </a:t>
+            </a:r>
+            <a:r>
+              <a:t>—&gt; </a:t>
+            </a:r>
+            <a:r>
+              <a:rPr>
+                <a:solidFill>
+                  <a:schemeClr val="accent5"/>
+                </a:solidFill>
+              </a:rPr>
+              <a:t>14</a:t>
             </a:r>
           </a:p>
         </p:txBody>
@@ -12234,7 +11772,7 @@
       </p:grpSpPr>
       <p:sp>
         <p:nvSpPr>
-          <p:cNvPr id="233" name="Shape 233"/>
+          <p:cNvPr id="243" name="Shape 243"/>
           <p:cNvSpPr/>
           <p:nvPr>
             <p:ph type="title"/>
@@ -12262,21 +11800,21 @@
           <a:p>
             <a:pPr/>
             <a:r>
-              <a:t>Using a Model</a:t>
-            </a:r>
-          </a:p>
-        </p:txBody>
-      </p:sp>
-      <p:sp>
-        <p:nvSpPr>
-          <p:cNvPr id="234" name="Shape 234"/>
+              <a:t>Training a Model</a:t>
+            </a:r>
+          </a:p>
+        </p:txBody>
+      </p:sp>
+      <p:sp>
+        <p:nvSpPr>
+          <p:cNvPr id="244" name="Shape 244"/>
           <p:cNvSpPr/>
           <p:nvPr/>
         </p:nvSpPr>
         <p:spPr>
           <a:xfrm>
-            <a:off x="526400" y="5397500"/>
-            <a:ext cx="13599923" cy="812801"/>
+            <a:off x="41749" y="4381499"/>
+            <a:ext cx="13599923" cy="2844801"/>
           </a:xfrm>
           <a:prstGeom prst="rect">
             <a:avLst/>
@@ -12294,20 +11832,44 @@
           <a:bodyPr lIns="50800" tIns="50800" rIns="50800" bIns="50800" anchor="ctr">
             <a:spAutoFit/>
           </a:bodyPr>
-          <a:lstStyle>
-            <a:lvl1pPr>
+          <a:lstStyle/>
+          <a:p>
+            <a:pPr>
               <a:defRPr sz="4700">
                 <a:latin typeface="Anonymous Pro for Powerline"/>
                 <a:ea typeface="Anonymous Pro for Powerline"/>
                 <a:cs typeface="Anonymous Pro for Powerline"/>
                 <a:sym typeface="Anonymous Pro for Powerline"/>
               </a:defRPr>
-            </a:lvl1pPr>
-          </a:lstStyle>
-          <a:p>
-            <a:pPr/>
-            <a:r>
-              <a:t>model.predict(df[columns])</a:t>
+            </a:pPr>
+            <a:r>
+              <a:t>model = LinearRegression()</a:t>
+            </a:r>
+          </a:p>
+          <a:p>
+            <a:pPr>
+              <a:defRPr sz="4700">
+                <a:latin typeface="Anonymous Pro for Powerline"/>
+                <a:ea typeface="Anonymous Pro for Powerline"/>
+                <a:cs typeface="Anonymous Pro for Powerline"/>
+                <a:sym typeface="Anonymous Pro for Powerline"/>
+              </a:defRPr>
+            </a:pPr>
+            <a:r>
+              <a:t>columns = [‘crime_rate’, ‘tax_rate’]</a:t>
+            </a:r>
+          </a:p>
+          <a:p>
+            <a:pPr>
+              <a:defRPr sz="4700">
+                <a:latin typeface="Anonymous Pro for Powerline"/>
+                <a:ea typeface="Anonymous Pro for Powerline"/>
+                <a:cs typeface="Anonymous Pro for Powerline"/>
+                <a:sym typeface="Anonymous Pro for Powerline"/>
+              </a:defRPr>
+            </a:pPr>
+            <a:r>
+              <a:t>model.fit(df[columns],df[‘median_price])</a:t>
             </a:r>
           </a:p>
         </p:txBody>
